--- a/assets/Presentation CV Vincent Le Falher.pptx
+++ b/assets/Presentation CV Vincent Le Falher.pptx
@@ -21,6 +21,7 @@
     <p:sldId id="266" r:id="rId16"/>
     <p:sldId id="267" r:id="rId17"/>
     <p:sldId id="268" r:id="rId18"/>
+    <p:sldId id="269" r:id="rId19"/>
   </p:sldIdLst>
   <p:sldSz cy="5143500" cx="9144000"/>
   <p:notesSz cx="6858000" cy="9144000"/>
@@ -802,7 +803,7 @@
   <p:cSld>
     <p:spTree>
       <p:nvGrpSpPr>
-        <p:cNvPr id="116" name="Shape 116"/>
+        <p:cNvPr id="148" name="Shape 148"/>
         <p:cNvGrpSpPr/>
         <p:nvPr/>
       </p:nvGrpSpPr>
@@ -816,7 +817,7 @@
       </p:grpSpPr>
       <p:sp>
         <p:nvSpPr>
-          <p:cNvPr id="117" name="Google Shape;117;g13581c94da5_4_9:notes"/>
+          <p:cNvPr id="149" name="Google Shape;149;g13581c94da5_4_0:notes"/>
           <p:cNvSpPr/>
           <p:nvPr>
             <p:ph idx="2" type="sldImg"/>
@@ -851,7 +852,7 @@
       </p:sp>
       <p:sp>
         <p:nvSpPr>
-          <p:cNvPr id="118" name="Google Shape;118;g13581c94da5_4_9:notes"/>
+          <p:cNvPr id="150" name="Google Shape;150;g13581c94da5_4_0:notes"/>
           <p:cNvSpPr txBox="1"/>
           <p:nvPr>
             <p:ph idx="1" type="body"/>
@@ -901,7 +902,7 @@
   <p:cSld>
     <p:spTree>
       <p:nvGrpSpPr>
-        <p:cNvPr id="123" name="Shape 123"/>
+        <p:cNvPr id="155" name="Shape 155"/>
         <p:cNvGrpSpPr/>
         <p:nvPr/>
       </p:nvGrpSpPr>
@@ -915,7 +916,7 @@
       </p:grpSpPr>
       <p:sp>
         <p:nvSpPr>
-          <p:cNvPr id="124" name="Google Shape;124;g13581c94da5_4_32:notes"/>
+          <p:cNvPr id="156" name="Google Shape;156;g13581c94da5_4_9:notes"/>
           <p:cNvSpPr/>
           <p:nvPr>
             <p:ph idx="2" type="sldImg"/>
@@ -950,7 +951,7 @@
       </p:sp>
       <p:sp>
         <p:nvSpPr>
-          <p:cNvPr id="125" name="Google Shape;125;g13581c94da5_4_32:notes"/>
+          <p:cNvPr id="157" name="Google Shape;157;g13581c94da5_4_9:notes"/>
           <p:cNvSpPr txBox="1"/>
           <p:nvPr>
             <p:ph idx="1" type="body"/>
@@ -1000,7 +1001,7 @@
   <p:cSld>
     <p:spTree>
       <p:nvGrpSpPr>
-        <p:cNvPr id="130" name="Shape 130"/>
+        <p:cNvPr id="162" name="Shape 162"/>
         <p:cNvGrpSpPr/>
         <p:nvPr/>
       </p:nvGrpSpPr>
@@ -1014,7 +1015,7 @@
       </p:grpSpPr>
       <p:sp>
         <p:nvSpPr>
-          <p:cNvPr id="131" name="Google Shape;131;g13581c94da5_4_18:notes"/>
+          <p:cNvPr id="163" name="Google Shape;163;g13581c94da5_4_32:notes"/>
           <p:cNvSpPr/>
           <p:nvPr>
             <p:ph idx="2" type="sldImg"/>
@@ -1049,7 +1050,7 @@
       </p:sp>
       <p:sp>
         <p:nvSpPr>
-          <p:cNvPr id="132" name="Google Shape;132;g13581c94da5_4_18:notes"/>
+          <p:cNvPr id="164" name="Google Shape;164;g13581c94da5_4_32:notes"/>
           <p:cNvSpPr txBox="1"/>
           <p:nvPr>
             <p:ph idx="1" type="body"/>
@@ -1099,7 +1100,7 @@
   <p:cSld>
     <p:spTree>
       <p:nvGrpSpPr>
-        <p:cNvPr id="137" name="Shape 137"/>
+        <p:cNvPr id="169" name="Shape 169"/>
         <p:cNvGrpSpPr/>
         <p:nvPr/>
       </p:nvGrpSpPr>
@@ -1113,7 +1114,7 @@
       </p:grpSpPr>
       <p:sp>
         <p:nvSpPr>
-          <p:cNvPr id="138" name="Google Shape;138;g13581c94da5_4_47:notes"/>
+          <p:cNvPr id="170" name="Google Shape;170;g13581c94da5_4_18:notes"/>
           <p:cNvSpPr/>
           <p:nvPr>
             <p:ph idx="2" type="sldImg"/>
@@ -1148,7 +1149,7 @@
       </p:sp>
       <p:sp>
         <p:nvSpPr>
-          <p:cNvPr id="139" name="Google Shape;139;g13581c94da5_4_47:notes"/>
+          <p:cNvPr id="171" name="Google Shape;171;g13581c94da5_4_18:notes"/>
           <p:cNvSpPr txBox="1"/>
           <p:nvPr>
             <p:ph idx="1" type="body"/>
@@ -1193,12 +1194,12 @@
 </p:notes>
 </file>
 
-<file path=ppt/notesSlides/notesSlide2.xml><?xml version="1.0" encoding="utf-8"?>
+<file path=ppt/notesSlides/notesSlide14.xml><?xml version="1.0" encoding="utf-8"?>
 <p:notes xmlns:a="http://schemas.openxmlformats.org/drawingml/2006/main" xmlns:r="http://schemas.openxmlformats.org/officeDocument/2006/relationships" xmlns:mc="http://schemas.openxmlformats.org/markup-compatibility/2006" xmlns:mv="urn:schemas-microsoft-com:mac:vml" xmlns:p="http://schemas.openxmlformats.org/presentationml/2006/main" xmlns:c="http://schemas.openxmlformats.org/drawingml/2006/chart" xmlns:dgm="http://schemas.openxmlformats.org/drawingml/2006/diagram" xmlns:o="urn:schemas-microsoft-com:office:office" xmlns:v="urn:schemas-microsoft-com:vml" xmlns:pvml="urn:schemas-microsoft-com:office:powerpoint" xmlns:com="http://schemas.openxmlformats.org/drawingml/2006/compatibility" xmlns:p14="http://schemas.microsoft.com/office/powerpoint/2010/main" xmlns:p15="http://schemas.microsoft.com/office/powerpoint/2012/main" xmlns:ahyp="http://schemas.microsoft.com/office/drawing/2018/hyperlinkcolor" showMasterPhAnim="0" showMasterSp="0">
   <p:cSld>
     <p:spTree>
       <p:nvGrpSpPr>
-        <p:cNvPr id="59" name="Shape 59"/>
+        <p:cNvPr id="176" name="Shape 176"/>
         <p:cNvGrpSpPr/>
         <p:nvPr/>
       </p:nvGrpSpPr>
@@ -1212,7 +1213,7 @@
       </p:grpSpPr>
       <p:sp>
         <p:nvSpPr>
-          <p:cNvPr id="60" name="Google Shape;60;g118a7766f9d_0_0:notes"/>
+          <p:cNvPr id="177" name="Google Shape;177;g13581c94da5_4_47:notes"/>
           <p:cNvSpPr/>
           <p:nvPr>
             <p:ph idx="2" type="sldImg"/>
@@ -1247,7 +1248,7 @@
       </p:sp>
       <p:sp>
         <p:nvSpPr>
-          <p:cNvPr id="61" name="Google Shape;61;g118a7766f9d_0_0:notes"/>
+          <p:cNvPr id="178" name="Google Shape;178;g13581c94da5_4_47:notes"/>
           <p:cNvSpPr txBox="1"/>
           <p:nvPr>
             <p:ph idx="1" type="body"/>
@@ -1292,12 +1293,12 @@
 </p:notes>
 </file>
 
-<file path=ppt/notesSlides/notesSlide3.xml><?xml version="1.0" encoding="utf-8"?>
+<file path=ppt/notesSlides/notesSlide2.xml><?xml version="1.0" encoding="utf-8"?>
 <p:notes xmlns:a="http://schemas.openxmlformats.org/drawingml/2006/main" xmlns:r="http://schemas.openxmlformats.org/officeDocument/2006/relationships" xmlns:mc="http://schemas.openxmlformats.org/markup-compatibility/2006" xmlns:mv="urn:schemas-microsoft-com:mac:vml" xmlns:p="http://schemas.openxmlformats.org/presentationml/2006/main" xmlns:c="http://schemas.openxmlformats.org/drawingml/2006/chart" xmlns:dgm="http://schemas.openxmlformats.org/drawingml/2006/diagram" xmlns:o="urn:schemas-microsoft-com:office:office" xmlns:v="urn:schemas-microsoft-com:vml" xmlns:pvml="urn:schemas-microsoft-com:office:powerpoint" xmlns:com="http://schemas.openxmlformats.org/drawingml/2006/compatibility" xmlns:p14="http://schemas.microsoft.com/office/powerpoint/2010/main" xmlns:p15="http://schemas.microsoft.com/office/powerpoint/2012/main" xmlns:ahyp="http://schemas.microsoft.com/office/drawing/2018/hyperlinkcolor" showMasterPhAnim="0" showMasterSp="0">
   <p:cSld>
     <p:spTree>
       <p:nvGrpSpPr>
-        <p:cNvPr id="66" name="Shape 66"/>
+        <p:cNvPr id="60" name="Shape 60"/>
         <p:cNvGrpSpPr/>
         <p:nvPr/>
       </p:nvGrpSpPr>
@@ -1311,7 +1312,7 @@
       </p:grpSpPr>
       <p:sp>
         <p:nvSpPr>
-          <p:cNvPr id="67" name="Google Shape;67;g13581c94da5_2_19:notes"/>
+          <p:cNvPr id="61" name="Google Shape;61;g118a7766f9d_0_0:notes"/>
           <p:cNvSpPr/>
           <p:nvPr>
             <p:ph idx="2" type="sldImg"/>
@@ -1346,7 +1347,7 @@
       </p:sp>
       <p:sp>
         <p:nvSpPr>
-          <p:cNvPr id="68" name="Google Shape;68;g13581c94da5_2_19:notes"/>
+          <p:cNvPr id="62" name="Google Shape;62;g118a7766f9d_0_0:notes"/>
           <p:cNvSpPr txBox="1"/>
           <p:nvPr>
             <p:ph idx="1" type="body"/>
@@ -1391,12 +1392,12 @@
 </p:notes>
 </file>
 
-<file path=ppt/notesSlides/notesSlide4.xml><?xml version="1.0" encoding="utf-8"?>
+<file path=ppt/notesSlides/notesSlide3.xml><?xml version="1.0" encoding="utf-8"?>
 <p:notes xmlns:a="http://schemas.openxmlformats.org/drawingml/2006/main" xmlns:r="http://schemas.openxmlformats.org/officeDocument/2006/relationships" xmlns:mc="http://schemas.openxmlformats.org/markup-compatibility/2006" xmlns:mv="urn:schemas-microsoft-com:mac:vml" xmlns:p="http://schemas.openxmlformats.org/presentationml/2006/main" xmlns:c="http://schemas.openxmlformats.org/drawingml/2006/chart" xmlns:dgm="http://schemas.openxmlformats.org/drawingml/2006/diagram" xmlns:o="urn:schemas-microsoft-com:office:office" xmlns:v="urn:schemas-microsoft-com:vml" xmlns:pvml="urn:schemas-microsoft-com:office:powerpoint" xmlns:com="http://schemas.openxmlformats.org/drawingml/2006/compatibility" xmlns:p14="http://schemas.microsoft.com/office/powerpoint/2010/main" xmlns:p15="http://schemas.microsoft.com/office/powerpoint/2012/main" xmlns:ahyp="http://schemas.microsoft.com/office/drawing/2018/hyperlinkcolor" showMasterPhAnim="0" showMasterSp="0">
   <p:cSld>
     <p:spTree>
       <p:nvGrpSpPr>
-        <p:cNvPr id="73" name="Shape 73"/>
+        <p:cNvPr id="74" name="Shape 74"/>
         <p:cNvGrpSpPr/>
         <p:nvPr/>
       </p:nvGrpSpPr>
@@ -1410,7 +1411,7 @@
       </p:grpSpPr>
       <p:sp>
         <p:nvSpPr>
-          <p:cNvPr id="74" name="Google Shape;74;g13581c94da5_2_9:notes"/>
+          <p:cNvPr id="75" name="Google Shape;75;g13581c94da5_2_19:notes"/>
           <p:cNvSpPr/>
           <p:nvPr>
             <p:ph idx="2" type="sldImg"/>
@@ -1445,7 +1446,7 @@
       </p:sp>
       <p:sp>
         <p:nvSpPr>
-          <p:cNvPr id="75" name="Google Shape;75;g13581c94da5_2_9:notes"/>
+          <p:cNvPr id="76" name="Google Shape;76;g13581c94da5_2_19:notes"/>
           <p:cNvSpPr txBox="1"/>
           <p:nvPr>
             <p:ph idx="1" type="body"/>
@@ -1490,12 +1491,12 @@
 </p:notes>
 </file>
 
-<file path=ppt/notesSlides/notesSlide5.xml><?xml version="1.0" encoding="utf-8"?>
+<file path=ppt/notesSlides/notesSlide4.xml><?xml version="1.0" encoding="utf-8"?>
 <p:notes xmlns:a="http://schemas.openxmlformats.org/drawingml/2006/main" xmlns:r="http://schemas.openxmlformats.org/officeDocument/2006/relationships" xmlns:mc="http://schemas.openxmlformats.org/markup-compatibility/2006" xmlns:mv="urn:schemas-microsoft-com:mac:vml" xmlns:p="http://schemas.openxmlformats.org/presentationml/2006/main" xmlns:c="http://schemas.openxmlformats.org/drawingml/2006/chart" xmlns:dgm="http://schemas.openxmlformats.org/drawingml/2006/diagram" xmlns:o="urn:schemas-microsoft-com:office:office" xmlns:v="urn:schemas-microsoft-com:vml" xmlns:pvml="urn:schemas-microsoft-com:office:powerpoint" xmlns:com="http://schemas.openxmlformats.org/drawingml/2006/compatibility" xmlns:p14="http://schemas.microsoft.com/office/powerpoint/2010/main" xmlns:p15="http://schemas.microsoft.com/office/powerpoint/2012/main" xmlns:ahyp="http://schemas.microsoft.com/office/drawing/2018/hyperlinkcolor" showMasterPhAnim="0" showMasterSp="0">
   <p:cSld>
     <p:spTree>
       <p:nvGrpSpPr>
-        <p:cNvPr id="80" name="Shape 80"/>
+        <p:cNvPr id="83" name="Shape 83"/>
         <p:cNvGrpSpPr/>
         <p:nvPr/>
       </p:nvGrpSpPr>
@@ -1509,7 +1510,7 @@
       </p:grpSpPr>
       <p:sp>
         <p:nvSpPr>
-          <p:cNvPr id="81" name="Google Shape;81;g13581c94da5_2_27:notes"/>
+          <p:cNvPr id="84" name="Google Shape;84;g13581c94da5_2_9:notes"/>
           <p:cNvSpPr/>
           <p:nvPr>
             <p:ph idx="2" type="sldImg"/>
@@ -1544,7 +1545,7 @@
       </p:sp>
       <p:sp>
         <p:nvSpPr>
-          <p:cNvPr id="82" name="Google Shape;82;g13581c94da5_2_27:notes"/>
+          <p:cNvPr id="85" name="Google Shape;85;g13581c94da5_2_9:notes"/>
           <p:cNvSpPr txBox="1"/>
           <p:nvPr>
             <p:ph idx="1" type="body"/>
@@ -1589,12 +1590,12 @@
 </p:notes>
 </file>
 
-<file path=ppt/notesSlides/notesSlide6.xml><?xml version="1.0" encoding="utf-8"?>
+<file path=ppt/notesSlides/notesSlide5.xml><?xml version="1.0" encoding="utf-8"?>
 <p:notes xmlns:a="http://schemas.openxmlformats.org/drawingml/2006/main" xmlns:r="http://schemas.openxmlformats.org/officeDocument/2006/relationships" xmlns:mc="http://schemas.openxmlformats.org/markup-compatibility/2006" xmlns:mv="urn:schemas-microsoft-com:mac:vml" xmlns:p="http://schemas.openxmlformats.org/presentationml/2006/main" xmlns:c="http://schemas.openxmlformats.org/drawingml/2006/chart" xmlns:dgm="http://schemas.openxmlformats.org/drawingml/2006/diagram" xmlns:o="urn:schemas-microsoft-com:office:office" xmlns:v="urn:schemas-microsoft-com:vml" xmlns:pvml="urn:schemas-microsoft-com:office:powerpoint" xmlns:com="http://schemas.openxmlformats.org/drawingml/2006/compatibility" xmlns:p14="http://schemas.microsoft.com/office/powerpoint/2010/main" xmlns:p15="http://schemas.microsoft.com/office/powerpoint/2012/main" xmlns:ahyp="http://schemas.microsoft.com/office/drawing/2018/hyperlinkcolor" showMasterPhAnim="0" showMasterSp="0">
   <p:cSld>
     <p:spTree>
       <p:nvGrpSpPr>
-        <p:cNvPr id="87" name="Shape 87"/>
+        <p:cNvPr id="93" name="Shape 93"/>
         <p:cNvGrpSpPr/>
         <p:nvPr/>
       </p:nvGrpSpPr>
@@ -1608,7 +1609,7 @@
       </p:grpSpPr>
       <p:sp>
         <p:nvSpPr>
-          <p:cNvPr id="88" name="Google Shape;88;g13581c94da5_2_36:notes"/>
+          <p:cNvPr id="94" name="Google Shape;94;g13466c88a67_0_0:notes"/>
           <p:cNvSpPr/>
           <p:nvPr>
             <p:ph idx="2" type="sldImg"/>
@@ -1643,7 +1644,7 @@
       </p:sp>
       <p:sp>
         <p:nvSpPr>
-          <p:cNvPr id="89" name="Google Shape;89;g13581c94da5_2_36:notes"/>
+          <p:cNvPr id="95" name="Google Shape;95;g13466c88a67_0_0:notes"/>
           <p:cNvSpPr txBox="1"/>
           <p:nvPr>
             <p:ph idx="1" type="body"/>
@@ -1688,12 +1689,12 @@
 </p:notes>
 </file>
 
-<file path=ppt/notesSlides/notesSlide7.xml><?xml version="1.0" encoding="utf-8"?>
+<file path=ppt/notesSlides/notesSlide6.xml><?xml version="1.0" encoding="utf-8"?>
 <p:notes xmlns:a="http://schemas.openxmlformats.org/drawingml/2006/main" xmlns:r="http://schemas.openxmlformats.org/officeDocument/2006/relationships" xmlns:mc="http://schemas.openxmlformats.org/markup-compatibility/2006" xmlns:mv="urn:schemas-microsoft-com:mac:vml" xmlns:p="http://schemas.openxmlformats.org/presentationml/2006/main" xmlns:c="http://schemas.openxmlformats.org/drawingml/2006/chart" xmlns:dgm="http://schemas.openxmlformats.org/drawingml/2006/diagram" xmlns:o="urn:schemas-microsoft-com:office:office" xmlns:v="urn:schemas-microsoft-com:vml" xmlns:pvml="urn:schemas-microsoft-com:office:powerpoint" xmlns:com="http://schemas.openxmlformats.org/drawingml/2006/compatibility" xmlns:p14="http://schemas.microsoft.com/office/powerpoint/2010/main" xmlns:p15="http://schemas.microsoft.com/office/powerpoint/2012/main" xmlns:ahyp="http://schemas.microsoft.com/office/drawing/2018/hyperlinkcolor" showMasterPhAnim="0" showMasterSp="0">
   <p:cSld>
     <p:spTree>
       <p:nvGrpSpPr>
-        <p:cNvPr id="95" name="Shape 95"/>
+        <p:cNvPr id="100" name="Shape 100"/>
         <p:cNvGrpSpPr/>
         <p:nvPr/>
       </p:nvGrpSpPr>
@@ -1707,7 +1708,7 @@
       </p:grpSpPr>
       <p:sp>
         <p:nvSpPr>
-          <p:cNvPr id="96" name="Google Shape;96;g13581c94da5_2_48:notes"/>
+          <p:cNvPr id="101" name="Google Shape;101;g13581c94da5_2_27:notes"/>
           <p:cNvSpPr/>
           <p:nvPr>
             <p:ph idx="2" type="sldImg"/>
@@ -1742,7 +1743,7 @@
       </p:sp>
       <p:sp>
         <p:nvSpPr>
-          <p:cNvPr id="97" name="Google Shape;97;g13581c94da5_2_48:notes"/>
+          <p:cNvPr id="102" name="Google Shape;102;g13581c94da5_2_27:notes"/>
           <p:cNvSpPr txBox="1"/>
           <p:nvPr>
             <p:ph idx="1" type="body"/>
@@ -1787,12 +1788,12 @@
 </p:notes>
 </file>
 
-<file path=ppt/notesSlides/notesSlide8.xml><?xml version="1.0" encoding="utf-8"?>
+<file path=ppt/notesSlides/notesSlide7.xml><?xml version="1.0" encoding="utf-8"?>
 <p:notes xmlns:a="http://schemas.openxmlformats.org/drawingml/2006/main" xmlns:r="http://schemas.openxmlformats.org/officeDocument/2006/relationships" xmlns:mc="http://schemas.openxmlformats.org/markup-compatibility/2006" xmlns:mv="urn:schemas-microsoft-com:mac:vml" xmlns:p="http://schemas.openxmlformats.org/presentationml/2006/main" xmlns:c="http://schemas.openxmlformats.org/drawingml/2006/chart" xmlns:dgm="http://schemas.openxmlformats.org/drawingml/2006/diagram" xmlns:o="urn:schemas-microsoft-com:office:office" xmlns:v="urn:schemas-microsoft-com:vml" xmlns:pvml="urn:schemas-microsoft-com:office:powerpoint" xmlns:com="http://schemas.openxmlformats.org/drawingml/2006/compatibility" xmlns:p14="http://schemas.microsoft.com/office/powerpoint/2010/main" xmlns:p15="http://schemas.microsoft.com/office/powerpoint/2012/main" xmlns:ahyp="http://schemas.microsoft.com/office/drawing/2018/hyperlinkcolor" showMasterPhAnim="0" showMasterSp="0">
   <p:cSld>
     <p:spTree>
       <p:nvGrpSpPr>
-        <p:cNvPr id="102" name="Shape 102"/>
+        <p:cNvPr id="116" name="Shape 116"/>
         <p:cNvGrpSpPr/>
         <p:nvPr/>
       </p:nvGrpSpPr>
@@ -1806,7 +1807,7 @@
       </p:grpSpPr>
       <p:sp>
         <p:nvSpPr>
-          <p:cNvPr id="103" name="Google Shape;103;g13581c94da5_2_54:notes"/>
+          <p:cNvPr id="117" name="Google Shape;117;g13581c94da5_2_36:notes"/>
           <p:cNvSpPr/>
           <p:nvPr>
             <p:ph idx="2" type="sldImg"/>
@@ -1841,7 +1842,7 @@
       </p:sp>
       <p:sp>
         <p:nvSpPr>
-          <p:cNvPr id="104" name="Google Shape;104;g13581c94da5_2_54:notes"/>
+          <p:cNvPr id="118" name="Google Shape;118;g13581c94da5_2_36:notes"/>
           <p:cNvSpPr txBox="1"/>
           <p:nvPr>
             <p:ph idx="1" type="body"/>
@@ -1886,12 +1887,12 @@
 </p:notes>
 </file>
 
-<file path=ppt/notesSlides/notesSlide9.xml><?xml version="1.0" encoding="utf-8"?>
+<file path=ppt/notesSlides/notesSlide8.xml><?xml version="1.0" encoding="utf-8"?>
 <p:notes xmlns:a="http://schemas.openxmlformats.org/drawingml/2006/main" xmlns:r="http://schemas.openxmlformats.org/officeDocument/2006/relationships" xmlns:mc="http://schemas.openxmlformats.org/markup-compatibility/2006" xmlns:mv="urn:schemas-microsoft-com:mac:vml" xmlns:p="http://schemas.openxmlformats.org/presentationml/2006/main" xmlns:c="http://schemas.openxmlformats.org/drawingml/2006/chart" xmlns:dgm="http://schemas.openxmlformats.org/drawingml/2006/diagram" xmlns:o="urn:schemas-microsoft-com:office:office" xmlns:v="urn:schemas-microsoft-com:vml" xmlns:pvml="urn:schemas-microsoft-com:office:powerpoint" xmlns:com="http://schemas.openxmlformats.org/drawingml/2006/compatibility" xmlns:p14="http://schemas.microsoft.com/office/powerpoint/2010/main" xmlns:p15="http://schemas.microsoft.com/office/powerpoint/2012/main" xmlns:ahyp="http://schemas.microsoft.com/office/drawing/2018/hyperlinkcolor" showMasterPhAnim="0" showMasterSp="0">
   <p:cSld>
     <p:spTree>
       <p:nvGrpSpPr>
-        <p:cNvPr id="109" name="Shape 109"/>
+        <p:cNvPr id="129" name="Shape 129"/>
         <p:cNvGrpSpPr/>
         <p:nvPr/>
       </p:nvGrpSpPr>
@@ -1905,7 +1906,7 @@
       </p:grpSpPr>
       <p:sp>
         <p:nvSpPr>
-          <p:cNvPr id="110" name="Google Shape;110;g13581c94da5_4_0:notes"/>
+          <p:cNvPr id="130" name="Google Shape;130;g13581c94da5_2_48:notes"/>
           <p:cNvSpPr/>
           <p:nvPr>
             <p:ph idx="2" type="sldImg"/>
@@ -1940,7 +1941,106 @@
       </p:sp>
       <p:sp>
         <p:nvSpPr>
-          <p:cNvPr id="111" name="Google Shape;111;g13581c94da5_4_0:notes"/>
+          <p:cNvPr id="131" name="Google Shape;131;g13581c94da5_2_48:notes"/>
+          <p:cNvSpPr txBox="1"/>
+          <p:nvPr>
+            <p:ph idx="1" type="body"/>
+          </p:nvPr>
+        </p:nvSpPr>
+        <p:spPr>
+          <a:xfrm>
+            <a:off x="685800" y="4343400"/>
+            <a:ext cx="5486400" cy="4114800"/>
+          </a:xfrm>
+          <a:prstGeom prst="rect">
+            <a:avLst/>
+          </a:prstGeom>
+        </p:spPr>
+        <p:txBody>
+          <a:bodyPr anchorCtr="0" anchor="t" bIns="91425" lIns="91425" spcFirstLastPara="1" rIns="91425" wrap="square" tIns="91425">
+            <a:noAutofit/>
+          </a:bodyPr>
+          <a:lstStyle/>
+          <a:p>
+            <a:pPr indent="0" lvl="0" marL="0" rtl="0" algn="l">
+              <a:spcBef>
+                <a:spcPts val="0"/>
+              </a:spcBef>
+              <a:spcAft>
+                <a:spcPts val="0"/>
+              </a:spcAft>
+              <a:buNone/>
+            </a:pPr>
+            <a:r>
+              <a:t/>
+            </a:r>
+            <a:endParaRPr/>
+          </a:p>
+        </p:txBody>
+      </p:sp>
+    </p:spTree>
+  </p:cSld>
+  <p:clrMapOvr>
+    <a:masterClrMapping/>
+  </p:clrMapOvr>
+</p:notes>
+</file>
+
+<file path=ppt/notesSlides/notesSlide9.xml><?xml version="1.0" encoding="utf-8"?>
+<p:notes xmlns:a="http://schemas.openxmlformats.org/drawingml/2006/main" xmlns:r="http://schemas.openxmlformats.org/officeDocument/2006/relationships" xmlns:mc="http://schemas.openxmlformats.org/markup-compatibility/2006" xmlns:mv="urn:schemas-microsoft-com:mac:vml" xmlns:p="http://schemas.openxmlformats.org/presentationml/2006/main" xmlns:c="http://schemas.openxmlformats.org/drawingml/2006/chart" xmlns:dgm="http://schemas.openxmlformats.org/drawingml/2006/diagram" xmlns:o="urn:schemas-microsoft-com:office:office" xmlns:v="urn:schemas-microsoft-com:vml" xmlns:pvml="urn:schemas-microsoft-com:office:powerpoint" xmlns:com="http://schemas.openxmlformats.org/drawingml/2006/compatibility" xmlns:p14="http://schemas.microsoft.com/office/powerpoint/2010/main" xmlns:p15="http://schemas.microsoft.com/office/powerpoint/2012/main" xmlns:ahyp="http://schemas.microsoft.com/office/drawing/2018/hyperlinkcolor" showMasterPhAnim="0" showMasterSp="0">
+  <p:cSld>
+    <p:spTree>
+      <p:nvGrpSpPr>
+        <p:cNvPr id="141" name="Shape 141"/>
+        <p:cNvGrpSpPr/>
+        <p:nvPr/>
+      </p:nvGrpSpPr>
+      <p:grpSpPr>
+        <a:xfrm>
+          <a:off x="0" y="0"/>
+          <a:ext cx="0" cy="0"/>
+          <a:chOff x="0" y="0"/>
+          <a:chExt cx="0" cy="0"/>
+        </a:xfrm>
+      </p:grpSpPr>
+      <p:sp>
+        <p:nvSpPr>
+          <p:cNvPr id="142" name="Google Shape;142;g13581c94da5_2_54:notes"/>
+          <p:cNvSpPr/>
+          <p:nvPr>
+            <p:ph idx="2" type="sldImg"/>
+          </p:nvPr>
+        </p:nvSpPr>
+        <p:spPr>
+          <a:xfrm>
+            <a:off x="381300" y="685800"/>
+            <a:ext cx="6096000" cy="3429000"/>
+          </a:xfrm>
+          <a:custGeom>
+            <a:rect b="b" l="l" r="r" t="t"/>
+            <a:pathLst>
+              <a:path extrusionOk="0" h="120000" w="120000">
+                <a:moveTo>
+                  <a:pt x="0" y="0"/>
+                </a:moveTo>
+                <a:lnTo>
+                  <a:pt x="120000" y="0"/>
+                </a:lnTo>
+                <a:lnTo>
+                  <a:pt x="120000" y="120000"/>
+                </a:lnTo>
+                <a:lnTo>
+                  <a:pt x="0" y="120000"/>
+                </a:lnTo>
+                <a:close/>
+              </a:path>
+            </a:pathLst>
+          </a:custGeom>
+        </p:spPr>
+      </p:sp>
+      <p:sp>
+        <p:nvSpPr>
+          <p:cNvPr id="143" name="Google Shape;143;g13581c94da5_2_54:notes"/>
           <p:cNvSpPr txBox="1"/>
           <p:nvPr>
             <p:ph idx="1" type="body"/>
@@ -6661,8 +6761,8 @@
         </p:nvSpPr>
         <p:spPr>
           <a:xfrm>
-            <a:off x="311700" y="1882750"/>
-            <a:ext cx="8520600" cy="792600"/>
+            <a:off x="370900" y="1882750"/>
+            <a:ext cx="8461500" cy="792600"/>
           </a:xfrm>
           <a:prstGeom prst="rect">
             <a:avLst/>
@@ -7099,6 +7199,188 @@
               <a:t>https://www.linkedin.com/in/vincent-le-falher/</a:t>
             </a:r>
             <a:endParaRPr sz="800"/>
+          </a:p>
+        </p:txBody>
+      </p:sp>
+      <p:pic>
+        <p:nvPicPr>
+          <p:cNvPr id="59" name="Google Shape;59;p13"/>
+          <p:cNvPicPr preferRelativeResize="0"/>
+          <p:nvPr/>
+        </p:nvPicPr>
+        <p:blipFill>
+          <a:blip r:embed="rId4">
+            <a:alphaModFix/>
+          </a:blip>
+          <a:stretch>
+            <a:fillRect/>
+          </a:stretch>
+        </p:blipFill>
+        <p:spPr>
+          <a:xfrm>
+            <a:off x="370907" y="1300387"/>
+            <a:ext cx="1420076" cy="1957325"/>
+          </a:xfrm>
+          <a:prstGeom prst="rect">
+            <a:avLst/>
+          </a:prstGeom>
+          <a:noFill/>
+          <a:ln>
+            <a:noFill/>
+          </a:ln>
+        </p:spPr>
+      </p:pic>
+    </p:spTree>
+  </p:cSld>
+  <p:clrMapOvr>
+    <a:masterClrMapping/>
+  </p:clrMapOvr>
+</p:sld>
+</file>
+
+<file path=ppt/slides/slide10.xml><?xml version="1.0" encoding="utf-8"?>
+<p:sld xmlns:a="http://schemas.openxmlformats.org/drawingml/2006/main" xmlns:r="http://schemas.openxmlformats.org/officeDocument/2006/relationships" xmlns:mc="http://schemas.openxmlformats.org/markup-compatibility/2006" xmlns:mv="urn:schemas-microsoft-com:mac:vml" xmlns:p="http://schemas.openxmlformats.org/presentationml/2006/main" xmlns:c="http://schemas.openxmlformats.org/drawingml/2006/chart" xmlns:dgm="http://schemas.openxmlformats.org/drawingml/2006/diagram" xmlns:o="urn:schemas-microsoft-com:office:office" xmlns:v="urn:schemas-microsoft-com:vml" xmlns:pvml="urn:schemas-microsoft-com:office:powerpoint" xmlns:com="http://schemas.openxmlformats.org/drawingml/2006/compatibility" xmlns:p14="http://schemas.microsoft.com/office/powerpoint/2010/main" xmlns:p15="http://schemas.microsoft.com/office/powerpoint/2012/main" xmlns:ahyp="http://schemas.microsoft.com/office/drawing/2018/hyperlinkcolor">
+  <p:cSld>
+    <p:spTree>
+      <p:nvGrpSpPr>
+        <p:cNvPr id="151" name="Shape 151"/>
+        <p:cNvGrpSpPr/>
+        <p:nvPr/>
+      </p:nvGrpSpPr>
+      <p:grpSpPr>
+        <a:xfrm>
+          <a:off x="0" y="0"/>
+          <a:ext cx="0" cy="0"/>
+          <a:chOff x="0" y="0"/>
+          <a:chExt cx="0" cy="0"/>
+        </a:xfrm>
+      </p:grpSpPr>
+      <p:sp>
+        <p:nvSpPr>
+          <p:cNvPr id="152" name="Google Shape;152;p22"/>
+          <p:cNvSpPr txBox="1"/>
+          <p:nvPr>
+            <p:ph type="title"/>
+          </p:nvPr>
+        </p:nvSpPr>
+        <p:spPr>
+          <a:xfrm>
+            <a:off x="311700" y="445025"/>
+            <a:ext cx="8520600" cy="572700"/>
+          </a:xfrm>
+          <a:prstGeom prst="rect">
+            <a:avLst/>
+          </a:prstGeom>
+        </p:spPr>
+        <p:txBody>
+          <a:bodyPr anchorCtr="0" anchor="t" bIns="91425" lIns="91425" spcFirstLastPara="1" rIns="91425" wrap="square" tIns="91425">
+            <a:normAutofit fontScale="90000"/>
+          </a:bodyPr>
+          <a:lstStyle/>
+          <a:p>
+            <a:pPr indent="0" lvl="0" marL="0" rtl="0" algn="l">
+              <a:spcBef>
+                <a:spcPts val="0"/>
+              </a:spcBef>
+              <a:spcAft>
+                <a:spcPts val="0"/>
+              </a:spcAft>
+              <a:buNone/>
+            </a:pPr>
+            <a:r>
+              <a:rPr lang="en"/>
+              <a:t>Discussion, questions</a:t>
+            </a:r>
+            <a:endParaRPr/>
+          </a:p>
+        </p:txBody>
+      </p:sp>
+      <p:sp>
+        <p:nvSpPr>
+          <p:cNvPr id="153" name="Google Shape;153;p22"/>
+          <p:cNvSpPr txBox="1"/>
+          <p:nvPr>
+            <p:ph idx="12" type="sldNum"/>
+          </p:nvPr>
+        </p:nvSpPr>
+        <p:spPr>
+          <a:xfrm>
+            <a:off x="8472458" y="4663217"/>
+            <a:ext cx="548700" cy="393600"/>
+          </a:xfrm>
+          <a:prstGeom prst="rect">
+            <a:avLst/>
+          </a:prstGeom>
+        </p:spPr>
+        <p:txBody>
+          <a:bodyPr anchorCtr="0" anchor="ctr" bIns="91425" lIns="91425" spcFirstLastPara="1" rIns="91425" wrap="square" tIns="91425">
+            <a:normAutofit/>
+          </a:bodyPr>
+          <a:lstStyle/>
+          <a:p>
+            <a:pPr indent="0" lvl="0" marL="0" rtl="0" algn="r">
+              <a:spcBef>
+                <a:spcPts val="0"/>
+              </a:spcBef>
+              <a:spcAft>
+                <a:spcPts val="0"/>
+              </a:spcAft>
+              <a:buNone/>
+            </a:pPr>
+            <a:fld id="{00000000-1234-1234-1234-123412341234}" type="slidenum">
+              <a:rPr lang="en"/>
+              <a:t>‹#›</a:t>
+            </a:fld>
+            <a:endParaRPr/>
+          </a:p>
+        </p:txBody>
+      </p:sp>
+      <p:sp>
+        <p:nvSpPr>
+          <p:cNvPr id="154" name="Google Shape;154;p22"/>
+          <p:cNvSpPr txBox="1"/>
+          <p:nvPr/>
+        </p:nvSpPr>
+        <p:spPr>
+          <a:xfrm>
+            <a:off x="311800" y="2316425"/>
+            <a:ext cx="8520600" cy="616200"/>
+          </a:xfrm>
+          <a:prstGeom prst="rect">
+            <a:avLst/>
+          </a:prstGeom>
+          <a:noFill/>
+          <a:ln>
+            <a:noFill/>
+          </a:ln>
+        </p:spPr>
+        <p:txBody>
+          <a:bodyPr anchorCtr="0" anchor="t" bIns="91425" lIns="91425" spcFirstLastPara="1" rIns="91425" wrap="square" tIns="91425">
+            <a:spAutoFit/>
+          </a:bodyPr>
+          <a:lstStyle/>
+          <a:p>
+            <a:pPr indent="0" lvl="0" marL="0" rtl="0" algn="ctr">
+              <a:lnSpc>
+                <a:spcPct val="115000"/>
+              </a:lnSpc>
+              <a:spcBef>
+                <a:spcPts val="0"/>
+              </a:spcBef>
+              <a:spcAft>
+                <a:spcPts val="1200"/>
+              </a:spcAft>
+              <a:buNone/>
+            </a:pPr>
+            <a:r>
+              <a:rPr b="1" lang="en" sz="2803">
+                <a:solidFill>
+                  <a:schemeClr val="dk2"/>
+                </a:solidFill>
+              </a:rPr>
+              <a:t>Merci</a:t>
+            </a:r>
+            <a:endParaRPr b="1" sz="2700"/>
           </a:p>
         </p:txBody>
       </p:sp>
@@ -7110,7 +7392,3011 @@
 </p:sld>
 </file>
 
-<file path=ppt/slides/slide10.xml><?xml version="1.0" encoding="utf-8"?>
+<file path=ppt/slides/slide11.xml><?xml version="1.0" encoding="utf-8"?>
+<p:sld xmlns:a="http://schemas.openxmlformats.org/drawingml/2006/main" xmlns:r="http://schemas.openxmlformats.org/officeDocument/2006/relationships" xmlns:mc="http://schemas.openxmlformats.org/markup-compatibility/2006" xmlns:mv="urn:schemas-microsoft-com:mac:vml" xmlns:p="http://schemas.openxmlformats.org/presentationml/2006/main" xmlns:c="http://schemas.openxmlformats.org/drawingml/2006/chart" xmlns:dgm="http://schemas.openxmlformats.org/drawingml/2006/diagram" xmlns:o="urn:schemas-microsoft-com:office:office" xmlns:v="urn:schemas-microsoft-com:vml" xmlns:pvml="urn:schemas-microsoft-com:office:powerpoint" xmlns:com="http://schemas.openxmlformats.org/drawingml/2006/compatibility" xmlns:p14="http://schemas.microsoft.com/office/powerpoint/2010/main" xmlns:p15="http://schemas.microsoft.com/office/powerpoint/2012/main" xmlns:ahyp="http://schemas.microsoft.com/office/drawing/2018/hyperlinkcolor">
+  <p:cSld>
+    <p:spTree>
+      <p:nvGrpSpPr>
+        <p:cNvPr id="158" name="Shape 158"/>
+        <p:cNvGrpSpPr/>
+        <p:nvPr/>
+      </p:nvGrpSpPr>
+      <p:grpSpPr>
+        <a:xfrm>
+          <a:off x="0" y="0"/>
+          <a:ext cx="0" cy="0"/>
+          <a:chOff x="0" y="0"/>
+          <a:chExt cx="0" cy="0"/>
+        </a:xfrm>
+      </p:grpSpPr>
+      <p:sp>
+        <p:nvSpPr>
+          <p:cNvPr id="159" name="Google Shape;159;p23"/>
+          <p:cNvSpPr txBox="1"/>
+          <p:nvPr>
+            <p:ph type="title"/>
+          </p:nvPr>
+        </p:nvSpPr>
+        <p:spPr>
+          <a:xfrm>
+            <a:off x="311700" y="445025"/>
+            <a:ext cx="8520600" cy="572700"/>
+          </a:xfrm>
+          <a:prstGeom prst="rect">
+            <a:avLst/>
+          </a:prstGeom>
+        </p:spPr>
+        <p:txBody>
+          <a:bodyPr anchorCtr="0" anchor="t" bIns="91425" lIns="91425" spcFirstLastPara="1" rIns="91425" wrap="square" tIns="91425">
+            <a:normAutofit fontScale="90000"/>
+          </a:bodyPr>
+          <a:lstStyle/>
+          <a:p>
+            <a:pPr indent="0" lvl="0" marL="0" rtl="0" algn="l">
+              <a:spcBef>
+                <a:spcPts val="0"/>
+              </a:spcBef>
+              <a:spcAft>
+                <a:spcPts val="0"/>
+              </a:spcAft>
+              <a:buNone/>
+            </a:pPr>
+            <a:r>
+              <a:rPr lang="en"/>
+              <a:t>Ma l</a:t>
+            </a:r>
+            <a:r>
+              <a:rPr lang="en"/>
+              <a:t>ocalisation</a:t>
+            </a:r>
+            <a:endParaRPr/>
+          </a:p>
+        </p:txBody>
+      </p:sp>
+      <p:sp>
+        <p:nvSpPr>
+          <p:cNvPr id="160" name="Google Shape;160;p23"/>
+          <p:cNvSpPr txBox="1"/>
+          <p:nvPr>
+            <p:ph idx="1" type="body"/>
+          </p:nvPr>
+        </p:nvSpPr>
+        <p:spPr>
+          <a:xfrm>
+            <a:off x="311700" y="1152475"/>
+            <a:ext cx="8520600" cy="816000"/>
+          </a:xfrm>
+          <a:prstGeom prst="rect">
+            <a:avLst/>
+          </a:prstGeom>
+        </p:spPr>
+        <p:txBody>
+          <a:bodyPr anchorCtr="0" anchor="t" bIns="91425" lIns="91425" spcFirstLastPara="1" rIns="91425" wrap="square" tIns="91425">
+            <a:normAutofit/>
+          </a:bodyPr>
+          <a:lstStyle/>
+          <a:p>
+            <a:pPr indent="-323850" lvl="0" marL="457200" rtl="0" algn="l">
+              <a:spcBef>
+                <a:spcPts val="0"/>
+              </a:spcBef>
+              <a:spcAft>
+                <a:spcPts val="0"/>
+              </a:spcAft>
+              <a:buClr>
+                <a:srgbClr val="000000"/>
+              </a:buClr>
+              <a:buSzPts val="1500"/>
+              <a:buChar char="●"/>
+            </a:pPr>
+            <a:r>
+              <a:rPr lang="en" sz="1500">
+                <a:solidFill>
+                  <a:srgbClr val="000000"/>
+                </a:solidFill>
+              </a:rPr>
+              <a:t>Amérique du nord, Canada, Québec</a:t>
+            </a:r>
+            <a:endParaRPr sz="1500">
+              <a:solidFill>
+                <a:srgbClr val="000000"/>
+              </a:solidFill>
+            </a:endParaRPr>
+          </a:p>
+          <a:p>
+            <a:pPr indent="-323850" lvl="0" marL="457200" rtl="0" algn="l">
+              <a:spcBef>
+                <a:spcPts val="0"/>
+              </a:spcBef>
+              <a:spcAft>
+                <a:spcPts val="0"/>
+              </a:spcAft>
+              <a:buClr>
+                <a:srgbClr val="000000"/>
+              </a:buClr>
+              <a:buSzPts val="1500"/>
+              <a:buChar char="●"/>
+            </a:pPr>
+            <a:r>
+              <a:rPr lang="en" sz="1500">
+                <a:solidFill>
+                  <a:srgbClr val="000000"/>
+                </a:solidFill>
+              </a:rPr>
+              <a:t>Francophone, parle et écrit anglais</a:t>
+            </a:r>
+            <a:endParaRPr sz="1500">
+              <a:solidFill>
+                <a:srgbClr val="000000"/>
+              </a:solidFill>
+            </a:endParaRPr>
+          </a:p>
+        </p:txBody>
+      </p:sp>
+      <p:sp>
+        <p:nvSpPr>
+          <p:cNvPr id="161" name="Google Shape;161;p23"/>
+          <p:cNvSpPr txBox="1"/>
+          <p:nvPr>
+            <p:ph idx="12" type="sldNum"/>
+          </p:nvPr>
+        </p:nvSpPr>
+        <p:spPr>
+          <a:xfrm>
+            <a:off x="8472458" y="4663217"/>
+            <a:ext cx="548700" cy="393600"/>
+          </a:xfrm>
+          <a:prstGeom prst="rect">
+            <a:avLst/>
+          </a:prstGeom>
+        </p:spPr>
+        <p:txBody>
+          <a:bodyPr anchorCtr="0" anchor="ctr" bIns="91425" lIns="91425" spcFirstLastPara="1" rIns="91425" wrap="square" tIns="91425">
+            <a:normAutofit/>
+          </a:bodyPr>
+          <a:lstStyle/>
+          <a:p>
+            <a:pPr indent="0" lvl="0" marL="0" rtl="0" algn="r">
+              <a:spcBef>
+                <a:spcPts val="0"/>
+              </a:spcBef>
+              <a:spcAft>
+                <a:spcPts val="0"/>
+              </a:spcAft>
+              <a:buNone/>
+            </a:pPr>
+            <a:fld id="{00000000-1234-1234-1234-123412341234}" type="slidenum">
+              <a:rPr lang="en"/>
+              <a:t>‹#›</a:t>
+            </a:fld>
+            <a:endParaRPr/>
+          </a:p>
+        </p:txBody>
+      </p:sp>
+    </p:spTree>
+  </p:cSld>
+  <p:clrMapOvr>
+    <a:masterClrMapping/>
+  </p:clrMapOvr>
+</p:sld>
+</file>
+
+<file path=ppt/slides/slide12.xml><?xml version="1.0" encoding="utf-8"?>
+<p:sld xmlns:a="http://schemas.openxmlformats.org/drawingml/2006/main" xmlns:r="http://schemas.openxmlformats.org/officeDocument/2006/relationships" xmlns:mc="http://schemas.openxmlformats.org/markup-compatibility/2006" xmlns:mv="urn:schemas-microsoft-com:mac:vml" xmlns:p="http://schemas.openxmlformats.org/presentationml/2006/main" xmlns:c="http://schemas.openxmlformats.org/drawingml/2006/chart" xmlns:dgm="http://schemas.openxmlformats.org/drawingml/2006/diagram" xmlns:o="urn:schemas-microsoft-com:office:office" xmlns:v="urn:schemas-microsoft-com:vml" xmlns:pvml="urn:schemas-microsoft-com:office:powerpoint" xmlns:com="http://schemas.openxmlformats.org/drawingml/2006/compatibility" xmlns:p14="http://schemas.microsoft.com/office/powerpoint/2010/main" xmlns:p15="http://schemas.microsoft.com/office/powerpoint/2012/main" xmlns:ahyp="http://schemas.microsoft.com/office/drawing/2018/hyperlinkcolor">
+  <p:cSld>
+    <p:spTree>
+      <p:nvGrpSpPr>
+        <p:cNvPr id="165" name="Shape 165"/>
+        <p:cNvGrpSpPr/>
+        <p:nvPr/>
+      </p:nvGrpSpPr>
+      <p:grpSpPr>
+        <a:xfrm>
+          <a:off x="0" y="0"/>
+          <a:ext cx="0" cy="0"/>
+          <a:chOff x="0" y="0"/>
+          <a:chExt cx="0" cy="0"/>
+        </a:xfrm>
+      </p:grpSpPr>
+      <p:sp>
+        <p:nvSpPr>
+          <p:cNvPr id="166" name="Google Shape;166;p24"/>
+          <p:cNvSpPr txBox="1"/>
+          <p:nvPr>
+            <p:ph type="title"/>
+          </p:nvPr>
+        </p:nvSpPr>
+        <p:spPr>
+          <a:xfrm>
+            <a:off x="311700" y="445025"/>
+            <a:ext cx="8520600" cy="572700"/>
+          </a:xfrm>
+          <a:prstGeom prst="rect">
+            <a:avLst/>
+          </a:prstGeom>
+        </p:spPr>
+        <p:txBody>
+          <a:bodyPr anchorCtr="0" anchor="t" bIns="91425" lIns="91425" spcFirstLastPara="1" rIns="91425" wrap="square" tIns="91425">
+            <a:normAutofit fontScale="90000"/>
+          </a:bodyPr>
+          <a:lstStyle/>
+          <a:p>
+            <a:pPr indent="0" lvl="0" marL="0" rtl="0" algn="l">
+              <a:spcBef>
+                <a:spcPts val="0"/>
+              </a:spcBef>
+              <a:spcAft>
+                <a:spcPts val="0"/>
+              </a:spcAft>
+              <a:buNone/>
+            </a:pPr>
+            <a:r>
+              <a:rPr lang="en"/>
+              <a:t>Mes r</a:t>
+            </a:r>
+            <a:r>
+              <a:rPr lang="en"/>
+              <a:t>ôles</a:t>
+            </a:r>
+            <a:endParaRPr/>
+          </a:p>
+        </p:txBody>
+      </p:sp>
+      <p:sp>
+        <p:nvSpPr>
+          <p:cNvPr id="167" name="Google Shape;167;p24"/>
+          <p:cNvSpPr txBox="1"/>
+          <p:nvPr>
+            <p:ph idx="1" type="body"/>
+          </p:nvPr>
+        </p:nvSpPr>
+        <p:spPr>
+          <a:xfrm>
+            <a:off x="311700" y="1152475"/>
+            <a:ext cx="8520600" cy="3416400"/>
+          </a:xfrm>
+          <a:prstGeom prst="rect">
+            <a:avLst/>
+          </a:prstGeom>
+        </p:spPr>
+        <p:txBody>
+          <a:bodyPr anchorCtr="0" anchor="t" bIns="91425" lIns="91425" spcFirstLastPara="1" rIns="91425" wrap="square" tIns="91425">
+            <a:normAutofit/>
+          </a:bodyPr>
+          <a:lstStyle/>
+          <a:p>
+            <a:pPr indent="-323850" lvl="0" marL="457200" rtl="0" algn="l">
+              <a:spcBef>
+                <a:spcPts val="0"/>
+              </a:spcBef>
+              <a:spcAft>
+                <a:spcPts val="0"/>
+              </a:spcAft>
+              <a:buClr>
+                <a:srgbClr val="000000"/>
+              </a:buClr>
+              <a:buSzPts val="1500"/>
+              <a:buChar char="●"/>
+            </a:pPr>
+            <a:r>
+              <a:rPr lang="en" sz="1500">
+                <a:solidFill>
+                  <a:srgbClr val="000000"/>
+                </a:solidFill>
+              </a:rPr>
+              <a:t>Architecte de solutions applicatives TI + géospatiales</a:t>
+            </a:r>
+            <a:endParaRPr sz="1500">
+              <a:solidFill>
+                <a:srgbClr val="000000"/>
+              </a:solidFill>
+            </a:endParaRPr>
+          </a:p>
+          <a:p>
+            <a:pPr indent="-323850" lvl="0" marL="457200" rtl="0" algn="l">
+              <a:spcBef>
+                <a:spcPts val="0"/>
+              </a:spcBef>
+              <a:spcAft>
+                <a:spcPts val="0"/>
+              </a:spcAft>
+              <a:buClr>
+                <a:srgbClr val="000000"/>
+              </a:buClr>
+              <a:buSzPts val="1500"/>
+              <a:buChar char="●"/>
+            </a:pPr>
+            <a:r>
+              <a:rPr lang="en" sz="1500">
+                <a:solidFill>
+                  <a:srgbClr val="000000"/>
+                </a:solidFill>
+              </a:rPr>
+              <a:t>Architecte nuagique Google GCP (GCP cloud architect)</a:t>
+            </a:r>
+            <a:endParaRPr sz="1500">
+              <a:solidFill>
+                <a:srgbClr val="000000"/>
+              </a:solidFill>
+            </a:endParaRPr>
+          </a:p>
+          <a:p>
+            <a:pPr indent="-323850" lvl="0" marL="457200" rtl="0" algn="l">
+              <a:spcBef>
+                <a:spcPts val="0"/>
+              </a:spcBef>
+              <a:spcAft>
+                <a:spcPts val="0"/>
+              </a:spcAft>
+              <a:buClr>
+                <a:srgbClr val="000000"/>
+              </a:buClr>
+              <a:buSzPts val="1500"/>
+              <a:buChar char="●"/>
+            </a:pPr>
+            <a:r>
+              <a:rPr lang="en" sz="1500">
+                <a:solidFill>
+                  <a:srgbClr val="000000"/>
+                </a:solidFill>
+              </a:rPr>
+              <a:t>Développeur senior full stack (core + geospatial)</a:t>
+            </a:r>
+            <a:endParaRPr sz="1500">
+              <a:solidFill>
+                <a:srgbClr val="000000"/>
+              </a:solidFill>
+            </a:endParaRPr>
+          </a:p>
+          <a:p>
+            <a:pPr indent="-323850" lvl="0" marL="457200" rtl="0" algn="l">
+              <a:spcBef>
+                <a:spcPts val="0"/>
+              </a:spcBef>
+              <a:spcAft>
+                <a:spcPts val="0"/>
+              </a:spcAft>
+              <a:buClr>
+                <a:srgbClr val="000000"/>
+              </a:buClr>
+              <a:buSzPts val="1500"/>
+              <a:buChar char="●"/>
+            </a:pPr>
+            <a:r>
+              <a:rPr lang="en" sz="1500">
+                <a:solidFill>
+                  <a:srgbClr val="000000"/>
+                </a:solidFill>
+              </a:rPr>
+              <a:t>Devops / Intégrateur de systèmes</a:t>
+            </a:r>
+            <a:endParaRPr sz="1500">
+              <a:solidFill>
+                <a:srgbClr val="000000"/>
+              </a:solidFill>
+            </a:endParaRPr>
+          </a:p>
+          <a:p>
+            <a:pPr indent="-323850" lvl="0" marL="457200" rtl="0" algn="l">
+              <a:spcBef>
+                <a:spcPts val="0"/>
+              </a:spcBef>
+              <a:spcAft>
+                <a:spcPts val="0"/>
+              </a:spcAft>
+              <a:buClr>
+                <a:srgbClr val="000000"/>
+              </a:buClr>
+              <a:buSzPts val="1500"/>
+              <a:buChar char="●"/>
+            </a:pPr>
+            <a:r>
+              <a:rPr lang="en" sz="1500">
+                <a:solidFill>
+                  <a:srgbClr val="000000"/>
+                </a:solidFill>
+              </a:rPr>
+              <a:t>Team lead (2-5 pers)</a:t>
+            </a:r>
+            <a:endParaRPr sz="1500">
+              <a:solidFill>
+                <a:srgbClr val="000000"/>
+              </a:solidFill>
+            </a:endParaRPr>
+          </a:p>
+          <a:p>
+            <a:pPr indent="-323850" lvl="0" marL="457200" rtl="0" algn="l">
+              <a:spcBef>
+                <a:spcPts val="0"/>
+              </a:spcBef>
+              <a:spcAft>
+                <a:spcPts val="0"/>
+              </a:spcAft>
+              <a:buClr>
+                <a:srgbClr val="000000"/>
+              </a:buClr>
+              <a:buSzPts val="1500"/>
+              <a:buChar char="●"/>
+            </a:pPr>
+            <a:r>
+              <a:rPr lang="en" sz="1500">
+                <a:solidFill>
+                  <a:srgbClr val="000000"/>
+                </a:solidFill>
+              </a:rPr>
+              <a:t>Analyste d'affaires (collecte et compréhension des besoins)</a:t>
+            </a:r>
+            <a:endParaRPr sz="1500">
+              <a:solidFill>
+                <a:srgbClr val="000000"/>
+              </a:solidFill>
+            </a:endParaRPr>
+          </a:p>
+          <a:p>
+            <a:pPr indent="-323850" lvl="0" marL="457200" rtl="0" algn="l">
+              <a:spcBef>
+                <a:spcPts val="0"/>
+              </a:spcBef>
+              <a:spcAft>
+                <a:spcPts val="0"/>
+              </a:spcAft>
+              <a:buClr>
+                <a:srgbClr val="000000"/>
+              </a:buClr>
+              <a:buSzPts val="1500"/>
+              <a:buChar char="●"/>
+            </a:pPr>
+            <a:r>
+              <a:rPr lang="en" sz="1500">
+                <a:solidFill>
+                  <a:srgbClr val="000000"/>
+                </a:solidFill>
+              </a:rPr>
+              <a:t>Chargé de projet (planification, suivi)</a:t>
+            </a:r>
+            <a:endParaRPr sz="1500">
+              <a:solidFill>
+                <a:srgbClr val="000000"/>
+              </a:solidFill>
+            </a:endParaRPr>
+          </a:p>
+          <a:p>
+            <a:pPr indent="-323850" lvl="0" marL="457200" rtl="0" algn="l">
+              <a:spcBef>
+                <a:spcPts val="0"/>
+              </a:spcBef>
+              <a:spcAft>
+                <a:spcPts val="0"/>
+              </a:spcAft>
+              <a:buClr>
+                <a:srgbClr val="000000"/>
+              </a:buClr>
+              <a:buSzPts val="1500"/>
+              <a:buChar char="●"/>
+            </a:pPr>
+            <a:r>
+              <a:rPr lang="en" sz="1500">
+                <a:solidFill>
+                  <a:srgbClr val="000000"/>
+                </a:solidFill>
+              </a:rPr>
+              <a:t>QA (assurance qualité)</a:t>
+            </a:r>
+            <a:endParaRPr sz="1500">
+              <a:solidFill>
+                <a:srgbClr val="000000"/>
+              </a:solidFill>
+            </a:endParaRPr>
+          </a:p>
+        </p:txBody>
+      </p:sp>
+      <p:sp>
+        <p:nvSpPr>
+          <p:cNvPr id="168" name="Google Shape;168;p24"/>
+          <p:cNvSpPr txBox="1"/>
+          <p:nvPr>
+            <p:ph idx="12" type="sldNum"/>
+          </p:nvPr>
+        </p:nvSpPr>
+        <p:spPr>
+          <a:xfrm>
+            <a:off x="8472458" y="4663217"/>
+            <a:ext cx="548700" cy="393600"/>
+          </a:xfrm>
+          <a:prstGeom prst="rect">
+            <a:avLst/>
+          </a:prstGeom>
+        </p:spPr>
+        <p:txBody>
+          <a:bodyPr anchorCtr="0" anchor="ctr" bIns="91425" lIns="91425" spcFirstLastPara="1" rIns="91425" wrap="square" tIns="91425">
+            <a:normAutofit/>
+          </a:bodyPr>
+          <a:lstStyle/>
+          <a:p>
+            <a:pPr indent="0" lvl="0" marL="0" rtl="0" algn="r">
+              <a:spcBef>
+                <a:spcPts val="0"/>
+              </a:spcBef>
+              <a:spcAft>
+                <a:spcPts val="0"/>
+              </a:spcAft>
+              <a:buNone/>
+            </a:pPr>
+            <a:fld id="{00000000-1234-1234-1234-123412341234}" type="slidenum">
+              <a:rPr lang="en"/>
+              <a:t>‹#›</a:t>
+            </a:fld>
+            <a:endParaRPr/>
+          </a:p>
+        </p:txBody>
+      </p:sp>
+    </p:spTree>
+  </p:cSld>
+  <p:clrMapOvr>
+    <a:masterClrMapping/>
+  </p:clrMapOvr>
+</p:sld>
+</file>
+
+<file path=ppt/slides/slide13.xml><?xml version="1.0" encoding="utf-8"?>
+<p:sld xmlns:a="http://schemas.openxmlformats.org/drawingml/2006/main" xmlns:r="http://schemas.openxmlformats.org/officeDocument/2006/relationships" xmlns:mc="http://schemas.openxmlformats.org/markup-compatibility/2006" xmlns:mv="urn:schemas-microsoft-com:mac:vml" xmlns:p="http://schemas.openxmlformats.org/presentationml/2006/main" xmlns:c="http://schemas.openxmlformats.org/drawingml/2006/chart" xmlns:dgm="http://schemas.openxmlformats.org/drawingml/2006/diagram" xmlns:o="urn:schemas-microsoft-com:office:office" xmlns:v="urn:schemas-microsoft-com:vml" xmlns:pvml="urn:schemas-microsoft-com:office:powerpoint" xmlns:com="http://schemas.openxmlformats.org/drawingml/2006/compatibility" xmlns:p14="http://schemas.microsoft.com/office/powerpoint/2010/main" xmlns:p15="http://schemas.microsoft.com/office/powerpoint/2012/main" xmlns:ahyp="http://schemas.microsoft.com/office/drawing/2018/hyperlinkcolor">
+  <p:cSld>
+    <p:spTree>
+      <p:nvGrpSpPr>
+        <p:cNvPr id="172" name="Shape 172"/>
+        <p:cNvGrpSpPr/>
+        <p:nvPr/>
+      </p:nvGrpSpPr>
+      <p:grpSpPr>
+        <a:xfrm>
+          <a:off x="0" y="0"/>
+          <a:ext cx="0" cy="0"/>
+          <a:chOff x="0" y="0"/>
+          <a:chExt cx="0" cy="0"/>
+        </a:xfrm>
+      </p:grpSpPr>
+      <p:sp>
+        <p:nvSpPr>
+          <p:cNvPr id="173" name="Google Shape;173;p25"/>
+          <p:cNvSpPr txBox="1"/>
+          <p:nvPr>
+            <p:ph type="title"/>
+          </p:nvPr>
+        </p:nvSpPr>
+        <p:spPr>
+          <a:xfrm>
+            <a:off x="311700" y="445025"/>
+            <a:ext cx="8520600" cy="572700"/>
+          </a:xfrm>
+          <a:prstGeom prst="rect">
+            <a:avLst/>
+          </a:prstGeom>
+        </p:spPr>
+        <p:txBody>
+          <a:bodyPr anchorCtr="0" anchor="t" bIns="91425" lIns="91425" spcFirstLastPara="1" rIns="91425" wrap="square" tIns="91425">
+            <a:normAutofit fontScale="90000"/>
+          </a:bodyPr>
+          <a:lstStyle/>
+          <a:p>
+            <a:pPr indent="0" lvl="0" marL="0" rtl="0" algn="l">
+              <a:spcBef>
+                <a:spcPts val="0"/>
+              </a:spcBef>
+              <a:spcAft>
+                <a:spcPts val="0"/>
+              </a:spcAft>
+              <a:buNone/>
+            </a:pPr>
+            <a:r>
+              <a:rPr lang="en"/>
+              <a:t>Mes r</a:t>
+            </a:r>
+            <a:r>
+              <a:rPr lang="en"/>
+              <a:t>esponsabilités</a:t>
+            </a:r>
+            <a:endParaRPr/>
+          </a:p>
+        </p:txBody>
+      </p:sp>
+      <p:sp>
+        <p:nvSpPr>
+          <p:cNvPr id="174" name="Google Shape;174;p25"/>
+          <p:cNvSpPr txBox="1"/>
+          <p:nvPr>
+            <p:ph idx="1" type="body"/>
+          </p:nvPr>
+        </p:nvSpPr>
+        <p:spPr>
+          <a:xfrm>
+            <a:off x="311700" y="1017725"/>
+            <a:ext cx="8520600" cy="3645600"/>
+          </a:xfrm>
+          <a:prstGeom prst="rect">
+            <a:avLst/>
+          </a:prstGeom>
+        </p:spPr>
+        <p:txBody>
+          <a:bodyPr anchorCtr="0" anchor="t" bIns="91425" lIns="91425" spcFirstLastPara="1" rIns="91425" wrap="square" tIns="91425">
+            <a:noAutofit/>
+          </a:bodyPr>
+          <a:lstStyle/>
+          <a:p>
+            <a:pPr indent="-311150" lvl="0" marL="457200" rtl="0" algn="l">
+              <a:spcBef>
+                <a:spcPts val="0"/>
+              </a:spcBef>
+              <a:spcAft>
+                <a:spcPts val="0"/>
+              </a:spcAft>
+              <a:buClr>
+                <a:srgbClr val="000000"/>
+              </a:buClr>
+              <a:buSzPts val="1300"/>
+              <a:buChar char="●"/>
+            </a:pPr>
+            <a:r>
+              <a:rPr lang="en" sz="1300">
+                <a:solidFill>
+                  <a:srgbClr val="000000"/>
+                </a:solidFill>
+              </a:rPr>
+              <a:t>Développeur back-end (full stack)</a:t>
+            </a:r>
+            <a:endParaRPr sz="1300">
+              <a:solidFill>
+                <a:srgbClr val="000000"/>
+              </a:solidFill>
+            </a:endParaRPr>
+          </a:p>
+          <a:p>
+            <a:pPr indent="-311150" lvl="0" marL="457200" rtl="0" algn="l">
+              <a:spcBef>
+                <a:spcPts val="0"/>
+              </a:spcBef>
+              <a:spcAft>
+                <a:spcPts val="0"/>
+              </a:spcAft>
+              <a:buClr>
+                <a:srgbClr val="000000"/>
+              </a:buClr>
+              <a:buSzPts val="1300"/>
+              <a:buChar char="●"/>
+            </a:pPr>
+            <a:r>
+              <a:rPr lang="en" sz="1300">
+                <a:solidFill>
+                  <a:srgbClr val="000000"/>
+                </a:solidFill>
+              </a:rPr>
+              <a:t>Développeur front-end (full stack)</a:t>
+            </a:r>
+            <a:endParaRPr sz="1300">
+              <a:solidFill>
+                <a:srgbClr val="000000"/>
+              </a:solidFill>
+            </a:endParaRPr>
+          </a:p>
+          <a:p>
+            <a:pPr indent="-311150" lvl="0" marL="457200" rtl="0" algn="l">
+              <a:spcBef>
+                <a:spcPts val="0"/>
+              </a:spcBef>
+              <a:spcAft>
+                <a:spcPts val="0"/>
+              </a:spcAft>
+              <a:buClr>
+                <a:srgbClr val="000000"/>
+              </a:buClr>
+              <a:buSzPts val="1300"/>
+              <a:buChar char="●"/>
+            </a:pPr>
+            <a:r>
+              <a:rPr lang="en" sz="1300">
+                <a:solidFill>
+                  <a:srgbClr val="000000"/>
+                </a:solidFill>
+              </a:rPr>
+              <a:t>Intégration de systèmes (devops)</a:t>
+            </a:r>
+            <a:endParaRPr sz="1300">
+              <a:solidFill>
+                <a:srgbClr val="000000"/>
+              </a:solidFill>
+            </a:endParaRPr>
+          </a:p>
+          <a:p>
+            <a:pPr indent="-311150" lvl="0" marL="457200" rtl="0" algn="l">
+              <a:spcBef>
+                <a:spcPts val="0"/>
+              </a:spcBef>
+              <a:spcAft>
+                <a:spcPts val="0"/>
+              </a:spcAft>
+              <a:buClr>
+                <a:srgbClr val="000000"/>
+              </a:buClr>
+              <a:buSzPts val="1300"/>
+              <a:buChar char="●"/>
+            </a:pPr>
+            <a:r>
+              <a:rPr lang="en" sz="1300">
+                <a:solidFill>
+                  <a:srgbClr val="000000"/>
+                </a:solidFill>
+              </a:rPr>
+              <a:t>Gestion de données &amp; jeux de données (inventaires, images, jeux de tests, d'entraînement, de validation, inférence)</a:t>
+            </a:r>
+            <a:endParaRPr sz="1300">
+              <a:solidFill>
+                <a:srgbClr val="000000"/>
+              </a:solidFill>
+            </a:endParaRPr>
+          </a:p>
+          <a:p>
+            <a:pPr indent="-311150" lvl="0" marL="457200" rtl="0" algn="l">
+              <a:spcBef>
+                <a:spcPts val="0"/>
+              </a:spcBef>
+              <a:spcAft>
+                <a:spcPts val="0"/>
+              </a:spcAft>
+              <a:buClr>
+                <a:srgbClr val="000000"/>
+              </a:buClr>
+              <a:buSzPts val="1300"/>
+              <a:buChar char="●"/>
+            </a:pPr>
+            <a:r>
+              <a:rPr lang="en" sz="1300">
+                <a:solidFill>
+                  <a:srgbClr val="000000"/>
+                </a:solidFill>
+              </a:rPr>
+              <a:t>Estimation, déploiement et maintien de solutions TI dans le nuage de Google (GCP)</a:t>
+            </a:r>
+            <a:endParaRPr sz="1300">
+              <a:solidFill>
+                <a:srgbClr val="000000"/>
+              </a:solidFill>
+            </a:endParaRPr>
+          </a:p>
+          <a:p>
+            <a:pPr indent="-311150" lvl="0" marL="457200" rtl="0" algn="l">
+              <a:spcBef>
+                <a:spcPts val="0"/>
+              </a:spcBef>
+              <a:spcAft>
+                <a:spcPts val="0"/>
+              </a:spcAft>
+              <a:buClr>
+                <a:srgbClr val="000000"/>
+              </a:buClr>
+              <a:buSzPts val="1300"/>
+              <a:buChar char="●"/>
+            </a:pPr>
+            <a:r>
+              <a:rPr lang="en" sz="1300">
+                <a:solidFill>
+                  <a:srgbClr val="000000"/>
+                </a:solidFill>
+              </a:rPr>
+              <a:t>Solutions web, géomatiques/SIG &amp; télédétection</a:t>
+            </a:r>
+            <a:endParaRPr sz="1300">
+              <a:solidFill>
+                <a:srgbClr val="000000"/>
+              </a:solidFill>
+            </a:endParaRPr>
+          </a:p>
+          <a:p>
+            <a:pPr indent="-311150" lvl="0" marL="457200" rtl="0" algn="l">
+              <a:spcBef>
+                <a:spcPts val="0"/>
+              </a:spcBef>
+              <a:spcAft>
+                <a:spcPts val="0"/>
+              </a:spcAft>
+              <a:buClr>
+                <a:srgbClr val="000000"/>
+              </a:buClr>
+              <a:buSzPts val="1300"/>
+              <a:buChar char="●"/>
+            </a:pPr>
+            <a:r>
+              <a:rPr lang="en" sz="1300">
+                <a:solidFill>
+                  <a:srgbClr val="000000"/>
+                </a:solidFill>
+              </a:rPr>
+              <a:t>Modélisation AI / Machine Learning / Deep Learning / Vision</a:t>
+            </a:r>
+            <a:endParaRPr sz="1300">
+              <a:solidFill>
+                <a:srgbClr val="000000"/>
+              </a:solidFill>
+            </a:endParaRPr>
+          </a:p>
+          <a:p>
+            <a:pPr indent="-311150" lvl="0" marL="457200" rtl="0" algn="l">
+              <a:spcBef>
+                <a:spcPts val="0"/>
+              </a:spcBef>
+              <a:spcAft>
+                <a:spcPts val="0"/>
+              </a:spcAft>
+              <a:buClr>
+                <a:srgbClr val="000000"/>
+              </a:buClr>
+              <a:buSzPts val="1300"/>
+              <a:buChar char="●"/>
+            </a:pPr>
+            <a:r>
+              <a:rPr lang="en" sz="1300">
+                <a:solidFill>
+                  <a:srgbClr val="000000"/>
+                </a:solidFill>
+              </a:rPr>
+              <a:t>Traitement et analyse des données (Data scientist / analyst / engineer)</a:t>
+            </a:r>
+            <a:endParaRPr sz="1300">
+              <a:solidFill>
+                <a:srgbClr val="000000"/>
+              </a:solidFill>
+            </a:endParaRPr>
+          </a:p>
+          <a:p>
+            <a:pPr indent="-311150" lvl="0" marL="457200" rtl="0" algn="l">
+              <a:spcBef>
+                <a:spcPts val="0"/>
+              </a:spcBef>
+              <a:spcAft>
+                <a:spcPts val="0"/>
+              </a:spcAft>
+              <a:buClr>
+                <a:srgbClr val="000000"/>
+              </a:buClr>
+              <a:buSzPts val="1300"/>
+              <a:buChar char="●"/>
+            </a:pPr>
+            <a:r>
+              <a:rPr lang="en" sz="1300">
+                <a:solidFill>
+                  <a:srgbClr val="000000"/>
+                </a:solidFill>
+              </a:rPr>
+              <a:t>Documentation</a:t>
+            </a:r>
+            <a:endParaRPr sz="1300">
+              <a:solidFill>
+                <a:srgbClr val="000000"/>
+              </a:solidFill>
+            </a:endParaRPr>
+          </a:p>
+          <a:p>
+            <a:pPr indent="-311150" lvl="0" marL="457200" rtl="0" algn="l">
+              <a:spcBef>
+                <a:spcPts val="0"/>
+              </a:spcBef>
+              <a:spcAft>
+                <a:spcPts val="0"/>
+              </a:spcAft>
+              <a:buClr>
+                <a:srgbClr val="000000"/>
+              </a:buClr>
+              <a:buSzPts val="1300"/>
+              <a:buChar char="●"/>
+            </a:pPr>
+            <a:r>
+              <a:rPr lang="en" sz="1300">
+                <a:solidFill>
+                  <a:srgbClr val="000000"/>
+                </a:solidFill>
+              </a:rPr>
+              <a:t>Administration (gestions des tâches, backlog, board, code source, roadmap, estimé, etc)</a:t>
+            </a:r>
+            <a:endParaRPr sz="1300">
+              <a:solidFill>
+                <a:srgbClr val="000000"/>
+              </a:solidFill>
+            </a:endParaRPr>
+          </a:p>
+          <a:p>
+            <a:pPr indent="-311150" lvl="0" marL="457200" rtl="0" algn="l">
+              <a:spcBef>
+                <a:spcPts val="0"/>
+              </a:spcBef>
+              <a:spcAft>
+                <a:spcPts val="0"/>
+              </a:spcAft>
+              <a:buClr>
+                <a:srgbClr val="000000"/>
+              </a:buClr>
+              <a:buSzPts val="1300"/>
+              <a:buChar char="●"/>
+            </a:pPr>
+            <a:r>
+              <a:rPr lang="en" sz="1300">
+                <a:solidFill>
+                  <a:srgbClr val="000000"/>
+                </a:solidFill>
+              </a:rPr>
+              <a:t>Communication (rencontres, courriels)</a:t>
+            </a:r>
+            <a:endParaRPr sz="1300">
+              <a:solidFill>
+                <a:srgbClr val="000000"/>
+              </a:solidFill>
+            </a:endParaRPr>
+          </a:p>
+          <a:p>
+            <a:pPr indent="-311150" lvl="0" marL="457200" rtl="0" algn="l">
+              <a:spcBef>
+                <a:spcPts val="0"/>
+              </a:spcBef>
+              <a:spcAft>
+                <a:spcPts val="0"/>
+              </a:spcAft>
+              <a:buClr>
+                <a:srgbClr val="000000"/>
+              </a:buClr>
+              <a:buSzPts val="1300"/>
+              <a:buChar char="●"/>
+            </a:pPr>
+            <a:r>
+              <a:rPr lang="en" sz="1300">
+                <a:solidFill>
+                  <a:srgbClr val="000000"/>
+                </a:solidFill>
+              </a:rPr>
+              <a:t>Collaboration (transfert de connaissance, coaching)</a:t>
+            </a:r>
+            <a:endParaRPr sz="1300">
+              <a:solidFill>
+                <a:srgbClr val="000000"/>
+              </a:solidFill>
+            </a:endParaRPr>
+          </a:p>
+          <a:p>
+            <a:pPr indent="-311150" lvl="0" marL="457200" rtl="0" algn="l">
+              <a:spcBef>
+                <a:spcPts val="0"/>
+              </a:spcBef>
+              <a:spcAft>
+                <a:spcPts val="0"/>
+              </a:spcAft>
+              <a:buClr>
+                <a:srgbClr val="000000"/>
+              </a:buClr>
+              <a:buSzPts val="1300"/>
+              <a:buChar char="●"/>
+            </a:pPr>
+            <a:r>
+              <a:rPr lang="en" sz="1300">
+                <a:solidFill>
+                  <a:srgbClr val="000000"/>
+                </a:solidFill>
+              </a:rPr>
+              <a:t>Operation Support Maintenance (life cycle)</a:t>
+            </a:r>
+            <a:endParaRPr sz="1300">
+              <a:solidFill>
+                <a:srgbClr val="000000"/>
+              </a:solidFill>
+            </a:endParaRPr>
+          </a:p>
+          <a:p>
+            <a:pPr indent="-311150" lvl="0" marL="457200" rtl="0" algn="l">
+              <a:spcBef>
+                <a:spcPts val="0"/>
+              </a:spcBef>
+              <a:spcAft>
+                <a:spcPts val="0"/>
+              </a:spcAft>
+              <a:buClr>
+                <a:srgbClr val="000000"/>
+              </a:buClr>
+              <a:buSzPts val="1300"/>
+              <a:buChar char="●"/>
+            </a:pPr>
+            <a:r>
+              <a:rPr lang="en" sz="1300">
+                <a:solidFill>
+                  <a:srgbClr val="000000"/>
+                </a:solidFill>
+              </a:rPr>
+              <a:t>Outillage utilitaire (scripting)</a:t>
+            </a:r>
+            <a:endParaRPr sz="1300">
+              <a:solidFill>
+                <a:srgbClr val="000000"/>
+              </a:solidFill>
+            </a:endParaRPr>
+          </a:p>
+          <a:p>
+            <a:pPr indent="-311150" lvl="0" marL="457200" rtl="0" algn="l">
+              <a:spcBef>
+                <a:spcPts val="0"/>
+              </a:spcBef>
+              <a:spcAft>
+                <a:spcPts val="0"/>
+              </a:spcAft>
+              <a:buClr>
+                <a:srgbClr val="000000"/>
+              </a:buClr>
+              <a:buSzPts val="1300"/>
+              <a:buChar char="●"/>
+            </a:pPr>
+            <a:r>
+              <a:rPr lang="en" sz="1300">
+                <a:solidFill>
+                  <a:srgbClr val="000000"/>
+                </a:solidFill>
+              </a:rPr>
+              <a:t>Intégration Continue / Déploiement Continue (CI/CD pipeline, devops)</a:t>
+            </a:r>
+            <a:endParaRPr sz="1300"/>
+          </a:p>
+        </p:txBody>
+      </p:sp>
+      <p:sp>
+        <p:nvSpPr>
+          <p:cNvPr id="175" name="Google Shape;175;p25"/>
+          <p:cNvSpPr txBox="1"/>
+          <p:nvPr>
+            <p:ph idx="12" type="sldNum"/>
+          </p:nvPr>
+        </p:nvSpPr>
+        <p:spPr>
+          <a:xfrm>
+            <a:off x="8472458" y="4663217"/>
+            <a:ext cx="548700" cy="393600"/>
+          </a:xfrm>
+          <a:prstGeom prst="rect">
+            <a:avLst/>
+          </a:prstGeom>
+        </p:spPr>
+        <p:txBody>
+          <a:bodyPr anchorCtr="0" anchor="ctr" bIns="91425" lIns="91425" spcFirstLastPara="1" rIns="91425" wrap="square" tIns="91425">
+            <a:normAutofit/>
+          </a:bodyPr>
+          <a:lstStyle/>
+          <a:p>
+            <a:pPr indent="0" lvl="0" marL="0" rtl="0" algn="r">
+              <a:spcBef>
+                <a:spcPts val="0"/>
+              </a:spcBef>
+              <a:spcAft>
+                <a:spcPts val="0"/>
+              </a:spcAft>
+              <a:buNone/>
+            </a:pPr>
+            <a:fld id="{00000000-1234-1234-1234-123412341234}" type="slidenum">
+              <a:rPr lang="en"/>
+              <a:t>‹#›</a:t>
+            </a:fld>
+            <a:endParaRPr/>
+          </a:p>
+        </p:txBody>
+      </p:sp>
+    </p:spTree>
+  </p:cSld>
+  <p:clrMapOvr>
+    <a:masterClrMapping/>
+  </p:clrMapOvr>
+</p:sld>
+</file>
+
+<file path=ppt/slides/slide14.xml><?xml version="1.0" encoding="utf-8"?>
+<p:sld xmlns:a="http://schemas.openxmlformats.org/drawingml/2006/main" xmlns:r="http://schemas.openxmlformats.org/officeDocument/2006/relationships" xmlns:mc="http://schemas.openxmlformats.org/markup-compatibility/2006" xmlns:mv="urn:schemas-microsoft-com:mac:vml" xmlns:p="http://schemas.openxmlformats.org/presentationml/2006/main" xmlns:c="http://schemas.openxmlformats.org/drawingml/2006/chart" xmlns:dgm="http://schemas.openxmlformats.org/drawingml/2006/diagram" xmlns:o="urn:schemas-microsoft-com:office:office" xmlns:v="urn:schemas-microsoft-com:vml" xmlns:pvml="urn:schemas-microsoft-com:office:powerpoint" xmlns:com="http://schemas.openxmlformats.org/drawingml/2006/compatibility" xmlns:p14="http://schemas.microsoft.com/office/powerpoint/2010/main" xmlns:p15="http://schemas.microsoft.com/office/powerpoint/2012/main" xmlns:ahyp="http://schemas.microsoft.com/office/drawing/2018/hyperlinkcolor">
+  <p:cSld>
+    <p:spTree>
+      <p:nvGrpSpPr>
+        <p:cNvPr id="179" name="Shape 179"/>
+        <p:cNvGrpSpPr/>
+        <p:nvPr/>
+      </p:nvGrpSpPr>
+      <p:grpSpPr>
+        <a:xfrm>
+          <a:off x="0" y="0"/>
+          <a:ext cx="0" cy="0"/>
+          <a:chOff x="0" y="0"/>
+          <a:chExt cx="0" cy="0"/>
+        </a:xfrm>
+      </p:grpSpPr>
+      <p:sp>
+        <p:nvSpPr>
+          <p:cNvPr id="180" name="Google Shape;180;p26"/>
+          <p:cNvSpPr txBox="1"/>
+          <p:nvPr>
+            <p:ph type="title"/>
+          </p:nvPr>
+        </p:nvSpPr>
+        <p:spPr>
+          <a:xfrm>
+            <a:off x="311700" y="445025"/>
+            <a:ext cx="8520600" cy="572700"/>
+          </a:xfrm>
+          <a:prstGeom prst="rect">
+            <a:avLst/>
+          </a:prstGeom>
+        </p:spPr>
+        <p:txBody>
+          <a:bodyPr anchorCtr="0" anchor="t" bIns="91425" lIns="91425" spcFirstLastPara="1" rIns="91425" wrap="square" tIns="91425">
+            <a:normAutofit fontScale="90000"/>
+          </a:bodyPr>
+          <a:lstStyle/>
+          <a:p>
+            <a:pPr indent="0" lvl="0" marL="0" rtl="0" algn="l">
+              <a:spcBef>
+                <a:spcPts val="0"/>
+              </a:spcBef>
+              <a:spcAft>
+                <a:spcPts val="0"/>
+              </a:spcAft>
+              <a:buNone/>
+            </a:pPr>
+            <a:r>
+              <a:rPr lang="en"/>
+              <a:t>Mots-clés</a:t>
+            </a:r>
+            <a:endParaRPr/>
+          </a:p>
+        </p:txBody>
+      </p:sp>
+      <p:sp>
+        <p:nvSpPr>
+          <p:cNvPr id="181" name="Google Shape;181;p26"/>
+          <p:cNvSpPr txBox="1"/>
+          <p:nvPr>
+            <p:ph idx="1" type="body"/>
+          </p:nvPr>
+        </p:nvSpPr>
+        <p:spPr>
+          <a:xfrm>
+            <a:off x="311700" y="1017725"/>
+            <a:ext cx="8520600" cy="3645600"/>
+          </a:xfrm>
+          <a:prstGeom prst="rect">
+            <a:avLst/>
+          </a:prstGeom>
+        </p:spPr>
+        <p:txBody>
+          <a:bodyPr anchorCtr="0" anchor="t" bIns="91425" lIns="91425" spcFirstLastPara="1" rIns="91425" wrap="square" tIns="91425">
+            <a:noAutofit/>
+          </a:bodyPr>
+          <a:lstStyle/>
+          <a:p>
+            <a:pPr indent="0" lvl="0" marL="0" rtl="0" algn="just">
+              <a:spcBef>
+                <a:spcPts val="0"/>
+              </a:spcBef>
+              <a:spcAft>
+                <a:spcPts val="0"/>
+              </a:spcAft>
+              <a:buNone/>
+            </a:pPr>
+            <a:r>
+              <a:rPr lang="en" sz="1000">
+                <a:solidFill>
+                  <a:srgbClr val="000000"/>
+                </a:solidFill>
+              </a:rPr>
+              <a:t>Analytics data-sciences AI Apprentissage-machine apprentissage-profond vision fusion Systèmes-d’exploitation bases-de-données Python panda numpy scikit-learn Matlab pytorch torchvision ONNX tensorRT Julia spark parallélisme distribuée CUDA segmentation-sémantique resnet deeplabv3 NVIDIA Jetson Nano Kit Jupyter Notebook Jupyter-Notebook Google CoLab Splunk Mask R-CNN; mapserver, WMS/WFS; GDAL OGR Shapefile Geojson GeoTiff KML GDB xarray xray Windows Unix UX Solaris Linux Microsoft SQL-Server MySql PostgreSQL SQL Oracle ISAM SQLite Informix PostGIS neDB TimescaleDB Solutions-Web API-Langages IDE CI/CD HTML CSS nodeJS jQuery vueJS JSP Java J2EE CSS Weblogic Tomcat JBoss Apache Struts Ant maven Application-Server Javascript XML JSON QUnit Google-Web-Toolkit-GWT Google-Test Celery Flask GUnicorn Redis RabbitMQ Nifi Apache Kafka OpenLayers Leaflet OGC netCDF Mapbox Google-Maps Goole-Earth-Engine Carto Bootstrap Bottle viewport Visual-Studio Visual-Code Eclipse Weblogic-Application-Framework Websphere PyCharm C C++ .Net Perl Script Scripting PowerShell sed awk Shell Bash Machine-à-état State-Machine FSM ETL ArcGIS QGIS Cygwin Git GitHub GitLab Python PL/SQL Go php Golang Ansible Docker Unit-testing SSH TLS SSL certificate firewall Kubernetes Helm Drools Rundeck Portainer JIRA Confluence Agile Automation-Pipeline Continuous-Integration intégration CI/CD Containers QA assurance-qualité unittest Virtual-Machines VM Plateforme calcul-informatique pointe JIRA Confluence ZenHub Agile jalon swagger microservice microfrontend big-data openstack gcp aws azure kpi load-balancer IaaS PaaS SaaS swagger openapi scrum sprint gateway reverse-proxy proxy orienté debugger pipeline developer-tools dbg géomatique geomatic sciences recherche analyse outils R&amp;D spatiale SIG GIS télédétection carte cartographie représentation tensor vecteur satellite photogrammétrie aéronef drone tableau images HD résolution metadata métadonnée tableau-de-bord web entrainement validation test inférence jeu-de-donnée dataset board roadmap devops inventaire Calcul-Canada Calcul-Québec RAPIDS High-Performance-Computing HPC distributed data-tasks-parallelism SBATCH SLURM Slurm Workload Manager Scheduler AIMIA Air-Canada Alberta-Blue-Cross Banque-Laurentienne Banque-Nationale-du-Canada Caisses-Desjardins Canadian-Railway CIBC Drone-des-Champs Duke-Energy Ministère-de-la-Santé-et-des-Services-Sociaux MSSS Ministère-de-l'Environnement-et-de-la-Lutte-contre-les-changements-climatiques MELCC Manulife Ontario-Lottery-and-Gaming-Corporation Pêches-et-Océans-Canada Prudent-Groupe-Conseil Revenu-Québec SAAQ SSQ Sun-Life Xeos-Imagerie Avaya Aria-G+ CGI Cisco ESRI Genesys Google-Cloud IBM Intellio NICE Nortel NVIDIA Salesforce Telus Université-de-Sherbrooke UdeS Université-de-Montréal UdeM Vision-Météo</a:t>
+            </a:r>
+            <a:endParaRPr sz="1000"/>
+          </a:p>
+        </p:txBody>
+      </p:sp>
+      <p:sp>
+        <p:nvSpPr>
+          <p:cNvPr id="182" name="Google Shape;182;p26"/>
+          <p:cNvSpPr txBox="1"/>
+          <p:nvPr>
+            <p:ph idx="12" type="sldNum"/>
+          </p:nvPr>
+        </p:nvSpPr>
+        <p:spPr>
+          <a:xfrm>
+            <a:off x="8472458" y="4663217"/>
+            <a:ext cx="548700" cy="393600"/>
+          </a:xfrm>
+          <a:prstGeom prst="rect">
+            <a:avLst/>
+          </a:prstGeom>
+        </p:spPr>
+        <p:txBody>
+          <a:bodyPr anchorCtr="0" anchor="ctr" bIns="91425" lIns="91425" spcFirstLastPara="1" rIns="91425" wrap="square" tIns="91425">
+            <a:normAutofit/>
+          </a:bodyPr>
+          <a:lstStyle/>
+          <a:p>
+            <a:pPr indent="0" lvl="0" marL="0" rtl="0" algn="r">
+              <a:spcBef>
+                <a:spcPts val="0"/>
+              </a:spcBef>
+              <a:spcAft>
+                <a:spcPts val="0"/>
+              </a:spcAft>
+              <a:buNone/>
+            </a:pPr>
+            <a:fld id="{00000000-1234-1234-1234-123412341234}" type="slidenum">
+              <a:rPr lang="en"/>
+              <a:t>‹#›</a:t>
+            </a:fld>
+            <a:endParaRPr/>
+          </a:p>
+        </p:txBody>
+      </p:sp>
+    </p:spTree>
+  </p:cSld>
+  <p:clrMapOvr>
+    <a:masterClrMapping/>
+  </p:clrMapOvr>
+</p:sld>
+</file>
+
+<file path=ppt/slides/slide2.xml><?xml version="1.0" encoding="utf-8"?>
+<p:sld xmlns:a="http://schemas.openxmlformats.org/drawingml/2006/main" xmlns:r="http://schemas.openxmlformats.org/officeDocument/2006/relationships" xmlns:mc="http://schemas.openxmlformats.org/markup-compatibility/2006" xmlns:mv="urn:schemas-microsoft-com:mac:vml" xmlns:p="http://schemas.openxmlformats.org/presentationml/2006/main" xmlns:c="http://schemas.openxmlformats.org/drawingml/2006/chart" xmlns:dgm="http://schemas.openxmlformats.org/drawingml/2006/diagram" xmlns:o="urn:schemas-microsoft-com:office:office" xmlns:v="urn:schemas-microsoft-com:vml" xmlns:pvml="urn:schemas-microsoft-com:office:powerpoint" xmlns:com="http://schemas.openxmlformats.org/drawingml/2006/compatibility" xmlns:p14="http://schemas.microsoft.com/office/powerpoint/2010/main" xmlns:p15="http://schemas.microsoft.com/office/powerpoint/2012/main" xmlns:ahyp="http://schemas.microsoft.com/office/drawing/2018/hyperlinkcolor">
+  <p:cSld>
+    <p:spTree>
+      <p:nvGrpSpPr>
+        <p:cNvPr id="63" name="Shape 63"/>
+        <p:cNvGrpSpPr/>
+        <p:nvPr/>
+      </p:nvGrpSpPr>
+      <p:grpSpPr>
+        <a:xfrm>
+          <a:off x="0" y="0"/>
+          <a:ext cx="0" cy="0"/>
+          <a:chOff x="0" y="0"/>
+          <a:chExt cx="0" cy="0"/>
+        </a:xfrm>
+      </p:grpSpPr>
+      <p:sp>
+        <p:nvSpPr>
+          <p:cNvPr id="64" name="Google Shape;64;p14"/>
+          <p:cNvSpPr txBox="1"/>
+          <p:nvPr>
+            <p:ph type="title"/>
+          </p:nvPr>
+        </p:nvSpPr>
+        <p:spPr>
+          <a:xfrm>
+            <a:off x="311700" y="445025"/>
+            <a:ext cx="8520600" cy="572700"/>
+          </a:xfrm>
+          <a:prstGeom prst="rect">
+            <a:avLst/>
+          </a:prstGeom>
+        </p:spPr>
+        <p:txBody>
+          <a:bodyPr anchorCtr="0" anchor="t" bIns="91425" lIns="91425" spcFirstLastPara="1" rIns="91425" wrap="square" tIns="91425">
+            <a:normAutofit fontScale="90000"/>
+          </a:bodyPr>
+          <a:lstStyle/>
+          <a:p>
+            <a:pPr indent="0" lvl="0" marL="0" rtl="0" algn="l">
+              <a:spcBef>
+                <a:spcPts val="0"/>
+              </a:spcBef>
+              <a:spcAft>
+                <a:spcPts val="0"/>
+              </a:spcAft>
+              <a:buNone/>
+            </a:pPr>
+            <a:r>
+              <a:rPr lang="en"/>
+              <a:t>Je suis …</a:t>
+            </a:r>
+            <a:endParaRPr/>
+          </a:p>
+        </p:txBody>
+      </p:sp>
+      <p:sp>
+        <p:nvSpPr>
+          <p:cNvPr id="65" name="Google Shape;65;p14"/>
+          <p:cNvSpPr txBox="1"/>
+          <p:nvPr>
+            <p:ph idx="12" type="sldNum"/>
+          </p:nvPr>
+        </p:nvSpPr>
+        <p:spPr>
+          <a:xfrm>
+            <a:off x="8472458" y="4663217"/>
+            <a:ext cx="548700" cy="393600"/>
+          </a:xfrm>
+          <a:prstGeom prst="rect">
+            <a:avLst/>
+          </a:prstGeom>
+        </p:spPr>
+        <p:txBody>
+          <a:bodyPr anchorCtr="0" anchor="ctr" bIns="91425" lIns="91425" spcFirstLastPara="1" rIns="91425" wrap="square" tIns="91425">
+            <a:normAutofit/>
+          </a:bodyPr>
+          <a:lstStyle/>
+          <a:p>
+            <a:pPr indent="0" lvl="0" marL="0" rtl="0" algn="r">
+              <a:spcBef>
+                <a:spcPts val="0"/>
+              </a:spcBef>
+              <a:spcAft>
+                <a:spcPts val="0"/>
+              </a:spcAft>
+              <a:buNone/>
+            </a:pPr>
+            <a:fld id="{00000000-1234-1234-1234-123412341234}" type="slidenum">
+              <a:rPr lang="en"/>
+              <a:t>‹#›</a:t>
+            </a:fld>
+            <a:endParaRPr/>
+          </a:p>
+        </p:txBody>
+      </p:sp>
+      <p:sp>
+        <p:nvSpPr>
+          <p:cNvPr id="66" name="Google Shape;66;p14"/>
+          <p:cNvSpPr txBox="1"/>
+          <p:nvPr>
+            <p:ph idx="1" type="body"/>
+          </p:nvPr>
+        </p:nvSpPr>
+        <p:spPr>
+          <a:xfrm>
+            <a:off x="311700" y="1017725"/>
+            <a:ext cx="8248500" cy="1498500"/>
+          </a:xfrm>
+          <a:prstGeom prst="rect">
+            <a:avLst/>
+          </a:prstGeom>
+        </p:spPr>
+        <p:txBody>
+          <a:bodyPr anchorCtr="0" anchor="t" bIns="91425" lIns="91425" spcFirstLastPara="1" rIns="91425" wrap="square" tIns="91425">
+            <a:noAutofit/>
+          </a:bodyPr>
+          <a:lstStyle/>
+          <a:p>
+            <a:pPr indent="-324094" lvl="0" marL="457200" rtl="0" algn="just">
+              <a:spcBef>
+                <a:spcPts val="0"/>
+              </a:spcBef>
+              <a:spcAft>
+                <a:spcPts val="0"/>
+              </a:spcAft>
+              <a:buSzPts val="1504"/>
+              <a:buChar char="-"/>
+            </a:pPr>
+            <a:r>
+              <a:rPr lang="en" sz="1503"/>
+              <a:t>Né en France, famille de 4 enfants (troisième).</a:t>
+            </a:r>
+            <a:endParaRPr sz="1503"/>
+          </a:p>
+          <a:p>
+            <a:pPr indent="-324094" lvl="0" marL="457200" rtl="0" algn="just">
+              <a:spcBef>
+                <a:spcPts val="0"/>
+              </a:spcBef>
+              <a:spcAft>
+                <a:spcPts val="0"/>
+              </a:spcAft>
+              <a:buSzPts val="1504"/>
+              <a:buChar char="-"/>
+            </a:pPr>
+            <a:r>
+              <a:rPr lang="en" sz="1503"/>
+              <a:t>É</a:t>
+            </a:r>
+            <a:r>
+              <a:rPr lang="en" sz="1503"/>
+              <a:t>tudié en France, travaillé +4 ans en France.</a:t>
+            </a:r>
+            <a:endParaRPr sz="1503"/>
+          </a:p>
+          <a:p>
+            <a:pPr indent="-324094" lvl="0" marL="457200" rtl="0" algn="just">
+              <a:spcBef>
+                <a:spcPts val="0"/>
+              </a:spcBef>
+              <a:spcAft>
+                <a:spcPts val="0"/>
+              </a:spcAft>
+              <a:buSzPts val="1504"/>
+              <a:buChar char="-"/>
+            </a:pPr>
+            <a:r>
+              <a:rPr lang="en" sz="1503"/>
+              <a:t>Au Québec depuis septembre 2000 (+21 ans).</a:t>
+            </a:r>
+            <a:endParaRPr sz="1503"/>
+          </a:p>
+          <a:p>
+            <a:pPr indent="-324094" lvl="0" marL="457200" rtl="0" algn="just">
+              <a:spcBef>
+                <a:spcPts val="0"/>
+              </a:spcBef>
+              <a:spcAft>
+                <a:spcPts val="0"/>
+              </a:spcAft>
+              <a:buSzPts val="1504"/>
+              <a:buChar char="-"/>
+            </a:pPr>
+            <a:r>
+              <a:rPr lang="en" sz="1503"/>
+              <a:t>Marié, concubine japonaise, 2 enfants, garçon (12 ans) et fille (10 ans).</a:t>
+            </a:r>
+            <a:endParaRPr sz="1503"/>
+          </a:p>
+          <a:p>
+            <a:pPr indent="-324094" lvl="0" marL="457200" rtl="0" algn="just">
+              <a:spcBef>
+                <a:spcPts val="0"/>
+              </a:spcBef>
+              <a:spcAft>
+                <a:spcPts val="0"/>
+              </a:spcAft>
+              <a:buSzPts val="1504"/>
+              <a:buChar char="-"/>
+            </a:pPr>
+            <a:r>
+              <a:rPr lang="en" sz="1503"/>
+              <a:t>Une personne curieuse, </a:t>
+            </a:r>
+            <a:r>
+              <a:rPr lang="en" sz="1503"/>
+              <a:t>fière,</a:t>
+            </a:r>
+            <a:r>
+              <a:rPr lang="en" sz="1503"/>
+              <a:t> compétitive, qui aime travailler et aider.</a:t>
+            </a:r>
+            <a:endParaRPr sz="1503"/>
+          </a:p>
+        </p:txBody>
+      </p:sp>
+      <p:pic>
+        <p:nvPicPr>
+          <p:cNvPr id="67" name="Google Shape;67;p14"/>
+          <p:cNvPicPr preferRelativeResize="0"/>
+          <p:nvPr/>
+        </p:nvPicPr>
+        <p:blipFill>
+          <a:blip r:embed="rId3">
+            <a:alphaModFix/>
+          </a:blip>
+          <a:stretch>
+            <a:fillRect/>
+          </a:stretch>
+        </p:blipFill>
+        <p:spPr>
+          <a:xfrm>
+            <a:off x="2236950" y="3137875"/>
+            <a:ext cx="865925" cy="865925"/>
+          </a:xfrm>
+          <a:prstGeom prst="rect">
+            <a:avLst/>
+          </a:prstGeom>
+          <a:noFill/>
+          <a:ln>
+            <a:noFill/>
+          </a:ln>
+        </p:spPr>
+      </p:pic>
+      <p:pic>
+        <p:nvPicPr>
+          <p:cNvPr id="68" name="Google Shape;68;p14"/>
+          <p:cNvPicPr preferRelativeResize="0"/>
+          <p:nvPr/>
+        </p:nvPicPr>
+        <p:blipFill>
+          <a:blip r:embed="rId4">
+            <a:alphaModFix/>
+          </a:blip>
+          <a:stretch>
+            <a:fillRect/>
+          </a:stretch>
+        </p:blipFill>
+        <p:spPr>
+          <a:xfrm>
+            <a:off x="3825375" y="3137875"/>
+            <a:ext cx="1154567" cy="865925"/>
+          </a:xfrm>
+          <a:prstGeom prst="rect">
+            <a:avLst/>
+          </a:prstGeom>
+          <a:noFill/>
+          <a:ln>
+            <a:noFill/>
+          </a:ln>
+        </p:spPr>
+      </p:pic>
+      <p:pic>
+        <p:nvPicPr>
+          <p:cNvPr id="69" name="Google Shape;69;p14"/>
+          <p:cNvPicPr preferRelativeResize="0"/>
+          <p:nvPr/>
+        </p:nvPicPr>
+        <p:blipFill>
+          <a:blip r:embed="rId5">
+            <a:alphaModFix/>
+          </a:blip>
+          <a:stretch>
+            <a:fillRect/>
+          </a:stretch>
+        </p:blipFill>
+        <p:spPr>
+          <a:xfrm>
+            <a:off x="7106675" y="425500"/>
+            <a:ext cx="611775" cy="611725"/>
+          </a:xfrm>
+          <a:prstGeom prst="rect">
+            <a:avLst/>
+          </a:prstGeom>
+          <a:noFill/>
+          <a:ln>
+            <a:noFill/>
+          </a:ln>
+        </p:spPr>
+      </p:pic>
+      <p:pic>
+        <p:nvPicPr>
+          <p:cNvPr id="70" name="Google Shape;70;p14"/>
+          <p:cNvPicPr preferRelativeResize="0"/>
+          <p:nvPr/>
+        </p:nvPicPr>
+        <p:blipFill>
+          <a:blip r:embed="rId6">
+            <a:alphaModFix/>
+          </a:blip>
+          <a:stretch>
+            <a:fillRect/>
+          </a:stretch>
+        </p:blipFill>
+        <p:spPr>
+          <a:xfrm>
+            <a:off x="6600700" y="507463"/>
+            <a:ext cx="447800" cy="447800"/>
+          </a:xfrm>
+          <a:prstGeom prst="rect">
+            <a:avLst/>
+          </a:prstGeom>
+          <a:noFill/>
+          <a:ln>
+            <a:noFill/>
+          </a:ln>
+        </p:spPr>
+      </p:pic>
+      <p:pic>
+        <p:nvPicPr>
+          <p:cNvPr id="71" name="Google Shape;71;p14"/>
+          <p:cNvPicPr preferRelativeResize="0"/>
+          <p:nvPr/>
+        </p:nvPicPr>
+        <p:blipFill>
+          <a:blip r:embed="rId7">
+            <a:alphaModFix/>
+          </a:blip>
+          <a:stretch>
+            <a:fillRect/>
+          </a:stretch>
+        </p:blipFill>
+        <p:spPr>
+          <a:xfrm>
+            <a:off x="7731875" y="507475"/>
+            <a:ext cx="447800" cy="447800"/>
+          </a:xfrm>
+          <a:prstGeom prst="rect">
+            <a:avLst/>
+          </a:prstGeom>
+          <a:noFill/>
+          <a:ln>
+            <a:noFill/>
+          </a:ln>
+        </p:spPr>
+      </p:pic>
+      <p:pic>
+        <p:nvPicPr>
+          <p:cNvPr id="72" name="Google Shape;72;p14"/>
+          <p:cNvPicPr preferRelativeResize="0"/>
+          <p:nvPr/>
+        </p:nvPicPr>
+        <p:blipFill>
+          <a:blip r:embed="rId8">
+            <a:alphaModFix/>
+          </a:blip>
+          <a:stretch>
+            <a:fillRect/>
+          </a:stretch>
+        </p:blipFill>
+        <p:spPr>
+          <a:xfrm>
+            <a:off x="8193100" y="400525"/>
+            <a:ext cx="661675" cy="661675"/>
+          </a:xfrm>
+          <a:prstGeom prst="rect">
+            <a:avLst/>
+          </a:prstGeom>
+          <a:noFill/>
+          <a:ln>
+            <a:noFill/>
+          </a:ln>
+        </p:spPr>
+      </p:pic>
+      <p:pic>
+        <p:nvPicPr>
+          <p:cNvPr id="73" name="Google Shape;73;p14"/>
+          <p:cNvPicPr preferRelativeResize="0"/>
+          <p:nvPr/>
+        </p:nvPicPr>
+        <p:blipFill>
+          <a:blip r:embed="rId9">
+            <a:alphaModFix/>
+          </a:blip>
+          <a:stretch>
+            <a:fillRect/>
+          </a:stretch>
+        </p:blipFill>
+        <p:spPr>
+          <a:xfrm>
+            <a:off x="5519775" y="2974320"/>
+            <a:ext cx="1193050" cy="1193025"/>
+          </a:xfrm>
+          <a:prstGeom prst="rect">
+            <a:avLst/>
+          </a:prstGeom>
+          <a:noFill/>
+          <a:ln>
+            <a:noFill/>
+          </a:ln>
+        </p:spPr>
+      </p:pic>
+    </p:spTree>
+  </p:cSld>
+  <p:clrMapOvr>
+    <a:masterClrMapping/>
+  </p:clrMapOvr>
+</p:sld>
+</file>
+
+<file path=ppt/slides/slide3.xml><?xml version="1.0" encoding="utf-8"?>
+<p:sld xmlns:a="http://schemas.openxmlformats.org/drawingml/2006/main" xmlns:r="http://schemas.openxmlformats.org/officeDocument/2006/relationships" xmlns:mc="http://schemas.openxmlformats.org/markup-compatibility/2006" xmlns:mv="urn:schemas-microsoft-com:mac:vml" xmlns:p="http://schemas.openxmlformats.org/presentationml/2006/main" xmlns:c="http://schemas.openxmlformats.org/drawingml/2006/chart" xmlns:dgm="http://schemas.openxmlformats.org/drawingml/2006/diagram" xmlns:o="urn:schemas-microsoft-com:office:office" xmlns:v="urn:schemas-microsoft-com:vml" xmlns:pvml="urn:schemas-microsoft-com:office:powerpoint" xmlns:com="http://schemas.openxmlformats.org/drawingml/2006/compatibility" xmlns:p14="http://schemas.microsoft.com/office/powerpoint/2010/main" xmlns:p15="http://schemas.microsoft.com/office/powerpoint/2012/main" xmlns:ahyp="http://schemas.microsoft.com/office/drawing/2018/hyperlinkcolor">
+  <p:cSld>
+    <p:spTree>
+      <p:nvGrpSpPr>
+        <p:cNvPr id="77" name="Shape 77"/>
+        <p:cNvGrpSpPr/>
+        <p:nvPr/>
+      </p:nvGrpSpPr>
+      <p:grpSpPr>
+        <a:xfrm>
+          <a:off x="0" y="0"/>
+          <a:ext cx="0" cy="0"/>
+          <a:chOff x="0" y="0"/>
+          <a:chExt cx="0" cy="0"/>
+        </a:xfrm>
+      </p:grpSpPr>
+      <p:sp>
+        <p:nvSpPr>
+          <p:cNvPr id="78" name="Google Shape;78;p15"/>
+          <p:cNvSpPr txBox="1"/>
+          <p:nvPr>
+            <p:ph idx="12" type="sldNum"/>
+          </p:nvPr>
+        </p:nvSpPr>
+        <p:spPr>
+          <a:xfrm>
+            <a:off x="8472458" y="4663217"/>
+            <a:ext cx="548700" cy="393600"/>
+          </a:xfrm>
+          <a:prstGeom prst="rect">
+            <a:avLst/>
+          </a:prstGeom>
+        </p:spPr>
+        <p:txBody>
+          <a:bodyPr anchorCtr="0" anchor="ctr" bIns="91425" lIns="91425" spcFirstLastPara="1" rIns="91425" wrap="square" tIns="91425">
+            <a:normAutofit/>
+          </a:bodyPr>
+          <a:lstStyle/>
+          <a:p>
+            <a:pPr indent="0" lvl="0" marL="0" rtl="0" algn="r">
+              <a:spcBef>
+                <a:spcPts val="0"/>
+              </a:spcBef>
+              <a:spcAft>
+                <a:spcPts val="0"/>
+              </a:spcAft>
+              <a:buNone/>
+            </a:pPr>
+            <a:fld id="{00000000-1234-1234-1234-123412341234}" type="slidenum">
+              <a:rPr lang="en"/>
+              <a:t>‹#›</a:t>
+            </a:fld>
+            <a:endParaRPr/>
+          </a:p>
+        </p:txBody>
+      </p:sp>
+      <p:sp>
+        <p:nvSpPr>
+          <p:cNvPr id="79" name="Google Shape;79;p15"/>
+          <p:cNvSpPr txBox="1"/>
+          <p:nvPr>
+            <p:ph type="title"/>
+          </p:nvPr>
+        </p:nvSpPr>
+        <p:spPr>
+          <a:xfrm>
+            <a:off x="311700" y="450025"/>
+            <a:ext cx="8520600" cy="572700"/>
+          </a:xfrm>
+          <a:prstGeom prst="rect">
+            <a:avLst/>
+          </a:prstGeom>
+        </p:spPr>
+        <p:txBody>
+          <a:bodyPr anchorCtr="0" anchor="t" bIns="91425" lIns="91425" spcFirstLastPara="1" rIns="91425" wrap="square" tIns="91425">
+            <a:normAutofit fontScale="90000"/>
+          </a:bodyPr>
+          <a:lstStyle/>
+          <a:p>
+            <a:pPr indent="0" lvl="0" marL="0" rtl="0" algn="l">
+              <a:spcBef>
+                <a:spcPts val="0"/>
+              </a:spcBef>
+              <a:spcAft>
+                <a:spcPts val="0"/>
+              </a:spcAft>
+              <a:buNone/>
+            </a:pPr>
+            <a:r>
+              <a:rPr lang="en"/>
+              <a:t>Mes intérêts personnels</a:t>
+            </a:r>
+            <a:endParaRPr/>
+          </a:p>
+        </p:txBody>
+      </p:sp>
+      <p:sp>
+        <p:nvSpPr>
+          <p:cNvPr id="80" name="Google Shape;80;p15"/>
+          <p:cNvSpPr txBox="1"/>
+          <p:nvPr/>
+        </p:nvSpPr>
+        <p:spPr>
+          <a:xfrm>
+            <a:off x="447750" y="1022725"/>
+            <a:ext cx="8248500" cy="2279700"/>
+          </a:xfrm>
+          <a:prstGeom prst="rect">
+            <a:avLst/>
+          </a:prstGeom>
+          <a:noFill/>
+          <a:ln>
+            <a:noFill/>
+          </a:ln>
+        </p:spPr>
+        <p:txBody>
+          <a:bodyPr anchorCtr="0" anchor="t" bIns="91425" lIns="91425" spcFirstLastPara="1" rIns="91425" wrap="square" tIns="91425">
+            <a:spAutoFit/>
+          </a:bodyPr>
+          <a:lstStyle/>
+          <a:p>
+            <a:pPr indent="-324094" lvl="0" marL="457200" rtl="0" algn="just">
+              <a:lnSpc>
+                <a:spcPct val="115000"/>
+              </a:lnSpc>
+              <a:spcBef>
+                <a:spcPts val="0"/>
+              </a:spcBef>
+              <a:spcAft>
+                <a:spcPts val="0"/>
+              </a:spcAft>
+              <a:buClr>
+                <a:schemeClr val="dk2"/>
+              </a:buClr>
+              <a:buSzPts val="1504"/>
+              <a:buChar char="-"/>
+            </a:pPr>
+            <a:r>
+              <a:rPr lang="en" sz="1503">
+                <a:solidFill>
+                  <a:schemeClr val="dk2"/>
+                </a:solidFill>
+              </a:rPr>
+              <a:t>Être dehors, avec famille/amis, le sport, les activités extérieures (camping, kayak, pêche).</a:t>
+            </a:r>
+            <a:endParaRPr sz="1503">
+              <a:solidFill>
+                <a:schemeClr val="dk2"/>
+              </a:solidFill>
+            </a:endParaRPr>
+          </a:p>
+          <a:p>
+            <a:pPr indent="-324094" lvl="0" marL="457200" rtl="0" algn="just">
+              <a:lnSpc>
+                <a:spcPct val="115000"/>
+              </a:lnSpc>
+              <a:spcBef>
+                <a:spcPts val="0"/>
+              </a:spcBef>
+              <a:spcAft>
+                <a:spcPts val="0"/>
+              </a:spcAft>
+              <a:buClr>
+                <a:schemeClr val="dk2"/>
+              </a:buClr>
+              <a:buSzPts val="1504"/>
+              <a:buChar char="-"/>
+            </a:pPr>
+            <a:r>
+              <a:rPr lang="en" sz="1503">
+                <a:solidFill>
+                  <a:schemeClr val="dk2"/>
+                </a:solidFill>
+              </a:rPr>
+              <a:t>Soccer.</a:t>
+            </a:r>
+            <a:endParaRPr sz="1503">
+              <a:solidFill>
+                <a:schemeClr val="dk2"/>
+              </a:solidFill>
+            </a:endParaRPr>
+          </a:p>
+          <a:p>
+            <a:pPr indent="-324094" lvl="1" marL="914400" rtl="0" algn="just">
+              <a:lnSpc>
+                <a:spcPct val="115000"/>
+              </a:lnSpc>
+              <a:spcBef>
+                <a:spcPts val="0"/>
+              </a:spcBef>
+              <a:spcAft>
+                <a:spcPts val="0"/>
+              </a:spcAft>
+              <a:buClr>
+                <a:schemeClr val="dk2"/>
+              </a:buClr>
+              <a:buSzPts val="1504"/>
+              <a:buChar char="-"/>
+            </a:pPr>
+            <a:r>
+              <a:rPr lang="en" sz="1503">
+                <a:solidFill>
+                  <a:schemeClr val="dk2"/>
+                </a:solidFill>
+              </a:rPr>
+              <a:t>Fan de l’équipe de France et du Paris-Saint-Germain (PSG).</a:t>
+            </a:r>
+            <a:endParaRPr sz="1503">
+              <a:solidFill>
+                <a:schemeClr val="dk2"/>
+              </a:solidFill>
+            </a:endParaRPr>
+          </a:p>
+          <a:p>
+            <a:pPr indent="-324094" lvl="0" marL="457200" rtl="0" algn="just">
+              <a:lnSpc>
+                <a:spcPct val="115000"/>
+              </a:lnSpc>
+              <a:spcBef>
+                <a:spcPts val="0"/>
+              </a:spcBef>
+              <a:spcAft>
+                <a:spcPts val="0"/>
+              </a:spcAft>
+              <a:buClr>
+                <a:schemeClr val="dk2"/>
+              </a:buClr>
+              <a:buSzPts val="1504"/>
+              <a:buChar char="-"/>
+            </a:pPr>
+            <a:r>
+              <a:rPr lang="en" sz="1503">
+                <a:solidFill>
+                  <a:schemeClr val="dk2"/>
+                </a:solidFill>
+              </a:rPr>
+              <a:t>L’informatique et la programmation.</a:t>
+            </a:r>
+            <a:endParaRPr sz="1503">
+              <a:solidFill>
+                <a:schemeClr val="dk2"/>
+              </a:solidFill>
+            </a:endParaRPr>
+          </a:p>
+          <a:p>
+            <a:pPr indent="-324094" lvl="0" marL="457200" rtl="0" algn="just">
+              <a:lnSpc>
+                <a:spcPct val="115000"/>
+              </a:lnSpc>
+              <a:spcBef>
+                <a:spcPts val="0"/>
+              </a:spcBef>
+              <a:spcAft>
+                <a:spcPts val="0"/>
+              </a:spcAft>
+              <a:buClr>
+                <a:schemeClr val="dk2"/>
+              </a:buClr>
+              <a:buSzPts val="1504"/>
+              <a:buChar char="-"/>
+            </a:pPr>
+            <a:r>
+              <a:rPr lang="en" sz="1503">
+                <a:solidFill>
+                  <a:schemeClr val="dk2"/>
+                </a:solidFill>
+              </a:rPr>
+              <a:t>La technologie.</a:t>
+            </a:r>
+            <a:endParaRPr sz="1503">
+              <a:solidFill>
+                <a:schemeClr val="dk2"/>
+              </a:solidFill>
+            </a:endParaRPr>
+          </a:p>
+          <a:p>
+            <a:pPr indent="-324094" lvl="0" marL="457200" rtl="0" algn="just">
+              <a:lnSpc>
+                <a:spcPct val="115000"/>
+              </a:lnSpc>
+              <a:spcBef>
+                <a:spcPts val="0"/>
+              </a:spcBef>
+              <a:spcAft>
+                <a:spcPts val="0"/>
+              </a:spcAft>
+              <a:buClr>
+                <a:schemeClr val="dk2"/>
+              </a:buClr>
+              <a:buSzPts val="1504"/>
+              <a:buChar char="-"/>
+            </a:pPr>
+            <a:r>
+              <a:rPr lang="en" sz="1503">
+                <a:solidFill>
+                  <a:schemeClr val="dk2"/>
+                </a:solidFill>
+              </a:rPr>
+              <a:t>Les films d’animation et d’action, de super hero, d’aventure, de science fiction (Marvel, Pixar, Ghibli, etc).</a:t>
+            </a:r>
+            <a:endParaRPr sz="1503">
+              <a:solidFill>
+                <a:schemeClr val="dk2"/>
+              </a:solidFill>
+            </a:endParaRPr>
+          </a:p>
+          <a:p>
+            <a:pPr indent="-324094" lvl="0" marL="457200" rtl="0" algn="just">
+              <a:lnSpc>
+                <a:spcPct val="115000"/>
+              </a:lnSpc>
+              <a:spcBef>
+                <a:spcPts val="0"/>
+              </a:spcBef>
+              <a:spcAft>
+                <a:spcPts val="0"/>
+              </a:spcAft>
+              <a:buClr>
+                <a:schemeClr val="dk2"/>
+              </a:buClr>
+              <a:buSzPts val="1504"/>
+              <a:buChar char="-"/>
+            </a:pPr>
+            <a:r>
+              <a:rPr lang="en" sz="1503">
+                <a:solidFill>
+                  <a:schemeClr val="dk2"/>
+                </a:solidFill>
+              </a:rPr>
+              <a:t>Pas un “gamer” mais j’aime ça de temps en temps avec les enfants.</a:t>
+            </a:r>
+            <a:endParaRPr sz="1503">
+              <a:solidFill>
+                <a:schemeClr val="dk2"/>
+              </a:solidFill>
+            </a:endParaRPr>
+          </a:p>
+        </p:txBody>
+      </p:sp>
+      <p:pic>
+        <p:nvPicPr>
+          <p:cNvPr id="81" name="Google Shape;81;p15"/>
+          <p:cNvPicPr preferRelativeResize="0"/>
+          <p:nvPr/>
+        </p:nvPicPr>
+        <p:blipFill>
+          <a:blip r:embed="rId3">
+            <a:alphaModFix/>
+          </a:blip>
+          <a:stretch>
+            <a:fillRect/>
+          </a:stretch>
+        </p:blipFill>
+        <p:spPr>
+          <a:xfrm>
+            <a:off x="8040600" y="408550"/>
+            <a:ext cx="655650" cy="655650"/>
+          </a:xfrm>
+          <a:prstGeom prst="rect">
+            <a:avLst/>
+          </a:prstGeom>
+          <a:noFill/>
+          <a:ln>
+            <a:noFill/>
+          </a:ln>
+        </p:spPr>
+      </p:pic>
+      <p:pic>
+        <p:nvPicPr>
+          <p:cNvPr id="82" name="Google Shape;82;p15"/>
+          <p:cNvPicPr preferRelativeResize="0"/>
+          <p:nvPr/>
+        </p:nvPicPr>
+        <p:blipFill>
+          <a:blip r:embed="rId4">
+            <a:alphaModFix/>
+          </a:blip>
+          <a:stretch>
+            <a:fillRect/>
+          </a:stretch>
+        </p:blipFill>
+        <p:spPr>
+          <a:xfrm>
+            <a:off x="4068749" y="3441324"/>
+            <a:ext cx="1006500" cy="1006500"/>
+          </a:xfrm>
+          <a:prstGeom prst="rect">
+            <a:avLst/>
+          </a:prstGeom>
+          <a:noFill/>
+          <a:ln>
+            <a:noFill/>
+          </a:ln>
+        </p:spPr>
+      </p:pic>
+    </p:spTree>
+  </p:cSld>
+  <p:clrMapOvr>
+    <a:masterClrMapping/>
+  </p:clrMapOvr>
+</p:sld>
+</file>
+
+<file path=ppt/slides/slide4.xml><?xml version="1.0" encoding="utf-8"?>
+<p:sld xmlns:a="http://schemas.openxmlformats.org/drawingml/2006/main" xmlns:r="http://schemas.openxmlformats.org/officeDocument/2006/relationships" xmlns:mc="http://schemas.openxmlformats.org/markup-compatibility/2006" xmlns:mv="urn:schemas-microsoft-com:mac:vml" xmlns:p="http://schemas.openxmlformats.org/presentationml/2006/main" xmlns:c="http://schemas.openxmlformats.org/drawingml/2006/chart" xmlns:dgm="http://schemas.openxmlformats.org/drawingml/2006/diagram" xmlns:o="urn:schemas-microsoft-com:office:office" xmlns:v="urn:schemas-microsoft-com:vml" xmlns:pvml="urn:schemas-microsoft-com:office:powerpoint" xmlns:com="http://schemas.openxmlformats.org/drawingml/2006/compatibility" xmlns:p14="http://schemas.microsoft.com/office/powerpoint/2010/main" xmlns:p15="http://schemas.microsoft.com/office/powerpoint/2012/main" xmlns:ahyp="http://schemas.microsoft.com/office/drawing/2018/hyperlinkcolor">
+  <p:cSld>
+    <p:spTree>
+      <p:nvGrpSpPr>
+        <p:cNvPr id="86" name="Shape 86"/>
+        <p:cNvGrpSpPr/>
+        <p:nvPr/>
+      </p:nvGrpSpPr>
+      <p:grpSpPr>
+        <a:xfrm>
+          <a:off x="0" y="0"/>
+          <a:ext cx="0" cy="0"/>
+          <a:chOff x="0" y="0"/>
+          <a:chExt cx="0" cy="0"/>
+        </a:xfrm>
+      </p:grpSpPr>
+      <p:sp>
+        <p:nvSpPr>
+          <p:cNvPr id="87" name="Google Shape;87;p16"/>
+          <p:cNvSpPr txBox="1"/>
+          <p:nvPr>
+            <p:ph type="title"/>
+          </p:nvPr>
+        </p:nvSpPr>
+        <p:spPr>
+          <a:xfrm>
+            <a:off x="311700" y="445025"/>
+            <a:ext cx="8520600" cy="572700"/>
+          </a:xfrm>
+          <a:prstGeom prst="rect">
+            <a:avLst/>
+          </a:prstGeom>
+        </p:spPr>
+        <p:txBody>
+          <a:bodyPr anchorCtr="0" anchor="t" bIns="91425" lIns="91425" spcFirstLastPara="1" rIns="91425" wrap="square" tIns="91425">
+            <a:normAutofit fontScale="90000"/>
+          </a:bodyPr>
+          <a:lstStyle/>
+          <a:p>
+            <a:pPr indent="0" lvl="0" marL="0" rtl="0" algn="l">
+              <a:spcBef>
+                <a:spcPts val="0"/>
+              </a:spcBef>
+              <a:spcAft>
+                <a:spcPts val="0"/>
+              </a:spcAft>
+              <a:buNone/>
+            </a:pPr>
+            <a:r>
+              <a:rPr lang="en"/>
+              <a:t>Quelques particularités</a:t>
+            </a:r>
+            <a:endParaRPr/>
+          </a:p>
+        </p:txBody>
+      </p:sp>
+      <p:sp>
+        <p:nvSpPr>
+          <p:cNvPr id="88" name="Google Shape;88;p16"/>
+          <p:cNvSpPr txBox="1"/>
+          <p:nvPr>
+            <p:ph idx="1" type="body"/>
+          </p:nvPr>
+        </p:nvSpPr>
+        <p:spPr>
+          <a:xfrm>
+            <a:off x="311700" y="1017725"/>
+            <a:ext cx="8248500" cy="1913100"/>
+          </a:xfrm>
+          <a:prstGeom prst="rect">
+            <a:avLst/>
+          </a:prstGeom>
+        </p:spPr>
+        <p:txBody>
+          <a:bodyPr anchorCtr="0" anchor="t" bIns="91425" lIns="91425" spcFirstLastPara="1" rIns="91425" wrap="square" tIns="91425">
+            <a:noAutofit/>
+          </a:bodyPr>
+          <a:lstStyle/>
+          <a:p>
+            <a:pPr indent="-324094" lvl="0" marL="457200" rtl="0" algn="just">
+              <a:spcBef>
+                <a:spcPts val="0"/>
+              </a:spcBef>
+              <a:spcAft>
+                <a:spcPts val="0"/>
+              </a:spcAft>
+              <a:buSzPts val="1504"/>
+              <a:buChar char="-"/>
+            </a:pPr>
+            <a:r>
+              <a:rPr lang="en" sz="1503"/>
+              <a:t>2003 </a:t>
+            </a:r>
+            <a:r>
+              <a:rPr lang="en" sz="1503"/>
+              <a:t>– </a:t>
+            </a:r>
+            <a:r>
+              <a:rPr lang="en" sz="1503"/>
+              <a:t>Marathon de Montréal (4h10).</a:t>
+            </a:r>
+            <a:endParaRPr sz="1503"/>
+          </a:p>
+          <a:p>
+            <a:pPr indent="-324094" lvl="0" marL="457200" rtl="0" algn="just">
+              <a:spcBef>
+                <a:spcPts val="0"/>
+              </a:spcBef>
+              <a:spcAft>
+                <a:spcPts val="0"/>
+              </a:spcAft>
+              <a:buSzPts val="1504"/>
+              <a:buChar char="-"/>
+            </a:pPr>
+            <a:r>
+              <a:rPr lang="en" sz="1503"/>
+              <a:t>Mars 2004 à Juin 2005 (1 an) – Télétravail au Japon.</a:t>
+            </a:r>
+            <a:endParaRPr sz="1503"/>
+          </a:p>
+          <a:p>
+            <a:pPr indent="-324094" lvl="0" marL="457200" rtl="0" algn="just">
+              <a:spcBef>
+                <a:spcPts val="0"/>
+              </a:spcBef>
+              <a:spcAft>
+                <a:spcPts val="0"/>
+              </a:spcAft>
+              <a:buSzPts val="1504"/>
+              <a:buChar char="-"/>
+            </a:pPr>
+            <a:r>
+              <a:rPr lang="en" sz="1503"/>
+              <a:t>Juillet - octobre 1998</a:t>
+            </a:r>
+            <a:r>
+              <a:rPr lang="en" sz="1503"/>
+              <a:t> (4 mois) – Télétravail à Montréal.</a:t>
+            </a:r>
+            <a:endParaRPr sz="1503"/>
+          </a:p>
+          <a:p>
+            <a:pPr indent="-324094" lvl="0" marL="457200" rtl="0" algn="just">
+              <a:spcBef>
+                <a:spcPts val="0"/>
+              </a:spcBef>
+              <a:spcAft>
+                <a:spcPts val="0"/>
+              </a:spcAft>
+              <a:buSzPts val="1504"/>
+              <a:buChar char="-"/>
+            </a:pPr>
+            <a:r>
+              <a:rPr lang="en" sz="1503"/>
+              <a:t>Janvier 1998 à Septembre 2000 (+2 ans) – Bénévole à la Croix-Rouge française, secourisme en équipe (région parisienne).</a:t>
+            </a:r>
+            <a:endParaRPr sz="1503"/>
+          </a:p>
+          <a:p>
+            <a:pPr indent="-324094" lvl="0" marL="457200" rtl="0" algn="just">
+              <a:spcBef>
+                <a:spcPts val="0"/>
+              </a:spcBef>
+              <a:spcAft>
+                <a:spcPts val="0"/>
+              </a:spcAft>
+              <a:buSzPts val="1504"/>
+              <a:buChar char="-"/>
+            </a:pPr>
+            <a:r>
+              <a:rPr lang="en" sz="1503"/>
+              <a:t>Février 1997 (10 mois) </a:t>
+            </a:r>
+            <a:r>
+              <a:rPr lang="en" sz="1503"/>
+              <a:t>– S</a:t>
+            </a:r>
+            <a:r>
+              <a:rPr lang="en" sz="1503"/>
+              <a:t>ervice militaire à l’état-major de la Brigade des Sapeurs-Pompier de Paris (BSPP).</a:t>
+            </a:r>
+            <a:endParaRPr sz="1503"/>
+          </a:p>
+        </p:txBody>
+      </p:sp>
+      <p:sp>
+        <p:nvSpPr>
+          <p:cNvPr id="89" name="Google Shape;89;p16"/>
+          <p:cNvSpPr txBox="1"/>
+          <p:nvPr>
+            <p:ph idx="12" type="sldNum"/>
+          </p:nvPr>
+        </p:nvSpPr>
+        <p:spPr>
+          <a:xfrm>
+            <a:off x="8472458" y="4663217"/>
+            <a:ext cx="548700" cy="393600"/>
+          </a:xfrm>
+          <a:prstGeom prst="rect">
+            <a:avLst/>
+          </a:prstGeom>
+        </p:spPr>
+        <p:txBody>
+          <a:bodyPr anchorCtr="0" anchor="ctr" bIns="91425" lIns="91425" spcFirstLastPara="1" rIns="91425" wrap="square" tIns="91425">
+            <a:normAutofit/>
+          </a:bodyPr>
+          <a:lstStyle/>
+          <a:p>
+            <a:pPr indent="0" lvl="0" marL="0" rtl="0" algn="r">
+              <a:spcBef>
+                <a:spcPts val="0"/>
+              </a:spcBef>
+              <a:spcAft>
+                <a:spcPts val="0"/>
+              </a:spcAft>
+              <a:buNone/>
+            </a:pPr>
+            <a:fld id="{00000000-1234-1234-1234-123412341234}" type="slidenum">
+              <a:rPr lang="en"/>
+              <a:t>‹#›</a:t>
+            </a:fld>
+            <a:endParaRPr/>
+          </a:p>
+        </p:txBody>
+      </p:sp>
+      <p:pic>
+        <p:nvPicPr>
+          <p:cNvPr id="90" name="Google Shape;90;p16"/>
+          <p:cNvPicPr preferRelativeResize="0"/>
+          <p:nvPr/>
+        </p:nvPicPr>
+        <p:blipFill>
+          <a:blip r:embed="rId3">
+            <a:alphaModFix/>
+          </a:blip>
+          <a:stretch>
+            <a:fillRect/>
+          </a:stretch>
+        </p:blipFill>
+        <p:spPr>
+          <a:xfrm>
+            <a:off x="8283600" y="462875"/>
+            <a:ext cx="548700" cy="537007"/>
+          </a:xfrm>
+          <a:prstGeom prst="rect">
+            <a:avLst/>
+          </a:prstGeom>
+          <a:noFill/>
+          <a:ln>
+            <a:noFill/>
+          </a:ln>
+        </p:spPr>
+      </p:pic>
+      <p:pic>
+        <p:nvPicPr>
+          <p:cNvPr id="91" name="Google Shape;91;p16"/>
+          <p:cNvPicPr preferRelativeResize="0"/>
+          <p:nvPr/>
+        </p:nvPicPr>
+        <p:blipFill>
+          <a:blip r:embed="rId4">
+            <a:alphaModFix/>
+          </a:blip>
+          <a:stretch>
+            <a:fillRect/>
+          </a:stretch>
+        </p:blipFill>
+        <p:spPr>
+          <a:xfrm>
+            <a:off x="5266325" y="3519875"/>
+            <a:ext cx="838250" cy="698550"/>
+          </a:xfrm>
+          <a:prstGeom prst="rect">
+            <a:avLst/>
+          </a:prstGeom>
+          <a:noFill/>
+          <a:ln>
+            <a:noFill/>
+          </a:ln>
+        </p:spPr>
+      </p:pic>
+      <p:pic>
+        <p:nvPicPr>
+          <p:cNvPr id="92" name="Google Shape;92;p16"/>
+          <p:cNvPicPr preferRelativeResize="0"/>
+          <p:nvPr/>
+        </p:nvPicPr>
+        <p:blipFill>
+          <a:blip r:embed="rId5">
+            <a:alphaModFix/>
+          </a:blip>
+          <a:stretch>
+            <a:fillRect/>
+          </a:stretch>
+        </p:blipFill>
+        <p:spPr>
+          <a:xfrm>
+            <a:off x="2454025" y="3501375"/>
+            <a:ext cx="735550" cy="735550"/>
+          </a:xfrm>
+          <a:prstGeom prst="rect">
+            <a:avLst/>
+          </a:prstGeom>
+          <a:noFill/>
+          <a:ln>
+            <a:noFill/>
+          </a:ln>
+        </p:spPr>
+      </p:pic>
+    </p:spTree>
+  </p:cSld>
+  <p:clrMapOvr>
+    <a:masterClrMapping/>
+  </p:clrMapOvr>
+</p:sld>
+</file>
+
+<file path=ppt/slides/slide5.xml><?xml version="1.0" encoding="utf-8"?>
+<p:sld xmlns:a="http://schemas.openxmlformats.org/drawingml/2006/main" xmlns:r="http://schemas.openxmlformats.org/officeDocument/2006/relationships" xmlns:mc="http://schemas.openxmlformats.org/markup-compatibility/2006" xmlns:mv="urn:schemas-microsoft-com:mac:vml" xmlns:p="http://schemas.openxmlformats.org/presentationml/2006/main" xmlns:c="http://schemas.openxmlformats.org/drawingml/2006/chart" xmlns:dgm="http://schemas.openxmlformats.org/drawingml/2006/diagram" xmlns:o="urn:schemas-microsoft-com:office:office" xmlns:v="urn:schemas-microsoft-com:vml" xmlns:pvml="urn:schemas-microsoft-com:office:powerpoint" xmlns:com="http://schemas.openxmlformats.org/drawingml/2006/compatibility" xmlns:p14="http://schemas.microsoft.com/office/powerpoint/2010/main" xmlns:p15="http://schemas.microsoft.com/office/powerpoint/2012/main" xmlns:ahyp="http://schemas.microsoft.com/office/drawing/2018/hyperlinkcolor">
+  <p:cSld>
+    <p:spTree>
+      <p:nvGrpSpPr>
+        <p:cNvPr id="96" name="Shape 96"/>
+        <p:cNvGrpSpPr/>
+        <p:nvPr/>
+      </p:nvGrpSpPr>
+      <p:grpSpPr>
+        <a:xfrm>
+          <a:off x="0" y="0"/>
+          <a:ext cx="0" cy="0"/>
+          <a:chOff x="0" y="0"/>
+          <a:chExt cx="0" cy="0"/>
+        </a:xfrm>
+      </p:grpSpPr>
+      <p:sp>
+        <p:nvSpPr>
+          <p:cNvPr id="97" name="Google Shape;97;p17"/>
+          <p:cNvSpPr txBox="1"/>
+          <p:nvPr>
+            <p:ph type="title"/>
+          </p:nvPr>
+        </p:nvSpPr>
+        <p:spPr>
+          <a:xfrm>
+            <a:off x="311700" y="445025"/>
+            <a:ext cx="8520600" cy="572700"/>
+          </a:xfrm>
+          <a:prstGeom prst="rect">
+            <a:avLst/>
+          </a:prstGeom>
+        </p:spPr>
+        <p:txBody>
+          <a:bodyPr anchorCtr="0" anchor="t" bIns="91425" lIns="91425" spcFirstLastPara="1" rIns="91425" wrap="square" tIns="91425">
+            <a:normAutofit fontScale="90000"/>
+          </a:bodyPr>
+          <a:lstStyle/>
+          <a:p>
+            <a:pPr indent="0" lvl="0" marL="0" rtl="0" algn="l">
+              <a:spcBef>
+                <a:spcPts val="0"/>
+              </a:spcBef>
+              <a:spcAft>
+                <a:spcPts val="0"/>
+              </a:spcAft>
+              <a:buNone/>
+            </a:pPr>
+            <a:r>
+              <a:rPr lang="en"/>
+              <a:t>Mes sphères d’intérêts professionnels</a:t>
+            </a:r>
+            <a:endParaRPr/>
+          </a:p>
+        </p:txBody>
+      </p:sp>
+      <p:sp>
+        <p:nvSpPr>
+          <p:cNvPr id="98" name="Google Shape;98;p17"/>
+          <p:cNvSpPr txBox="1"/>
+          <p:nvPr>
+            <p:ph idx="12" type="sldNum"/>
+          </p:nvPr>
+        </p:nvSpPr>
+        <p:spPr>
+          <a:xfrm>
+            <a:off x="8472458" y="4663217"/>
+            <a:ext cx="548700" cy="393600"/>
+          </a:xfrm>
+          <a:prstGeom prst="rect">
+            <a:avLst/>
+          </a:prstGeom>
+        </p:spPr>
+        <p:txBody>
+          <a:bodyPr anchorCtr="0" anchor="ctr" bIns="91425" lIns="91425" spcFirstLastPara="1" rIns="91425" wrap="square" tIns="91425">
+            <a:normAutofit/>
+          </a:bodyPr>
+          <a:lstStyle/>
+          <a:p>
+            <a:pPr indent="0" lvl="0" marL="0" rtl="0" algn="r">
+              <a:spcBef>
+                <a:spcPts val="0"/>
+              </a:spcBef>
+              <a:spcAft>
+                <a:spcPts val="0"/>
+              </a:spcAft>
+              <a:buNone/>
+            </a:pPr>
+            <a:fld id="{00000000-1234-1234-1234-123412341234}" type="slidenum">
+              <a:rPr lang="en"/>
+              <a:t>‹#›</a:t>
+            </a:fld>
+            <a:endParaRPr/>
+          </a:p>
+        </p:txBody>
+      </p:sp>
+      <p:pic>
+        <p:nvPicPr>
+          <p:cNvPr id="99" name="Google Shape;99;p17"/>
+          <p:cNvPicPr preferRelativeResize="0"/>
+          <p:nvPr/>
+        </p:nvPicPr>
+        <p:blipFill>
+          <a:blip r:embed="rId3">
+            <a:alphaModFix/>
+          </a:blip>
+          <a:stretch>
+            <a:fillRect/>
+          </a:stretch>
+        </p:blipFill>
+        <p:spPr>
+          <a:xfrm>
+            <a:off x="1258975" y="1017725"/>
+            <a:ext cx="6626043" cy="3820975"/>
+          </a:xfrm>
+          <a:prstGeom prst="rect">
+            <a:avLst/>
+          </a:prstGeom>
+          <a:noFill/>
+          <a:ln>
+            <a:noFill/>
+          </a:ln>
+        </p:spPr>
+      </p:pic>
+    </p:spTree>
+  </p:cSld>
+  <p:clrMapOvr>
+    <a:masterClrMapping/>
+  </p:clrMapOvr>
+</p:sld>
+</file>
+
+<file path=ppt/slides/slide6.xml><?xml version="1.0" encoding="utf-8"?>
+<p:sld xmlns:a="http://schemas.openxmlformats.org/drawingml/2006/main" xmlns:r="http://schemas.openxmlformats.org/officeDocument/2006/relationships" xmlns:mc="http://schemas.openxmlformats.org/markup-compatibility/2006" xmlns:mv="urn:schemas-microsoft-com:mac:vml" xmlns:p="http://schemas.openxmlformats.org/presentationml/2006/main" xmlns:c="http://schemas.openxmlformats.org/drawingml/2006/chart" xmlns:dgm="http://schemas.openxmlformats.org/drawingml/2006/diagram" xmlns:o="urn:schemas-microsoft-com:office:office" xmlns:v="urn:schemas-microsoft-com:vml" xmlns:pvml="urn:schemas-microsoft-com:office:powerpoint" xmlns:com="http://schemas.openxmlformats.org/drawingml/2006/compatibility" xmlns:p14="http://schemas.microsoft.com/office/powerpoint/2010/main" xmlns:p15="http://schemas.microsoft.com/office/powerpoint/2012/main" xmlns:ahyp="http://schemas.microsoft.com/office/drawing/2018/hyperlinkcolor">
+  <p:cSld>
+    <p:spTree>
+      <p:nvGrpSpPr>
+        <p:cNvPr id="103" name="Shape 103"/>
+        <p:cNvGrpSpPr/>
+        <p:nvPr/>
+      </p:nvGrpSpPr>
+      <p:grpSpPr>
+        <a:xfrm>
+          <a:off x="0" y="0"/>
+          <a:ext cx="0" cy="0"/>
+          <a:chOff x="0" y="0"/>
+          <a:chExt cx="0" cy="0"/>
+        </a:xfrm>
+      </p:grpSpPr>
+      <p:sp>
+        <p:nvSpPr>
+          <p:cNvPr id="104" name="Google Shape;104;p18"/>
+          <p:cNvSpPr txBox="1"/>
+          <p:nvPr>
+            <p:ph type="title"/>
+          </p:nvPr>
+        </p:nvSpPr>
+        <p:spPr>
+          <a:xfrm>
+            <a:off x="311700" y="445025"/>
+            <a:ext cx="8520600" cy="572700"/>
+          </a:xfrm>
+          <a:prstGeom prst="rect">
+            <a:avLst/>
+          </a:prstGeom>
+        </p:spPr>
+        <p:txBody>
+          <a:bodyPr anchorCtr="0" anchor="t" bIns="91425" lIns="91425" spcFirstLastPara="1" rIns="91425" wrap="square" tIns="91425">
+            <a:normAutofit fontScale="90000"/>
+          </a:bodyPr>
+          <a:lstStyle/>
+          <a:p>
+            <a:pPr indent="0" lvl="0" marL="0" rtl="0" algn="l">
+              <a:spcBef>
+                <a:spcPts val="0"/>
+              </a:spcBef>
+              <a:spcAft>
+                <a:spcPts val="0"/>
+              </a:spcAft>
+              <a:buNone/>
+            </a:pPr>
+            <a:r>
+              <a:rPr lang="en"/>
+              <a:t>Mon parcour</a:t>
+            </a:r>
+            <a:r>
+              <a:rPr lang="en"/>
+              <a:t>s</a:t>
+            </a:r>
+            <a:r>
+              <a:rPr lang="en"/>
+              <a:t> professionnel</a:t>
+            </a:r>
+            <a:endParaRPr/>
+          </a:p>
+        </p:txBody>
+      </p:sp>
+      <p:sp>
+        <p:nvSpPr>
+          <p:cNvPr id="105" name="Google Shape;105;p18"/>
+          <p:cNvSpPr txBox="1"/>
+          <p:nvPr>
+            <p:ph idx="12" type="sldNum"/>
+          </p:nvPr>
+        </p:nvSpPr>
+        <p:spPr>
+          <a:xfrm>
+            <a:off x="8472458" y="4663217"/>
+            <a:ext cx="548700" cy="393600"/>
+          </a:xfrm>
+          <a:prstGeom prst="rect">
+            <a:avLst/>
+          </a:prstGeom>
+        </p:spPr>
+        <p:txBody>
+          <a:bodyPr anchorCtr="0" anchor="ctr" bIns="91425" lIns="91425" spcFirstLastPara="1" rIns="91425" wrap="square" tIns="91425">
+            <a:normAutofit/>
+          </a:bodyPr>
+          <a:lstStyle/>
+          <a:p>
+            <a:pPr indent="0" lvl="0" marL="0" rtl="0" algn="r">
+              <a:spcBef>
+                <a:spcPts val="0"/>
+              </a:spcBef>
+              <a:spcAft>
+                <a:spcPts val="0"/>
+              </a:spcAft>
+              <a:buNone/>
+            </a:pPr>
+            <a:fld id="{00000000-1234-1234-1234-123412341234}" type="slidenum">
+              <a:rPr lang="en"/>
+              <a:t>‹#›</a:t>
+            </a:fld>
+            <a:endParaRPr/>
+          </a:p>
+        </p:txBody>
+      </p:sp>
+      <p:sp>
+        <p:nvSpPr>
+          <p:cNvPr id="106" name="Google Shape;106;p18"/>
+          <p:cNvSpPr txBox="1"/>
+          <p:nvPr>
+            <p:ph idx="1" type="body"/>
+          </p:nvPr>
+        </p:nvSpPr>
+        <p:spPr>
+          <a:xfrm>
+            <a:off x="311700" y="1017725"/>
+            <a:ext cx="8248500" cy="3645600"/>
+          </a:xfrm>
+          <a:prstGeom prst="rect">
+            <a:avLst/>
+          </a:prstGeom>
+        </p:spPr>
+        <p:txBody>
+          <a:bodyPr anchorCtr="0" anchor="t" bIns="91425" lIns="91425" spcFirstLastPara="1" rIns="91425" wrap="square" tIns="91425">
+            <a:noAutofit/>
+          </a:bodyPr>
+          <a:lstStyle/>
+          <a:p>
+            <a:pPr indent="-324094" lvl="0" marL="457200" rtl="0" algn="just">
+              <a:spcBef>
+                <a:spcPts val="0"/>
+              </a:spcBef>
+              <a:spcAft>
+                <a:spcPts val="0"/>
+              </a:spcAft>
+              <a:buSzPts val="1504"/>
+              <a:buChar char="-"/>
+            </a:pPr>
+            <a:r>
+              <a:rPr lang="en" sz="1503"/>
+              <a:t>1996 - 2000 </a:t>
+            </a:r>
+            <a:r>
+              <a:rPr lang="en" sz="1503"/>
+              <a:t>– </a:t>
+            </a:r>
+            <a:r>
+              <a:rPr lang="en" sz="1503"/>
+              <a:t>Analyste-programmeur en France; applications de média-planning</a:t>
+            </a:r>
+            <a:endParaRPr sz="1503"/>
+          </a:p>
+          <a:p>
+            <a:pPr indent="-324094" lvl="0" marL="457200" rtl="0" algn="just">
+              <a:spcBef>
+                <a:spcPts val="0"/>
+              </a:spcBef>
+              <a:spcAft>
+                <a:spcPts val="0"/>
+              </a:spcAft>
+              <a:buSzPts val="1504"/>
+              <a:buChar char="-"/>
+            </a:pPr>
+            <a:r>
+              <a:rPr lang="en" sz="1503"/>
+              <a:t>2000 - 2019 </a:t>
+            </a:r>
+            <a:r>
+              <a:rPr lang="en" sz="1503"/>
+              <a:t>– Elix / BCE Elix / Bell Canada; services professionnels; Intégrateur de système, programmeur Full Stack, architecte de solutions pour les centres d’appels des grosses entreprises.</a:t>
+            </a:r>
+            <a:endParaRPr sz="1503"/>
+          </a:p>
+          <a:p>
+            <a:pPr indent="-324094" lvl="0" marL="457200" rtl="0" algn="just">
+              <a:spcBef>
+                <a:spcPts val="0"/>
+              </a:spcBef>
+              <a:spcAft>
+                <a:spcPts val="0"/>
+              </a:spcAft>
+              <a:buSzPts val="1504"/>
+              <a:buChar char="-"/>
+            </a:pPr>
+            <a:r>
+              <a:rPr lang="en" sz="1503"/>
+              <a:t>2019 - 2021 – Bell Canada; conseil principal, programmeur Full Stack, team lead, architecte de solutions pour la détection d’anomalies et l’automatisation de processus opérationnels (gestion des tickets) des services voix des réseaux téléphoniques de Bell Canada.</a:t>
+            </a:r>
+            <a:endParaRPr sz="1503"/>
+          </a:p>
+          <a:p>
+            <a:pPr indent="-324094" lvl="0" marL="457200" rtl="0" algn="just">
+              <a:spcBef>
+                <a:spcPts val="0"/>
+              </a:spcBef>
+              <a:spcAft>
+                <a:spcPts val="0"/>
+              </a:spcAft>
+              <a:buSzPts val="1504"/>
+              <a:buChar char="-"/>
+            </a:pPr>
+            <a:r>
+              <a:rPr lang="en" sz="1503"/>
+              <a:t>2016 - 2022  – Réorientation professionnelle dans le domaine de l’environnement et le développement durable au moyen d‘une Maîtrise en Géomatique Appliquée et Télédétection à temps partiel à l’Université de Sherbrooke, en conciliant pendant 5 ans  travail-famille-université-maison, avec un intérêt particulier pour les domaines des « data sciences/analytics » et l’apprentissage machine et profond (AI / Deep learning).</a:t>
+            </a:r>
+            <a:endParaRPr sz="1503"/>
+          </a:p>
+        </p:txBody>
+      </p:sp>
+      <p:pic>
+        <p:nvPicPr>
+          <p:cNvPr id="107" name="Google Shape;107;p18"/>
+          <p:cNvPicPr preferRelativeResize="0"/>
+          <p:nvPr/>
+        </p:nvPicPr>
+        <p:blipFill>
+          <a:blip r:embed="rId3">
+            <a:alphaModFix/>
+          </a:blip>
+          <a:stretch>
+            <a:fillRect/>
+          </a:stretch>
+        </p:blipFill>
+        <p:spPr>
+          <a:xfrm>
+            <a:off x="6095700" y="388475"/>
+            <a:ext cx="685800" cy="685800"/>
+          </a:xfrm>
+          <a:prstGeom prst="rect">
+            <a:avLst/>
+          </a:prstGeom>
+          <a:noFill/>
+          <a:ln>
+            <a:noFill/>
+          </a:ln>
+        </p:spPr>
+      </p:pic>
+      <p:pic>
+        <p:nvPicPr>
+          <p:cNvPr id="108" name="Google Shape;108;p18"/>
+          <p:cNvPicPr preferRelativeResize="0"/>
+          <p:nvPr/>
+        </p:nvPicPr>
+        <p:blipFill>
+          <a:blip r:embed="rId4">
+            <a:alphaModFix/>
+          </a:blip>
+          <a:stretch>
+            <a:fillRect/>
+          </a:stretch>
+        </p:blipFill>
+        <p:spPr>
+          <a:xfrm>
+            <a:off x="5409900" y="388475"/>
+            <a:ext cx="685800" cy="685800"/>
+          </a:xfrm>
+          <a:prstGeom prst="rect">
+            <a:avLst/>
+          </a:prstGeom>
+          <a:noFill/>
+          <a:ln>
+            <a:noFill/>
+          </a:ln>
+        </p:spPr>
+      </p:pic>
+      <p:pic>
+        <p:nvPicPr>
+          <p:cNvPr id="109" name="Google Shape;109;p18"/>
+          <p:cNvPicPr preferRelativeResize="0"/>
+          <p:nvPr/>
+        </p:nvPicPr>
+        <p:blipFill>
+          <a:blip r:embed="rId5">
+            <a:alphaModFix/>
+          </a:blip>
+          <a:stretch>
+            <a:fillRect/>
+          </a:stretch>
+        </p:blipFill>
+        <p:spPr>
+          <a:xfrm>
+            <a:off x="8146500" y="388488"/>
+            <a:ext cx="685800" cy="685800"/>
+          </a:xfrm>
+          <a:prstGeom prst="rect">
+            <a:avLst/>
+          </a:prstGeom>
+          <a:noFill/>
+          <a:ln>
+            <a:noFill/>
+          </a:ln>
+        </p:spPr>
+      </p:pic>
+      <p:pic>
+        <p:nvPicPr>
+          <p:cNvPr id="110" name="Google Shape;110;p18"/>
+          <p:cNvPicPr preferRelativeResize="0"/>
+          <p:nvPr/>
+        </p:nvPicPr>
+        <p:blipFill>
+          <a:blip r:embed="rId6">
+            <a:alphaModFix/>
+          </a:blip>
+          <a:stretch>
+            <a:fillRect/>
+          </a:stretch>
+        </p:blipFill>
+        <p:spPr>
+          <a:xfrm>
+            <a:off x="7460700" y="388485"/>
+            <a:ext cx="685800" cy="685800"/>
+          </a:xfrm>
+          <a:prstGeom prst="rect">
+            <a:avLst/>
+          </a:prstGeom>
+          <a:noFill/>
+          <a:ln>
+            <a:noFill/>
+          </a:ln>
+        </p:spPr>
+      </p:pic>
+      <p:pic>
+        <p:nvPicPr>
+          <p:cNvPr id="111" name="Google Shape;111;p18"/>
+          <p:cNvPicPr preferRelativeResize="0"/>
+          <p:nvPr/>
+        </p:nvPicPr>
+        <p:blipFill>
+          <a:blip r:embed="rId7">
+            <a:alphaModFix/>
+          </a:blip>
+          <a:stretch>
+            <a:fillRect/>
+          </a:stretch>
+        </p:blipFill>
+        <p:spPr>
+          <a:xfrm>
+            <a:off x="6781500" y="388488"/>
+            <a:ext cx="679203" cy="685775"/>
+          </a:xfrm>
+          <a:prstGeom prst="rect">
+            <a:avLst/>
+          </a:prstGeom>
+          <a:noFill/>
+          <a:ln>
+            <a:noFill/>
+          </a:ln>
+        </p:spPr>
+      </p:pic>
+      <p:pic>
+        <p:nvPicPr>
+          <p:cNvPr id="112" name="Google Shape;112;p18"/>
+          <p:cNvPicPr preferRelativeResize="0"/>
+          <p:nvPr/>
+        </p:nvPicPr>
+        <p:blipFill>
+          <a:blip r:embed="rId8">
+            <a:alphaModFix/>
+          </a:blip>
+          <a:stretch>
+            <a:fillRect/>
+          </a:stretch>
+        </p:blipFill>
+        <p:spPr>
+          <a:xfrm>
+            <a:off x="385700" y="2339325"/>
+            <a:ext cx="354375" cy="354375"/>
+          </a:xfrm>
+          <a:prstGeom prst="rect">
+            <a:avLst/>
+          </a:prstGeom>
+          <a:noFill/>
+          <a:ln>
+            <a:noFill/>
+          </a:ln>
+        </p:spPr>
+      </p:pic>
+      <p:pic>
+        <p:nvPicPr>
+          <p:cNvPr id="113" name="Google Shape;113;p18"/>
+          <p:cNvPicPr preferRelativeResize="0"/>
+          <p:nvPr/>
+        </p:nvPicPr>
+        <p:blipFill>
+          <a:blip r:embed="rId8">
+            <a:alphaModFix/>
+          </a:blip>
+          <a:stretch>
+            <a:fillRect/>
+          </a:stretch>
+        </p:blipFill>
+        <p:spPr>
+          <a:xfrm>
+            <a:off x="385700" y="1548150"/>
+            <a:ext cx="324225" cy="324225"/>
+          </a:xfrm>
+          <a:prstGeom prst="rect">
+            <a:avLst/>
+          </a:prstGeom>
+          <a:noFill/>
+          <a:ln>
+            <a:noFill/>
+          </a:ln>
+        </p:spPr>
+      </p:pic>
+      <p:sp>
+        <p:nvSpPr>
+          <p:cNvPr id="114" name="Google Shape;114;p18"/>
+          <p:cNvSpPr txBox="1"/>
+          <p:nvPr/>
+        </p:nvSpPr>
+        <p:spPr>
+          <a:xfrm>
+            <a:off x="311688" y="3396950"/>
+            <a:ext cx="591300" cy="354000"/>
+          </a:xfrm>
+          <a:prstGeom prst="rect">
+            <a:avLst/>
+          </a:prstGeom>
+          <a:noFill/>
+          <a:ln>
+            <a:noFill/>
+          </a:ln>
+        </p:spPr>
+        <p:txBody>
+          <a:bodyPr anchorCtr="0" anchor="t" bIns="91425" lIns="91425" spcFirstLastPara="1" rIns="91425" wrap="square" tIns="91425">
+            <a:spAutoFit/>
+          </a:bodyPr>
+          <a:lstStyle/>
+          <a:p>
+            <a:pPr indent="0" lvl="0" marL="0" rtl="0" algn="l">
+              <a:spcBef>
+                <a:spcPts val="0"/>
+              </a:spcBef>
+              <a:spcAft>
+                <a:spcPts val="0"/>
+              </a:spcAft>
+              <a:buNone/>
+            </a:pPr>
+            <a:r>
+              <a:rPr b="1" lang="en" sz="1100"/>
+              <a:t>UdeS</a:t>
+            </a:r>
+            <a:endParaRPr b="1" sz="1100"/>
+          </a:p>
+        </p:txBody>
+      </p:sp>
+      <p:pic>
+        <p:nvPicPr>
+          <p:cNvPr id="115" name="Google Shape;115;p18"/>
+          <p:cNvPicPr preferRelativeResize="0"/>
+          <p:nvPr/>
+        </p:nvPicPr>
+        <p:blipFill>
+          <a:blip r:embed="rId9">
+            <a:alphaModFix/>
+          </a:blip>
+          <a:stretch>
+            <a:fillRect/>
+          </a:stretch>
+        </p:blipFill>
+        <p:spPr>
+          <a:xfrm>
+            <a:off x="445225" y="1085350"/>
+            <a:ext cx="324225" cy="324225"/>
+          </a:xfrm>
+          <a:prstGeom prst="rect">
+            <a:avLst/>
+          </a:prstGeom>
+          <a:noFill/>
+          <a:ln>
+            <a:noFill/>
+          </a:ln>
+        </p:spPr>
+      </p:pic>
+    </p:spTree>
+  </p:cSld>
+  <p:clrMapOvr>
+    <a:masterClrMapping/>
+  </p:clrMapOvr>
+</p:sld>
+</file>
+
+<file path=ppt/slides/slide7.xml><?xml version="1.0" encoding="utf-8"?>
 <p:sld xmlns:a="http://schemas.openxmlformats.org/drawingml/2006/main" xmlns:r="http://schemas.openxmlformats.org/officeDocument/2006/relationships" xmlns:mc="http://schemas.openxmlformats.org/markup-compatibility/2006" xmlns:mv="urn:schemas-microsoft-com:mac:vml" xmlns:p="http://schemas.openxmlformats.org/presentationml/2006/main" xmlns:c="http://schemas.openxmlformats.org/drawingml/2006/chart" xmlns:dgm="http://schemas.openxmlformats.org/drawingml/2006/diagram" xmlns:o="urn:schemas-microsoft-com:office:office" xmlns:v="urn:schemas-microsoft-com:vml" xmlns:pvml="urn:schemas-microsoft-com:office:powerpoint" xmlns:com="http://schemas.openxmlformats.org/drawingml/2006/compatibility" xmlns:p14="http://schemas.microsoft.com/office/powerpoint/2010/main" xmlns:p15="http://schemas.microsoft.com/office/powerpoint/2012/main" xmlns:ahyp="http://schemas.microsoft.com/office/drawing/2018/hyperlinkcolor">
   <p:cSld>
     <p:spTree>
@@ -7129,7 +10415,7 @@
       </p:grpSpPr>
       <p:sp>
         <p:nvSpPr>
-          <p:cNvPr id="120" name="Google Shape;120;p22"/>
+          <p:cNvPr id="120" name="Google Shape;120;p19"/>
           <p:cNvSpPr txBox="1"/>
           <p:nvPr>
             <p:ph type="title"/>
@@ -7161,7 +10447,11 @@
             </a:pPr>
             <a:r>
               <a:rPr lang="en"/>
-              <a:t>Localisation</a:t>
+              <a:t>Mon portfolio</a:t>
+            </a:r>
+            <a:r>
+              <a:rPr lang="en"/>
+              <a:t> professionnel</a:t>
             </a:r>
             <a:endParaRPr/>
           </a:p>
@@ -7169,7 +10459,47 @@
       </p:sp>
       <p:sp>
         <p:nvSpPr>
-          <p:cNvPr id="121" name="Google Shape;121;p22"/>
+          <p:cNvPr id="121" name="Google Shape;121;p19"/>
+          <p:cNvSpPr txBox="1"/>
+          <p:nvPr>
+            <p:ph idx="12" type="sldNum"/>
+          </p:nvPr>
+        </p:nvSpPr>
+        <p:spPr>
+          <a:xfrm>
+            <a:off x="8472458" y="4663217"/>
+            <a:ext cx="548700" cy="393600"/>
+          </a:xfrm>
+          <a:prstGeom prst="rect">
+            <a:avLst/>
+          </a:prstGeom>
+        </p:spPr>
+        <p:txBody>
+          <a:bodyPr anchorCtr="0" anchor="ctr" bIns="91425" lIns="91425" spcFirstLastPara="1" rIns="91425" wrap="square" tIns="91425">
+            <a:normAutofit/>
+          </a:bodyPr>
+          <a:lstStyle/>
+          <a:p>
+            <a:pPr indent="0" lvl="0" marL="0" rtl="0" algn="r">
+              <a:spcBef>
+                <a:spcPts val="0"/>
+              </a:spcBef>
+              <a:spcAft>
+                <a:spcPts val="0"/>
+              </a:spcAft>
+              <a:buNone/>
+            </a:pPr>
+            <a:fld id="{00000000-1234-1234-1234-123412341234}" type="slidenum">
+              <a:rPr lang="en"/>
+              <a:t>‹#›</a:t>
+            </a:fld>
+            <a:endParaRPr/>
+          </a:p>
+        </p:txBody>
+      </p:sp>
+      <p:sp>
+        <p:nvSpPr>
+          <p:cNvPr id="122" name="Google Shape;122;p19"/>
           <p:cNvSpPr txBox="1"/>
           <p:nvPr>
             <p:ph idx="1" type="body"/>
@@ -7177,8 +10507,8 @@
         </p:nvSpPr>
         <p:spPr>
           <a:xfrm>
-            <a:off x="311700" y="1152475"/>
-            <a:ext cx="8520600" cy="816000"/>
+            <a:off x="311700" y="1017725"/>
+            <a:ext cx="8248500" cy="3645600"/>
           </a:xfrm>
           <a:prstGeom prst="rect">
             <a:avLst/>
@@ -7186,107 +10516,347 @@
         </p:spPr>
         <p:txBody>
           <a:bodyPr anchorCtr="0" anchor="t" bIns="91425" lIns="91425" spcFirstLastPara="1" rIns="91425" wrap="square" tIns="91425">
-            <a:normAutofit/>
+            <a:noAutofit/>
           </a:bodyPr>
           <a:lstStyle/>
           <a:p>
-            <a:pPr indent="-323850" lvl="0" marL="457200" rtl="0" algn="l">
-              <a:spcBef>
-                <a:spcPts val="0"/>
-              </a:spcBef>
-              <a:spcAft>
-                <a:spcPts val="0"/>
-              </a:spcAft>
-              <a:buClr>
-                <a:srgbClr val="000000"/>
-              </a:buClr>
-              <a:buSzPts val="1500"/>
-              <a:buChar char="●"/>
-            </a:pPr>
-            <a:r>
-              <a:rPr lang="en" sz="1500">
-                <a:solidFill>
-                  <a:srgbClr val="000000"/>
-                </a:solidFill>
-              </a:rPr>
-              <a:t>Amérique du nord, Canada, Québec</a:t>
-            </a:r>
-            <a:endParaRPr sz="1500">
-              <a:solidFill>
-                <a:srgbClr val="000000"/>
-              </a:solidFill>
-            </a:endParaRPr>
-          </a:p>
-          <a:p>
-            <a:pPr indent="-323850" lvl="0" marL="457200" rtl="0" algn="l">
-              <a:spcBef>
-                <a:spcPts val="0"/>
-              </a:spcBef>
-              <a:spcAft>
-                <a:spcPts val="0"/>
-              </a:spcAft>
-              <a:buClr>
-                <a:srgbClr val="000000"/>
-              </a:buClr>
-              <a:buSzPts val="1500"/>
-              <a:buChar char="●"/>
-            </a:pPr>
-            <a:r>
-              <a:rPr lang="en" sz="1500">
-                <a:solidFill>
-                  <a:srgbClr val="000000"/>
-                </a:solidFill>
-              </a:rPr>
-              <a:t>Francophone, parle et écrit anglais</a:t>
-            </a:r>
-            <a:endParaRPr sz="1500">
-              <a:solidFill>
-                <a:srgbClr val="000000"/>
-              </a:solidFill>
-            </a:endParaRPr>
+            <a:pPr indent="-324094" lvl="0" marL="457200" rtl="0" algn="just">
+              <a:spcBef>
+                <a:spcPts val="0"/>
+              </a:spcBef>
+              <a:spcAft>
+                <a:spcPts val="0"/>
+              </a:spcAft>
+              <a:buSzPts val="1504"/>
+              <a:buChar char="-"/>
+            </a:pPr>
+            <a:r>
+              <a:rPr lang="en" sz="1503"/>
+              <a:t>Segmentation sémantique en temps réel (caméra vidéo) à partir d’un nano-ordinateur (NVIDIA Jetson Nano), étude des performances et des limites (ResNet18), pour la détection automatique des délimitations de la piste multifonctionnelle du pont Jacques-Cartier </a:t>
+            </a:r>
+            <a:r>
+              <a:rPr baseline="30000" lang="en" sz="1503"/>
+              <a:t>(1)</a:t>
+            </a:r>
+            <a:r>
+              <a:rPr lang="en" sz="1503"/>
+              <a:t>. </a:t>
+            </a:r>
+            <a:endParaRPr sz="1503"/>
+          </a:p>
+          <a:p>
+            <a:pPr indent="-324094" lvl="0" marL="457200" rtl="0" algn="just">
+              <a:spcBef>
+                <a:spcPts val="0"/>
+              </a:spcBef>
+              <a:spcAft>
+                <a:spcPts val="0"/>
+              </a:spcAft>
+              <a:buSzPts val="1504"/>
+              <a:buChar char="-"/>
+            </a:pPr>
+            <a:r>
+              <a:rPr lang="en" sz="1503"/>
+              <a:t>Comptage et classification (taille) des laitues sur des images de drones prises à différentes altitudes (20m - 50m), avec détection (Mask-R CNN).</a:t>
+            </a:r>
+            <a:endParaRPr sz="1503"/>
+          </a:p>
+          <a:p>
+            <a:pPr indent="-324094" lvl="0" marL="457200" rtl="0" algn="just">
+              <a:spcBef>
+                <a:spcPts val="0"/>
+              </a:spcBef>
+              <a:spcAft>
+                <a:spcPts val="0"/>
+              </a:spcAft>
+              <a:buSzPts val="1504"/>
+              <a:buChar char="-"/>
+            </a:pPr>
+            <a:r>
+              <a:rPr lang="en" sz="1503"/>
+              <a:t>Analyse de desserte pour les casernes de pompiers (ArcGIS Pro).</a:t>
+            </a:r>
+            <a:endParaRPr sz="1503"/>
+          </a:p>
+          <a:p>
+            <a:pPr indent="-324094" lvl="0" marL="457200" rtl="0" algn="just">
+              <a:spcBef>
+                <a:spcPts val="0"/>
+              </a:spcBef>
+              <a:spcAft>
+                <a:spcPts val="0"/>
+              </a:spcAft>
+              <a:buSzPts val="1504"/>
+              <a:buChar char="-"/>
+            </a:pPr>
+            <a:r>
+              <a:rPr lang="en" sz="1503"/>
+              <a:t>Automatisation de création de projet ArcGIS Pro (Python).</a:t>
+            </a:r>
+            <a:endParaRPr sz="1503"/>
+          </a:p>
+          <a:p>
+            <a:pPr indent="-324094" lvl="0" marL="457200" rtl="0" algn="just">
+              <a:spcBef>
+                <a:spcPts val="0"/>
+              </a:spcBef>
+              <a:spcAft>
+                <a:spcPts val="0"/>
+              </a:spcAft>
+              <a:buSzPts val="1504"/>
+              <a:buChar char="-"/>
+            </a:pPr>
+            <a:r>
+              <a:rPr lang="en" sz="1503"/>
+              <a:t>Production de cartes, mises en page et d’outils avec ArcGIS Pro (Python).</a:t>
+            </a:r>
+            <a:endParaRPr sz="1503"/>
+          </a:p>
+          <a:p>
+            <a:pPr indent="-324094" lvl="0" marL="457200" rtl="0" algn="just">
+              <a:spcBef>
+                <a:spcPts val="0"/>
+              </a:spcBef>
+              <a:spcAft>
+                <a:spcPts val="0"/>
+              </a:spcAft>
+              <a:buSzPts val="1504"/>
+              <a:buChar char="-"/>
+            </a:pPr>
+            <a:r>
+              <a:rPr lang="en" sz="1503"/>
+              <a:t>Adaptation de la plateforme ouverte et collaborative « AIDE </a:t>
+            </a:r>
+            <a:r>
+              <a:rPr baseline="30000" lang="en" sz="1503"/>
+              <a:t>(2)</a:t>
+            </a:r>
+            <a:r>
+              <a:rPr lang="en" sz="1503"/>
+              <a:t> » permettant l'apprentissage rétroactif « humain-système» pour l’annotation « multilabel », la classification et la détection automatique d'espèces végétales sur des images de microdrones.</a:t>
+            </a:r>
+            <a:endParaRPr sz="1503"/>
           </a:p>
         </p:txBody>
       </p:sp>
       <p:sp>
         <p:nvSpPr>
-          <p:cNvPr id="122" name="Google Shape;122;p22"/>
+          <p:cNvPr id="123" name="Google Shape;123;p19"/>
           <p:cNvSpPr txBox="1"/>
-          <p:nvPr>
-            <p:ph idx="12" type="sldNum"/>
-          </p:nvPr>
+          <p:nvPr/>
         </p:nvSpPr>
         <p:spPr>
           <a:xfrm>
-            <a:off x="8472458" y="4663217"/>
-            <a:ext cx="548700" cy="393600"/>
-          </a:xfrm>
-          <a:prstGeom prst="rect">
-            <a:avLst/>
-          </a:prstGeom>
+            <a:off x="287850" y="4440450"/>
+            <a:ext cx="8296200" cy="431100"/>
+          </a:xfrm>
+          <a:prstGeom prst="rect">
+            <a:avLst/>
+          </a:prstGeom>
+          <a:noFill/>
+          <a:ln>
+            <a:noFill/>
+          </a:ln>
         </p:spPr>
         <p:txBody>
-          <a:bodyPr anchorCtr="0" anchor="ctr" bIns="91425" lIns="91425" spcFirstLastPara="1" rIns="91425" wrap="square" tIns="91425">
-            <a:normAutofit/>
+          <a:bodyPr anchorCtr="0" anchor="t" bIns="91425" lIns="91425" spcFirstLastPara="1" rIns="91425" wrap="square" tIns="91425">
+            <a:spAutoFit/>
           </a:bodyPr>
           <a:lstStyle/>
           <a:p>
-            <a:pPr indent="0" lvl="0" marL="0" rtl="0" algn="r">
-              <a:spcBef>
-                <a:spcPts val="0"/>
-              </a:spcBef>
-              <a:spcAft>
-                <a:spcPts val="0"/>
-              </a:spcAft>
-              <a:buNone/>
-            </a:pPr>
-            <a:fld id="{00000000-1234-1234-1234-123412341234}" type="slidenum">
-              <a:rPr lang="en"/>
-              <a:t>‹#›</a:t>
-            </a:fld>
-            <a:endParaRPr/>
+            <a:pPr indent="-279400" lvl="0" marL="457200" rtl="0" algn="l">
+              <a:spcBef>
+                <a:spcPts val="0"/>
+              </a:spcBef>
+              <a:spcAft>
+                <a:spcPts val="0"/>
+              </a:spcAft>
+              <a:buSzPts val="800"/>
+              <a:buAutoNum type="arabicParenBoth"/>
+            </a:pPr>
+            <a:r>
+              <a:rPr lang="en" sz="800" u="sng">
+                <a:solidFill>
+                  <a:schemeClr val="hlink"/>
+                </a:solidFill>
+                <a:hlinkClick r:id="rId3"/>
+              </a:rPr>
+              <a:t>https://vince7lf.github.io/about.html</a:t>
+            </a:r>
+            <a:r>
+              <a:rPr lang="en" sz="800"/>
+              <a:t> </a:t>
+            </a:r>
+            <a:endParaRPr sz="800"/>
+          </a:p>
+          <a:p>
+            <a:pPr indent="-279400" lvl="0" marL="457200" rtl="0" algn="l">
+              <a:spcBef>
+                <a:spcPts val="0"/>
+              </a:spcBef>
+              <a:spcAft>
+                <a:spcPts val="0"/>
+              </a:spcAft>
+              <a:buSzPts val="800"/>
+              <a:buAutoNum type="arabicParenBoth"/>
+            </a:pPr>
+            <a:r>
+              <a:rPr lang="en" sz="800" u="sng">
+                <a:solidFill>
+                  <a:schemeClr val="hlink"/>
+                </a:solidFill>
+                <a:hlinkClick r:id="rId4"/>
+              </a:rPr>
+              <a:t>https://github.com/microsoft/aerial_wildlife_detection</a:t>
+            </a:r>
+            <a:r>
+              <a:rPr lang="en" sz="800"/>
+              <a:t> </a:t>
+            </a:r>
+            <a:endParaRPr sz="800"/>
           </a:p>
         </p:txBody>
       </p:sp>
+      <p:pic>
+        <p:nvPicPr>
+          <p:cNvPr id="124" name="Google Shape;124;p19"/>
+          <p:cNvPicPr preferRelativeResize="0"/>
+          <p:nvPr/>
+        </p:nvPicPr>
+        <p:blipFill>
+          <a:blip r:embed="rId5">
+            <a:alphaModFix/>
+          </a:blip>
+          <a:stretch>
+            <a:fillRect/>
+          </a:stretch>
+        </p:blipFill>
+        <p:spPr>
+          <a:xfrm>
+            <a:off x="8045925" y="333611"/>
+            <a:ext cx="786385" cy="795528"/>
+          </a:xfrm>
+          <a:prstGeom prst="rect">
+            <a:avLst/>
+          </a:prstGeom>
+          <a:noFill/>
+          <a:ln>
+            <a:noFill/>
+          </a:ln>
+        </p:spPr>
+      </p:pic>
+      <p:pic>
+        <p:nvPicPr>
+          <p:cNvPr id="125" name="Google Shape;125;p19"/>
+          <p:cNvPicPr preferRelativeResize="0"/>
+          <p:nvPr/>
+        </p:nvPicPr>
+        <p:blipFill>
+          <a:blip r:embed="rId6">
+            <a:alphaModFix/>
+          </a:blip>
+          <a:stretch>
+            <a:fillRect/>
+          </a:stretch>
+        </p:blipFill>
+        <p:spPr>
+          <a:xfrm>
+            <a:off x="4882675" y="339150"/>
+            <a:ext cx="784470" cy="784450"/>
+          </a:xfrm>
+          <a:prstGeom prst="rect">
+            <a:avLst/>
+          </a:prstGeom>
+          <a:noFill/>
+          <a:ln>
+            <a:noFill/>
+          </a:ln>
+        </p:spPr>
+      </p:pic>
+      <p:pic>
+        <p:nvPicPr>
+          <p:cNvPr id="126" name="Google Shape;126;p19"/>
+          <p:cNvPicPr preferRelativeResize="0"/>
+          <p:nvPr/>
+        </p:nvPicPr>
+        <p:blipFill>
+          <a:blip r:embed="rId7">
+            <a:alphaModFix/>
+          </a:blip>
+          <a:stretch>
+            <a:fillRect/>
+          </a:stretch>
+        </p:blipFill>
+        <p:spPr>
+          <a:xfrm>
+            <a:off x="5673484" y="335325"/>
+            <a:ext cx="784475" cy="792099"/>
+          </a:xfrm>
+          <a:prstGeom prst="rect">
+            <a:avLst/>
+          </a:prstGeom>
+          <a:noFill/>
+          <a:ln>
+            <a:noFill/>
+          </a:ln>
+        </p:spPr>
+      </p:pic>
+      <p:pic>
+        <p:nvPicPr>
+          <p:cNvPr id="127" name="Google Shape;127;p19"/>
+          <p:cNvPicPr preferRelativeResize="0"/>
+          <p:nvPr/>
+        </p:nvPicPr>
+        <p:blipFill>
+          <a:blip r:embed="rId8">
+            <a:alphaModFix/>
+          </a:blip>
+          <a:stretch>
+            <a:fillRect/>
+          </a:stretch>
+        </p:blipFill>
+        <p:spPr>
+          <a:xfrm>
+            <a:off x="6464298" y="335329"/>
+            <a:ext cx="784475" cy="792091"/>
+          </a:xfrm>
+          <a:prstGeom prst="rect">
+            <a:avLst/>
+          </a:prstGeom>
+          <a:noFill/>
+          <a:ln>
+            <a:noFill/>
+          </a:ln>
+        </p:spPr>
+      </p:pic>
+      <p:pic>
+        <p:nvPicPr>
+          <p:cNvPr id="128" name="Google Shape;128;p19"/>
+          <p:cNvPicPr preferRelativeResize="0"/>
+          <p:nvPr/>
+        </p:nvPicPr>
+        <p:blipFill>
+          <a:blip r:embed="rId9">
+            <a:alphaModFix/>
+          </a:blip>
+          <a:stretch>
+            <a:fillRect/>
+          </a:stretch>
+        </p:blipFill>
+        <p:spPr>
+          <a:xfrm>
+            <a:off x="7255111" y="335330"/>
+            <a:ext cx="784475" cy="792090"/>
+          </a:xfrm>
+          <a:prstGeom prst="rect">
+            <a:avLst/>
+          </a:prstGeom>
+          <a:noFill/>
+          <a:ln>
+            <a:noFill/>
+          </a:ln>
+        </p:spPr>
+      </p:pic>
     </p:spTree>
   </p:cSld>
   <p:clrMapOvr>
@@ -7295,12 +10865,12 @@
 </p:sld>
 </file>
 
-<file path=ppt/slides/slide11.xml><?xml version="1.0" encoding="utf-8"?>
+<file path=ppt/slides/slide8.xml><?xml version="1.0" encoding="utf-8"?>
 <p:sld xmlns:a="http://schemas.openxmlformats.org/drawingml/2006/main" xmlns:r="http://schemas.openxmlformats.org/officeDocument/2006/relationships" xmlns:mc="http://schemas.openxmlformats.org/markup-compatibility/2006" xmlns:mv="urn:schemas-microsoft-com:mac:vml" xmlns:p="http://schemas.openxmlformats.org/presentationml/2006/main" xmlns:c="http://schemas.openxmlformats.org/drawingml/2006/chart" xmlns:dgm="http://schemas.openxmlformats.org/drawingml/2006/diagram" xmlns:o="urn:schemas-microsoft-com:office:office" xmlns:v="urn:schemas-microsoft-com:vml" xmlns:pvml="urn:schemas-microsoft-com:office:powerpoint" xmlns:com="http://schemas.openxmlformats.org/drawingml/2006/compatibility" xmlns:p14="http://schemas.microsoft.com/office/powerpoint/2010/main" xmlns:p15="http://schemas.microsoft.com/office/powerpoint/2012/main" xmlns:ahyp="http://schemas.microsoft.com/office/drawing/2018/hyperlinkcolor">
   <p:cSld>
     <p:spTree>
       <p:nvGrpSpPr>
-        <p:cNvPr id="126" name="Shape 126"/>
+        <p:cNvPr id="132" name="Shape 132"/>
         <p:cNvGrpSpPr/>
         <p:nvPr/>
       </p:nvGrpSpPr>
@@ -7314,7 +10884,7 @@
       </p:grpSpPr>
       <p:sp>
         <p:nvSpPr>
-          <p:cNvPr id="127" name="Google Shape;127;p23"/>
+          <p:cNvPr id="133" name="Google Shape;133;p20"/>
           <p:cNvSpPr txBox="1"/>
           <p:nvPr>
             <p:ph type="title"/>
@@ -7346,7 +10916,11 @@
             </a:pPr>
             <a:r>
               <a:rPr lang="en"/>
-              <a:t>Rôles</a:t>
+              <a:t>Mon p</a:t>
+            </a:r>
+            <a:r>
+              <a:rPr lang="en"/>
+              <a:t>ortfolio professionnel</a:t>
             </a:r>
             <a:endParaRPr/>
           </a:p>
@@ -7354,7 +10928,47 @@
       </p:sp>
       <p:sp>
         <p:nvSpPr>
-          <p:cNvPr id="128" name="Google Shape;128;p23"/>
+          <p:cNvPr id="134" name="Google Shape;134;p20"/>
+          <p:cNvSpPr txBox="1"/>
+          <p:nvPr>
+            <p:ph idx="12" type="sldNum"/>
+          </p:nvPr>
+        </p:nvSpPr>
+        <p:spPr>
+          <a:xfrm>
+            <a:off x="8472458" y="4663217"/>
+            <a:ext cx="548700" cy="393600"/>
+          </a:xfrm>
+          <a:prstGeom prst="rect">
+            <a:avLst/>
+          </a:prstGeom>
+        </p:spPr>
+        <p:txBody>
+          <a:bodyPr anchorCtr="0" anchor="ctr" bIns="91425" lIns="91425" spcFirstLastPara="1" rIns="91425" wrap="square" tIns="91425">
+            <a:normAutofit/>
+          </a:bodyPr>
+          <a:lstStyle/>
+          <a:p>
+            <a:pPr indent="0" lvl="0" marL="0" rtl="0" algn="r">
+              <a:spcBef>
+                <a:spcPts val="0"/>
+              </a:spcBef>
+              <a:spcAft>
+                <a:spcPts val="0"/>
+              </a:spcAft>
+              <a:buNone/>
+            </a:pPr>
+            <a:fld id="{00000000-1234-1234-1234-123412341234}" type="slidenum">
+              <a:rPr lang="en"/>
+              <a:t>‹#›</a:t>
+            </a:fld>
+            <a:endParaRPr/>
+          </a:p>
+        </p:txBody>
+      </p:sp>
+      <p:sp>
+        <p:nvSpPr>
+          <p:cNvPr id="135" name="Google Shape;135;p20"/>
           <p:cNvSpPr txBox="1"/>
           <p:nvPr>
             <p:ph idx="1" type="body"/>
@@ -7362,8 +10976,8 @@
         </p:nvSpPr>
         <p:spPr>
           <a:xfrm>
-            <a:off x="311700" y="1152475"/>
-            <a:ext cx="8520600" cy="3416400"/>
+            <a:off x="311700" y="1017725"/>
+            <a:ext cx="8248500" cy="3645600"/>
           </a:xfrm>
           <a:prstGeom prst="rect">
             <a:avLst/>
@@ -7371,275 +10985,202 @@
         </p:spPr>
         <p:txBody>
           <a:bodyPr anchorCtr="0" anchor="t" bIns="91425" lIns="91425" spcFirstLastPara="1" rIns="91425" wrap="square" tIns="91425">
-            <a:normAutofit/>
+            <a:noAutofit/>
           </a:bodyPr>
           <a:lstStyle/>
           <a:p>
-            <a:pPr indent="-323850" lvl="0" marL="457200" rtl="0" algn="l">
-              <a:spcBef>
-                <a:spcPts val="0"/>
-              </a:spcBef>
-              <a:spcAft>
-                <a:spcPts val="0"/>
-              </a:spcAft>
-              <a:buClr>
-                <a:srgbClr val="000000"/>
-              </a:buClr>
-              <a:buSzPts val="1500"/>
-              <a:buChar char="●"/>
-            </a:pPr>
-            <a:r>
-              <a:rPr lang="en" sz="1500">
-                <a:solidFill>
-                  <a:srgbClr val="000000"/>
-                </a:solidFill>
-              </a:rPr>
-              <a:t>Architecte de solutions applicatives TI + géospatiales</a:t>
-            </a:r>
-            <a:endParaRPr sz="1500">
-              <a:solidFill>
-                <a:srgbClr val="000000"/>
-              </a:solidFill>
-            </a:endParaRPr>
-          </a:p>
-          <a:p>
-            <a:pPr indent="-323850" lvl="0" marL="457200" rtl="0" algn="l">
-              <a:spcBef>
-                <a:spcPts val="0"/>
-              </a:spcBef>
-              <a:spcAft>
-                <a:spcPts val="0"/>
-              </a:spcAft>
-              <a:buClr>
-                <a:srgbClr val="000000"/>
-              </a:buClr>
-              <a:buSzPts val="1500"/>
-              <a:buChar char="●"/>
-            </a:pPr>
-            <a:r>
-              <a:rPr lang="en" sz="1500">
-                <a:solidFill>
-                  <a:srgbClr val="000000"/>
-                </a:solidFill>
-              </a:rPr>
-              <a:t>Architecte nuagique Google GCP (GCP cloud architect)</a:t>
-            </a:r>
-            <a:endParaRPr sz="1500">
-              <a:solidFill>
-                <a:srgbClr val="000000"/>
-              </a:solidFill>
-            </a:endParaRPr>
-          </a:p>
-          <a:p>
-            <a:pPr indent="-323850" lvl="0" marL="457200" rtl="0" algn="l">
-              <a:spcBef>
-                <a:spcPts val="0"/>
-              </a:spcBef>
-              <a:spcAft>
-                <a:spcPts val="0"/>
-              </a:spcAft>
-              <a:buClr>
-                <a:srgbClr val="000000"/>
-              </a:buClr>
-              <a:buSzPts val="1500"/>
-              <a:buChar char="●"/>
-            </a:pPr>
-            <a:r>
-              <a:rPr lang="en" sz="1500">
-                <a:solidFill>
-                  <a:srgbClr val="000000"/>
-                </a:solidFill>
-              </a:rPr>
-              <a:t>Développeur senior full stack (core + geospatial)</a:t>
-            </a:r>
-            <a:endParaRPr sz="1500">
-              <a:solidFill>
-                <a:srgbClr val="000000"/>
-              </a:solidFill>
-            </a:endParaRPr>
-          </a:p>
-          <a:p>
-            <a:pPr indent="-323850" lvl="0" marL="457200" rtl="0" algn="l">
-              <a:spcBef>
-                <a:spcPts val="0"/>
-              </a:spcBef>
-              <a:spcAft>
-                <a:spcPts val="0"/>
-              </a:spcAft>
-              <a:buClr>
-                <a:srgbClr val="000000"/>
-              </a:buClr>
-              <a:buSzPts val="1500"/>
-              <a:buChar char="●"/>
-            </a:pPr>
-            <a:r>
-              <a:rPr lang="en" sz="1500">
-                <a:solidFill>
-                  <a:srgbClr val="000000"/>
-                </a:solidFill>
-              </a:rPr>
-              <a:t>Devops / Intégrateur de systèmes</a:t>
-            </a:r>
-            <a:endParaRPr sz="1500">
-              <a:solidFill>
-                <a:srgbClr val="000000"/>
-              </a:solidFill>
-            </a:endParaRPr>
-          </a:p>
-          <a:p>
-            <a:pPr indent="-323850" lvl="0" marL="457200" rtl="0" algn="l">
-              <a:spcBef>
-                <a:spcPts val="0"/>
-              </a:spcBef>
-              <a:spcAft>
-                <a:spcPts val="0"/>
-              </a:spcAft>
-              <a:buClr>
-                <a:srgbClr val="000000"/>
-              </a:buClr>
-              <a:buSzPts val="1500"/>
-              <a:buChar char="●"/>
-            </a:pPr>
-            <a:r>
-              <a:rPr lang="en" sz="1500">
-                <a:solidFill>
-                  <a:srgbClr val="000000"/>
-                </a:solidFill>
-              </a:rPr>
-              <a:t>Team lead (2-5 pers)</a:t>
-            </a:r>
-            <a:endParaRPr sz="1500">
-              <a:solidFill>
-                <a:srgbClr val="000000"/>
-              </a:solidFill>
-            </a:endParaRPr>
-          </a:p>
-          <a:p>
-            <a:pPr indent="-323850" lvl="0" marL="457200" rtl="0" algn="l">
-              <a:spcBef>
-                <a:spcPts val="0"/>
-              </a:spcBef>
-              <a:spcAft>
-                <a:spcPts val="0"/>
-              </a:spcAft>
-              <a:buClr>
-                <a:srgbClr val="000000"/>
-              </a:buClr>
-              <a:buSzPts val="1500"/>
-              <a:buChar char="●"/>
-            </a:pPr>
-            <a:r>
-              <a:rPr lang="en" sz="1500">
-                <a:solidFill>
-                  <a:srgbClr val="000000"/>
-                </a:solidFill>
-              </a:rPr>
-              <a:t>Analyste d'affaires (collecte et compréhension des besoins)</a:t>
-            </a:r>
-            <a:endParaRPr sz="1500">
-              <a:solidFill>
-                <a:srgbClr val="000000"/>
-              </a:solidFill>
-            </a:endParaRPr>
-          </a:p>
-          <a:p>
-            <a:pPr indent="-323850" lvl="0" marL="457200" rtl="0" algn="l">
-              <a:spcBef>
-                <a:spcPts val="0"/>
-              </a:spcBef>
-              <a:spcAft>
-                <a:spcPts val="0"/>
-              </a:spcAft>
-              <a:buClr>
-                <a:srgbClr val="000000"/>
-              </a:buClr>
-              <a:buSzPts val="1500"/>
-              <a:buChar char="●"/>
-            </a:pPr>
-            <a:r>
-              <a:rPr lang="en" sz="1500">
-                <a:solidFill>
-                  <a:srgbClr val="000000"/>
-                </a:solidFill>
-              </a:rPr>
-              <a:t>Chargé de projet (planification, suivi)</a:t>
-            </a:r>
-            <a:endParaRPr sz="1500">
-              <a:solidFill>
-                <a:srgbClr val="000000"/>
-              </a:solidFill>
-            </a:endParaRPr>
-          </a:p>
-          <a:p>
-            <a:pPr indent="-323850" lvl="0" marL="457200" rtl="0" algn="l">
-              <a:spcBef>
-                <a:spcPts val="0"/>
-              </a:spcBef>
-              <a:spcAft>
-                <a:spcPts val="0"/>
-              </a:spcAft>
-              <a:buClr>
-                <a:srgbClr val="000000"/>
-              </a:buClr>
-              <a:buSzPts val="1500"/>
-              <a:buChar char="●"/>
-            </a:pPr>
-            <a:r>
-              <a:rPr lang="en" sz="1500">
-                <a:solidFill>
-                  <a:srgbClr val="000000"/>
-                </a:solidFill>
-              </a:rPr>
-              <a:t>QA (assurance qualité)</a:t>
-            </a:r>
-            <a:endParaRPr sz="1500">
-              <a:solidFill>
-                <a:srgbClr val="000000"/>
-              </a:solidFill>
-            </a:endParaRPr>
+            <a:pPr indent="-324094" lvl="0" marL="457200" rtl="0" algn="just">
+              <a:spcBef>
+                <a:spcPts val="0"/>
+              </a:spcBef>
+              <a:spcAft>
+                <a:spcPts val="0"/>
+              </a:spcAft>
+              <a:buSzPts val="1504"/>
+              <a:buChar char="-"/>
+            </a:pPr>
+            <a:r>
+              <a:rPr lang="en" sz="1503"/>
+              <a:t>Projet de développement d'un système d'aide à la détection et à la localisation des erreurs sur les photographies aériennes grâce à l’apprentissage profond (ResNet18).</a:t>
+            </a:r>
+            <a:endParaRPr sz="1503"/>
+          </a:p>
+          <a:p>
+            <a:pPr indent="-324094" lvl="0" marL="457200" rtl="0" algn="just">
+              <a:spcBef>
+                <a:spcPts val="0"/>
+              </a:spcBef>
+              <a:spcAft>
+                <a:spcPts val="0"/>
+              </a:spcAft>
+              <a:buSzPts val="1504"/>
+              <a:buChar char="-"/>
+            </a:pPr>
+            <a:r>
+              <a:rPr lang="en" sz="1503"/>
+              <a:t>Développement en Python d’un « framework » personnalisé permettant de démarrer l’inférence et l’apprentissage via une extension dans QGIS, accéder au progrès et aux résultats via une interface web, en plus d’être notifié par courriel, plus convivialement qu’avec une commande manuelle.</a:t>
+            </a:r>
+            <a:endParaRPr sz="1503"/>
+          </a:p>
+          <a:p>
+            <a:pPr indent="-324094" lvl="0" marL="457200" rtl="0" algn="just">
+              <a:spcBef>
+                <a:spcPts val="0"/>
+              </a:spcBef>
+              <a:spcAft>
+                <a:spcPts val="0"/>
+              </a:spcAft>
+              <a:buSzPts val="1504"/>
+              <a:buChar char="-"/>
+            </a:pPr>
+            <a:r>
+              <a:rPr lang="en" sz="1503"/>
+              <a:t>Initiative de détection pro-active d’anomalies et de détérioration du service téléphonie voix IP (VoIP) à partir des logs des systèmes de téléphonie IP (SBC) du réseau de Bell Canada grâce à un modèle d’apprentissage machine (IBM Drain3 log parsing, PCA).</a:t>
+            </a:r>
+            <a:endParaRPr sz="1503"/>
           </a:p>
         </p:txBody>
       </p:sp>
-      <p:sp>
-        <p:nvSpPr>
-          <p:cNvPr id="129" name="Google Shape;129;p23"/>
-          <p:cNvSpPr txBox="1"/>
-          <p:nvPr>
-            <p:ph idx="12" type="sldNum"/>
-          </p:nvPr>
-        </p:nvSpPr>
-        <p:spPr>
-          <a:xfrm>
-            <a:off x="8472458" y="4663217"/>
-            <a:ext cx="548700" cy="393600"/>
-          </a:xfrm>
-          <a:prstGeom prst="rect">
-            <a:avLst/>
-          </a:prstGeom>
-        </p:spPr>
-        <p:txBody>
-          <a:bodyPr anchorCtr="0" anchor="ctr" bIns="91425" lIns="91425" spcFirstLastPara="1" rIns="91425" wrap="square" tIns="91425">
-            <a:normAutofit/>
-          </a:bodyPr>
-          <a:lstStyle/>
-          <a:p>
-            <a:pPr indent="0" lvl="0" marL="0" rtl="0" algn="r">
-              <a:spcBef>
-                <a:spcPts val="0"/>
-              </a:spcBef>
-              <a:spcAft>
-                <a:spcPts val="0"/>
-              </a:spcAft>
-              <a:buNone/>
-            </a:pPr>
-            <a:fld id="{00000000-1234-1234-1234-123412341234}" type="slidenum">
-              <a:rPr lang="en"/>
-              <a:t>‹#›</a:t>
-            </a:fld>
-            <a:endParaRPr/>
-          </a:p>
-        </p:txBody>
-      </p:sp>
+      <p:pic>
+        <p:nvPicPr>
+          <p:cNvPr id="136" name="Google Shape;136;p20"/>
+          <p:cNvPicPr preferRelativeResize="0"/>
+          <p:nvPr/>
+        </p:nvPicPr>
+        <p:blipFill>
+          <a:blip r:embed="rId3">
+            <a:alphaModFix/>
+          </a:blip>
+          <a:stretch>
+            <a:fillRect/>
+          </a:stretch>
+        </p:blipFill>
+        <p:spPr>
+          <a:xfrm>
+            <a:off x="8045925" y="333611"/>
+            <a:ext cx="786385" cy="795528"/>
+          </a:xfrm>
+          <a:prstGeom prst="rect">
+            <a:avLst/>
+          </a:prstGeom>
+          <a:noFill/>
+          <a:ln>
+            <a:noFill/>
+          </a:ln>
+        </p:spPr>
+      </p:pic>
+      <p:pic>
+        <p:nvPicPr>
+          <p:cNvPr id="137" name="Google Shape;137;p20"/>
+          <p:cNvPicPr preferRelativeResize="0"/>
+          <p:nvPr/>
+        </p:nvPicPr>
+        <p:blipFill>
+          <a:blip r:embed="rId4">
+            <a:alphaModFix/>
+          </a:blip>
+          <a:stretch>
+            <a:fillRect/>
+          </a:stretch>
+        </p:blipFill>
+        <p:spPr>
+          <a:xfrm>
+            <a:off x="4882675" y="339150"/>
+            <a:ext cx="784470" cy="784450"/>
+          </a:xfrm>
+          <a:prstGeom prst="rect">
+            <a:avLst/>
+          </a:prstGeom>
+          <a:noFill/>
+          <a:ln>
+            <a:noFill/>
+          </a:ln>
+        </p:spPr>
+      </p:pic>
+      <p:pic>
+        <p:nvPicPr>
+          <p:cNvPr id="138" name="Google Shape;138;p20"/>
+          <p:cNvPicPr preferRelativeResize="0"/>
+          <p:nvPr/>
+        </p:nvPicPr>
+        <p:blipFill>
+          <a:blip r:embed="rId5">
+            <a:alphaModFix/>
+          </a:blip>
+          <a:stretch>
+            <a:fillRect/>
+          </a:stretch>
+        </p:blipFill>
+        <p:spPr>
+          <a:xfrm>
+            <a:off x="5673484" y="335325"/>
+            <a:ext cx="784475" cy="792099"/>
+          </a:xfrm>
+          <a:prstGeom prst="rect">
+            <a:avLst/>
+          </a:prstGeom>
+          <a:noFill/>
+          <a:ln>
+            <a:noFill/>
+          </a:ln>
+        </p:spPr>
+      </p:pic>
+      <p:pic>
+        <p:nvPicPr>
+          <p:cNvPr id="139" name="Google Shape;139;p20"/>
+          <p:cNvPicPr preferRelativeResize="0"/>
+          <p:nvPr/>
+        </p:nvPicPr>
+        <p:blipFill>
+          <a:blip r:embed="rId6">
+            <a:alphaModFix/>
+          </a:blip>
+          <a:stretch>
+            <a:fillRect/>
+          </a:stretch>
+        </p:blipFill>
+        <p:spPr>
+          <a:xfrm>
+            <a:off x="6464298" y="335329"/>
+            <a:ext cx="784475" cy="792091"/>
+          </a:xfrm>
+          <a:prstGeom prst="rect">
+            <a:avLst/>
+          </a:prstGeom>
+          <a:noFill/>
+          <a:ln>
+            <a:noFill/>
+          </a:ln>
+        </p:spPr>
+      </p:pic>
+      <p:pic>
+        <p:nvPicPr>
+          <p:cNvPr id="140" name="Google Shape;140;p20"/>
+          <p:cNvPicPr preferRelativeResize="0"/>
+          <p:nvPr/>
+        </p:nvPicPr>
+        <p:blipFill>
+          <a:blip r:embed="rId7">
+            <a:alphaModFix/>
+          </a:blip>
+          <a:stretch>
+            <a:fillRect/>
+          </a:stretch>
+        </p:blipFill>
+        <p:spPr>
+          <a:xfrm>
+            <a:off x="7255111" y="335330"/>
+            <a:ext cx="784475" cy="792090"/>
+          </a:xfrm>
+          <a:prstGeom prst="rect">
+            <a:avLst/>
+          </a:prstGeom>
+          <a:noFill/>
+          <a:ln>
+            <a:noFill/>
+          </a:ln>
+        </p:spPr>
+      </p:pic>
     </p:spTree>
   </p:cSld>
   <p:clrMapOvr>
@@ -7648,12 +11189,12 @@
 </p:sld>
 </file>
 
-<file path=ppt/slides/slide12.xml><?xml version="1.0" encoding="utf-8"?>
+<file path=ppt/slides/slide9.xml><?xml version="1.0" encoding="utf-8"?>
 <p:sld xmlns:a="http://schemas.openxmlformats.org/drawingml/2006/main" xmlns:r="http://schemas.openxmlformats.org/officeDocument/2006/relationships" xmlns:mc="http://schemas.openxmlformats.org/markup-compatibility/2006" xmlns:mv="urn:schemas-microsoft-com:mac:vml" xmlns:p="http://schemas.openxmlformats.org/presentationml/2006/main" xmlns:c="http://schemas.openxmlformats.org/drawingml/2006/chart" xmlns:dgm="http://schemas.openxmlformats.org/drawingml/2006/diagram" xmlns:o="urn:schemas-microsoft-com:office:office" xmlns:v="urn:schemas-microsoft-com:vml" xmlns:pvml="urn:schemas-microsoft-com:office:powerpoint" xmlns:com="http://schemas.openxmlformats.org/drawingml/2006/compatibility" xmlns:p14="http://schemas.microsoft.com/office/powerpoint/2010/main" xmlns:p15="http://schemas.microsoft.com/office/powerpoint/2012/main" xmlns:ahyp="http://schemas.microsoft.com/office/drawing/2018/hyperlinkcolor">
   <p:cSld>
     <p:spTree>
       <p:nvGrpSpPr>
-        <p:cNvPr id="133" name="Shape 133"/>
+        <p:cNvPr id="144" name="Shape 144"/>
         <p:cNvGrpSpPr/>
         <p:nvPr/>
       </p:nvGrpSpPr>
@@ -7667,2235 +11208,7 @@
       </p:grpSpPr>
       <p:sp>
         <p:nvSpPr>
-          <p:cNvPr id="134" name="Google Shape;134;p24"/>
-          <p:cNvSpPr txBox="1"/>
-          <p:nvPr>
-            <p:ph type="title"/>
-          </p:nvPr>
-        </p:nvSpPr>
-        <p:spPr>
-          <a:xfrm>
-            <a:off x="311700" y="445025"/>
-            <a:ext cx="8520600" cy="572700"/>
-          </a:xfrm>
-          <a:prstGeom prst="rect">
-            <a:avLst/>
-          </a:prstGeom>
-        </p:spPr>
-        <p:txBody>
-          <a:bodyPr anchorCtr="0" anchor="t" bIns="91425" lIns="91425" spcFirstLastPara="1" rIns="91425" wrap="square" tIns="91425">
-            <a:normAutofit fontScale="90000"/>
-          </a:bodyPr>
-          <a:lstStyle/>
-          <a:p>
-            <a:pPr indent="0" lvl="0" marL="0" rtl="0" algn="l">
-              <a:spcBef>
-                <a:spcPts val="0"/>
-              </a:spcBef>
-              <a:spcAft>
-                <a:spcPts val="0"/>
-              </a:spcAft>
-              <a:buNone/>
-            </a:pPr>
-            <a:r>
-              <a:rPr lang="en"/>
-              <a:t>Responsabilités</a:t>
-            </a:r>
-            <a:endParaRPr/>
-          </a:p>
-        </p:txBody>
-      </p:sp>
-      <p:sp>
-        <p:nvSpPr>
-          <p:cNvPr id="135" name="Google Shape;135;p24"/>
-          <p:cNvSpPr txBox="1"/>
-          <p:nvPr>
-            <p:ph idx="1" type="body"/>
-          </p:nvPr>
-        </p:nvSpPr>
-        <p:spPr>
-          <a:xfrm>
-            <a:off x="311700" y="1017725"/>
-            <a:ext cx="8520600" cy="3645600"/>
-          </a:xfrm>
-          <a:prstGeom prst="rect">
-            <a:avLst/>
-          </a:prstGeom>
-        </p:spPr>
-        <p:txBody>
-          <a:bodyPr anchorCtr="0" anchor="t" bIns="91425" lIns="91425" spcFirstLastPara="1" rIns="91425" wrap="square" tIns="91425">
-            <a:noAutofit/>
-          </a:bodyPr>
-          <a:lstStyle/>
-          <a:p>
-            <a:pPr indent="-311150" lvl="0" marL="457200" rtl="0" algn="l">
-              <a:spcBef>
-                <a:spcPts val="0"/>
-              </a:spcBef>
-              <a:spcAft>
-                <a:spcPts val="0"/>
-              </a:spcAft>
-              <a:buClr>
-                <a:srgbClr val="000000"/>
-              </a:buClr>
-              <a:buSzPts val="1300"/>
-              <a:buChar char="●"/>
-            </a:pPr>
-            <a:r>
-              <a:rPr lang="en" sz="1300">
-                <a:solidFill>
-                  <a:srgbClr val="000000"/>
-                </a:solidFill>
-              </a:rPr>
-              <a:t>Développeur back-end (full stack)</a:t>
-            </a:r>
-            <a:endParaRPr sz="1300">
-              <a:solidFill>
-                <a:srgbClr val="000000"/>
-              </a:solidFill>
-            </a:endParaRPr>
-          </a:p>
-          <a:p>
-            <a:pPr indent="-311150" lvl="0" marL="457200" rtl="0" algn="l">
-              <a:spcBef>
-                <a:spcPts val="0"/>
-              </a:spcBef>
-              <a:spcAft>
-                <a:spcPts val="0"/>
-              </a:spcAft>
-              <a:buClr>
-                <a:srgbClr val="000000"/>
-              </a:buClr>
-              <a:buSzPts val="1300"/>
-              <a:buChar char="●"/>
-            </a:pPr>
-            <a:r>
-              <a:rPr lang="en" sz="1300">
-                <a:solidFill>
-                  <a:srgbClr val="000000"/>
-                </a:solidFill>
-              </a:rPr>
-              <a:t>Développeur front-end (full stack)</a:t>
-            </a:r>
-            <a:endParaRPr sz="1300">
-              <a:solidFill>
-                <a:srgbClr val="000000"/>
-              </a:solidFill>
-            </a:endParaRPr>
-          </a:p>
-          <a:p>
-            <a:pPr indent="-311150" lvl="0" marL="457200" rtl="0" algn="l">
-              <a:spcBef>
-                <a:spcPts val="0"/>
-              </a:spcBef>
-              <a:spcAft>
-                <a:spcPts val="0"/>
-              </a:spcAft>
-              <a:buClr>
-                <a:srgbClr val="000000"/>
-              </a:buClr>
-              <a:buSzPts val="1300"/>
-              <a:buChar char="●"/>
-            </a:pPr>
-            <a:r>
-              <a:rPr lang="en" sz="1300">
-                <a:solidFill>
-                  <a:srgbClr val="000000"/>
-                </a:solidFill>
-              </a:rPr>
-              <a:t>Intégration de systèmes (devops)</a:t>
-            </a:r>
-            <a:endParaRPr sz="1300">
-              <a:solidFill>
-                <a:srgbClr val="000000"/>
-              </a:solidFill>
-            </a:endParaRPr>
-          </a:p>
-          <a:p>
-            <a:pPr indent="-311150" lvl="0" marL="457200" rtl="0" algn="l">
-              <a:spcBef>
-                <a:spcPts val="0"/>
-              </a:spcBef>
-              <a:spcAft>
-                <a:spcPts val="0"/>
-              </a:spcAft>
-              <a:buClr>
-                <a:srgbClr val="000000"/>
-              </a:buClr>
-              <a:buSzPts val="1300"/>
-              <a:buChar char="●"/>
-            </a:pPr>
-            <a:r>
-              <a:rPr lang="en" sz="1300">
-                <a:solidFill>
-                  <a:srgbClr val="000000"/>
-                </a:solidFill>
-              </a:rPr>
-              <a:t>Gestion de données &amp; jeux de données (inventaires, images, jeux de tests, d'entraînement, de validation, inférence)</a:t>
-            </a:r>
-            <a:endParaRPr sz="1300">
-              <a:solidFill>
-                <a:srgbClr val="000000"/>
-              </a:solidFill>
-            </a:endParaRPr>
-          </a:p>
-          <a:p>
-            <a:pPr indent="-311150" lvl="0" marL="457200" rtl="0" algn="l">
-              <a:spcBef>
-                <a:spcPts val="0"/>
-              </a:spcBef>
-              <a:spcAft>
-                <a:spcPts val="0"/>
-              </a:spcAft>
-              <a:buClr>
-                <a:srgbClr val="000000"/>
-              </a:buClr>
-              <a:buSzPts val="1300"/>
-              <a:buChar char="●"/>
-            </a:pPr>
-            <a:r>
-              <a:rPr lang="en" sz="1300">
-                <a:solidFill>
-                  <a:srgbClr val="000000"/>
-                </a:solidFill>
-              </a:rPr>
-              <a:t>Estimation, déploiement et maintien de solutions TI dans le nuage de Google (GCP)</a:t>
-            </a:r>
-            <a:endParaRPr sz="1300">
-              <a:solidFill>
-                <a:srgbClr val="000000"/>
-              </a:solidFill>
-            </a:endParaRPr>
-          </a:p>
-          <a:p>
-            <a:pPr indent="-311150" lvl="0" marL="457200" rtl="0" algn="l">
-              <a:spcBef>
-                <a:spcPts val="0"/>
-              </a:spcBef>
-              <a:spcAft>
-                <a:spcPts val="0"/>
-              </a:spcAft>
-              <a:buClr>
-                <a:srgbClr val="000000"/>
-              </a:buClr>
-              <a:buSzPts val="1300"/>
-              <a:buChar char="●"/>
-            </a:pPr>
-            <a:r>
-              <a:rPr lang="en" sz="1300">
-                <a:solidFill>
-                  <a:srgbClr val="000000"/>
-                </a:solidFill>
-              </a:rPr>
-              <a:t>Solutions web, géomatiques/SIG &amp; télédétection</a:t>
-            </a:r>
-            <a:endParaRPr sz="1300">
-              <a:solidFill>
-                <a:srgbClr val="000000"/>
-              </a:solidFill>
-            </a:endParaRPr>
-          </a:p>
-          <a:p>
-            <a:pPr indent="-311150" lvl="0" marL="457200" rtl="0" algn="l">
-              <a:spcBef>
-                <a:spcPts val="0"/>
-              </a:spcBef>
-              <a:spcAft>
-                <a:spcPts val="0"/>
-              </a:spcAft>
-              <a:buClr>
-                <a:srgbClr val="000000"/>
-              </a:buClr>
-              <a:buSzPts val="1300"/>
-              <a:buChar char="●"/>
-            </a:pPr>
-            <a:r>
-              <a:rPr lang="en" sz="1300">
-                <a:solidFill>
-                  <a:srgbClr val="000000"/>
-                </a:solidFill>
-              </a:rPr>
-              <a:t>Modélisation AI / Machine Learning / Deep Learning / Vision</a:t>
-            </a:r>
-            <a:endParaRPr sz="1300">
-              <a:solidFill>
-                <a:srgbClr val="000000"/>
-              </a:solidFill>
-            </a:endParaRPr>
-          </a:p>
-          <a:p>
-            <a:pPr indent="-311150" lvl="0" marL="457200" rtl="0" algn="l">
-              <a:spcBef>
-                <a:spcPts val="0"/>
-              </a:spcBef>
-              <a:spcAft>
-                <a:spcPts val="0"/>
-              </a:spcAft>
-              <a:buClr>
-                <a:srgbClr val="000000"/>
-              </a:buClr>
-              <a:buSzPts val="1300"/>
-              <a:buChar char="●"/>
-            </a:pPr>
-            <a:r>
-              <a:rPr lang="en" sz="1300">
-                <a:solidFill>
-                  <a:srgbClr val="000000"/>
-                </a:solidFill>
-              </a:rPr>
-              <a:t>Traitement et analyse des données (Data scientist / analyst / engineer)</a:t>
-            </a:r>
-            <a:endParaRPr sz="1300">
-              <a:solidFill>
-                <a:srgbClr val="000000"/>
-              </a:solidFill>
-            </a:endParaRPr>
-          </a:p>
-          <a:p>
-            <a:pPr indent="-311150" lvl="0" marL="457200" rtl="0" algn="l">
-              <a:spcBef>
-                <a:spcPts val="0"/>
-              </a:spcBef>
-              <a:spcAft>
-                <a:spcPts val="0"/>
-              </a:spcAft>
-              <a:buClr>
-                <a:srgbClr val="000000"/>
-              </a:buClr>
-              <a:buSzPts val="1300"/>
-              <a:buChar char="●"/>
-            </a:pPr>
-            <a:r>
-              <a:rPr lang="en" sz="1300">
-                <a:solidFill>
-                  <a:srgbClr val="000000"/>
-                </a:solidFill>
-              </a:rPr>
-              <a:t>Documentation</a:t>
-            </a:r>
-            <a:endParaRPr sz="1300">
-              <a:solidFill>
-                <a:srgbClr val="000000"/>
-              </a:solidFill>
-            </a:endParaRPr>
-          </a:p>
-          <a:p>
-            <a:pPr indent="-311150" lvl="0" marL="457200" rtl="0" algn="l">
-              <a:spcBef>
-                <a:spcPts val="0"/>
-              </a:spcBef>
-              <a:spcAft>
-                <a:spcPts val="0"/>
-              </a:spcAft>
-              <a:buClr>
-                <a:srgbClr val="000000"/>
-              </a:buClr>
-              <a:buSzPts val="1300"/>
-              <a:buChar char="●"/>
-            </a:pPr>
-            <a:r>
-              <a:rPr lang="en" sz="1300">
-                <a:solidFill>
-                  <a:srgbClr val="000000"/>
-                </a:solidFill>
-              </a:rPr>
-              <a:t>Administration (gestions des tâches, backlog, board, code source, roadmap, estimé, etc)</a:t>
-            </a:r>
-            <a:endParaRPr sz="1300">
-              <a:solidFill>
-                <a:srgbClr val="000000"/>
-              </a:solidFill>
-            </a:endParaRPr>
-          </a:p>
-          <a:p>
-            <a:pPr indent="-311150" lvl="0" marL="457200" rtl="0" algn="l">
-              <a:spcBef>
-                <a:spcPts val="0"/>
-              </a:spcBef>
-              <a:spcAft>
-                <a:spcPts val="0"/>
-              </a:spcAft>
-              <a:buClr>
-                <a:srgbClr val="000000"/>
-              </a:buClr>
-              <a:buSzPts val="1300"/>
-              <a:buChar char="●"/>
-            </a:pPr>
-            <a:r>
-              <a:rPr lang="en" sz="1300">
-                <a:solidFill>
-                  <a:srgbClr val="000000"/>
-                </a:solidFill>
-              </a:rPr>
-              <a:t>Communication (rencontres, courriels)</a:t>
-            </a:r>
-            <a:endParaRPr sz="1300">
-              <a:solidFill>
-                <a:srgbClr val="000000"/>
-              </a:solidFill>
-            </a:endParaRPr>
-          </a:p>
-          <a:p>
-            <a:pPr indent="-311150" lvl="0" marL="457200" rtl="0" algn="l">
-              <a:spcBef>
-                <a:spcPts val="0"/>
-              </a:spcBef>
-              <a:spcAft>
-                <a:spcPts val="0"/>
-              </a:spcAft>
-              <a:buClr>
-                <a:srgbClr val="000000"/>
-              </a:buClr>
-              <a:buSzPts val="1300"/>
-              <a:buChar char="●"/>
-            </a:pPr>
-            <a:r>
-              <a:rPr lang="en" sz="1300">
-                <a:solidFill>
-                  <a:srgbClr val="000000"/>
-                </a:solidFill>
-              </a:rPr>
-              <a:t>Collaboration (transfert de connaissance, coaching)</a:t>
-            </a:r>
-            <a:endParaRPr sz="1300">
-              <a:solidFill>
-                <a:srgbClr val="000000"/>
-              </a:solidFill>
-            </a:endParaRPr>
-          </a:p>
-          <a:p>
-            <a:pPr indent="-311150" lvl="0" marL="457200" rtl="0" algn="l">
-              <a:spcBef>
-                <a:spcPts val="0"/>
-              </a:spcBef>
-              <a:spcAft>
-                <a:spcPts val="0"/>
-              </a:spcAft>
-              <a:buClr>
-                <a:srgbClr val="000000"/>
-              </a:buClr>
-              <a:buSzPts val="1300"/>
-              <a:buChar char="●"/>
-            </a:pPr>
-            <a:r>
-              <a:rPr lang="en" sz="1300">
-                <a:solidFill>
-                  <a:srgbClr val="000000"/>
-                </a:solidFill>
-              </a:rPr>
-              <a:t>Operation Support Maintenance (life cycle)</a:t>
-            </a:r>
-            <a:endParaRPr sz="1300">
-              <a:solidFill>
-                <a:srgbClr val="000000"/>
-              </a:solidFill>
-            </a:endParaRPr>
-          </a:p>
-          <a:p>
-            <a:pPr indent="-311150" lvl="0" marL="457200" rtl="0" algn="l">
-              <a:spcBef>
-                <a:spcPts val="0"/>
-              </a:spcBef>
-              <a:spcAft>
-                <a:spcPts val="0"/>
-              </a:spcAft>
-              <a:buClr>
-                <a:srgbClr val="000000"/>
-              </a:buClr>
-              <a:buSzPts val="1300"/>
-              <a:buChar char="●"/>
-            </a:pPr>
-            <a:r>
-              <a:rPr lang="en" sz="1300">
-                <a:solidFill>
-                  <a:srgbClr val="000000"/>
-                </a:solidFill>
-              </a:rPr>
-              <a:t>Outillage utilitaire (scripting)</a:t>
-            </a:r>
-            <a:endParaRPr sz="1300">
-              <a:solidFill>
-                <a:srgbClr val="000000"/>
-              </a:solidFill>
-            </a:endParaRPr>
-          </a:p>
-          <a:p>
-            <a:pPr indent="-311150" lvl="0" marL="457200" rtl="0" algn="l">
-              <a:spcBef>
-                <a:spcPts val="0"/>
-              </a:spcBef>
-              <a:spcAft>
-                <a:spcPts val="0"/>
-              </a:spcAft>
-              <a:buClr>
-                <a:srgbClr val="000000"/>
-              </a:buClr>
-              <a:buSzPts val="1300"/>
-              <a:buChar char="●"/>
-            </a:pPr>
-            <a:r>
-              <a:rPr lang="en" sz="1300">
-                <a:solidFill>
-                  <a:srgbClr val="000000"/>
-                </a:solidFill>
-              </a:rPr>
-              <a:t>Intégration Continue / Déploiement Continue (CI/CD pipeline, devops)</a:t>
-            </a:r>
-            <a:endParaRPr sz="1300"/>
-          </a:p>
-        </p:txBody>
-      </p:sp>
-      <p:sp>
-        <p:nvSpPr>
-          <p:cNvPr id="136" name="Google Shape;136;p24"/>
-          <p:cNvSpPr txBox="1"/>
-          <p:nvPr>
-            <p:ph idx="12" type="sldNum"/>
-          </p:nvPr>
-        </p:nvSpPr>
-        <p:spPr>
-          <a:xfrm>
-            <a:off x="8472458" y="4663217"/>
-            <a:ext cx="548700" cy="393600"/>
-          </a:xfrm>
-          <a:prstGeom prst="rect">
-            <a:avLst/>
-          </a:prstGeom>
-        </p:spPr>
-        <p:txBody>
-          <a:bodyPr anchorCtr="0" anchor="ctr" bIns="91425" lIns="91425" spcFirstLastPara="1" rIns="91425" wrap="square" tIns="91425">
-            <a:normAutofit/>
-          </a:bodyPr>
-          <a:lstStyle/>
-          <a:p>
-            <a:pPr indent="0" lvl="0" marL="0" rtl="0" algn="r">
-              <a:spcBef>
-                <a:spcPts val="0"/>
-              </a:spcBef>
-              <a:spcAft>
-                <a:spcPts val="0"/>
-              </a:spcAft>
-              <a:buNone/>
-            </a:pPr>
-            <a:fld id="{00000000-1234-1234-1234-123412341234}" type="slidenum">
-              <a:rPr lang="en"/>
-              <a:t>‹#›</a:t>
-            </a:fld>
-            <a:endParaRPr/>
-          </a:p>
-        </p:txBody>
-      </p:sp>
-    </p:spTree>
-  </p:cSld>
-  <p:clrMapOvr>
-    <a:masterClrMapping/>
-  </p:clrMapOvr>
-</p:sld>
-</file>
-
-<file path=ppt/slides/slide13.xml><?xml version="1.0" encoding="utf-8"?>
-<p:sld xmlns:a="http://schemas.openxmlformats.org/drawingml/2006/main" xmlns:r="http://schemas.openxmlformats.org/officeDocument/2006/relationships" xmlns:mc="http://schemas.openxmlformats.org/markup-compatibility/2006" xmlns:mv="urn:schemas-microsoft-com:mac:vml" xmlns:p="http://schemas.openxmlformats.org/presentationml/2006/main" xmlns:c="http://schemas.openxmlformats.org/drawingml/2006/chart" xmlns:dgm="http://schemas.openxmlformats.org/drawingml/2006/diagram" xmlns:o="urn:schemas-microsoft-com:office:office" xmlns:v="urn:schemas-microsoft-com:vml" xmlns:pvml="urn:schemas-microsoft-com:office:powerpoint" xmlns:com="http://schemas.openxmlformats.org/drawingml/2006/compatibility" xmlns:p14="http://schemas.microsoft.com/office/powerpoint/2010/main" xmlns:p15="http://schemas.microsoft.com/office/powerpoint/2012/main" xmlns:ahyp="http://schemas.microsoft.com/office/drawing/2018/hyperlinkcolor">
-  <p:cSld>
-    <p:spTree>
-      <p:nvGrpSpPr>
-        <p:cNvPr id="140" name="Shape 140"/>
-        <p:cNvGrpSpPr/>
-        <p:nvPr/>
-      </p:nvGrpSpPr>
-      <p:grpSpPr>
-        <a:xfrm>
-          <a:off x="0" y="0"/>
-          <a:ext cx="0" cy="0"/>
-          <a:chOff x="0" y="0"/>
-          <a:chExt cx="0" cy="0"/>
-        </a:xfrm>
-      </p:grpSpPr>
-      <p:sp>
-        <p:nvSpPr>
-          <p:cNvPr id="141" name="Google Shape;141;p25"/>
-          <p:cNvSpPr txBox="1"/>
-          <p:nvPr>
-            <p:ph type="title"/>
-          </p:nvPr>
-        </p:nvSpPr>
-        <p:spPr>
-          <a:xfrm>
-            <a:off x="311700" y="445025"/>
-            <a:ext cx="8520600" cy="572700"/>
-          </a:xfrm>
-          <a:prstGeom prst="rect">
-            <a:avLst/>
-          </a:prstGeom>
-        </p:spPr>
-        <p:txBody>
-          <a:bodyPr anchorCtr="0" anchor="t" bIns="91425" lIns="91425" spcFirstLastPara="1" rIns="91425" wrap="square" tIns="91425">
-            <a:normAutofit fontScale="90000"/>
-          </a:bodyPr>
-          <a:lstStyle/>
-          <a:p>
-            <a:pPr indent="0" lvl="0" marL="0" rtl="0" algn="l">
-              <a:spcBef>
-                <a:spcPts val="0"/>
-              </a:spcBef>
-              <a:spcAft>
-                <a:spcPts val="0"/>
-              </a:spcAft>
-              <a:buNone/>
-            </a:pPr>
-            <a:r>
-              <a:rPr lang="en"/>
-              <a:t>Mots-clés</a:t>
-            </a:r>
-            <a:endParaRPr/>
-          </a:p>
-        </p:txBody>
-      </p:sp>
-      <p:sp>
-        <p:nvSpPr>
-          <p:cNvPr id="142" name="Google Shape;142;p25"/>
-          <p:cNvSpPr txBox="1"/>
-          <p:nvPr>
-            <p:ph idx="1" type="body"/>
-          </p:nvPr>
-        </p:nvSpPr>
-        <p:spPr>
-          <a:xfrm>
-            <a:off x="311700" y="1017725"/>
-            <a:ext cx="8520600" cy="3645600"/>
-          </a:xfrm>
-          <a:prstGeom prst="rect">
-            <a:avLst/>
-          </a:prstGeom>
-        </p:spPr>
-        <p:txBody>
-          <a:bodyPr anchorCtr="0" anchor="t" bIns="91425" lIns="91425" spcFirstLastPara="1" rIns="91425" wrap="square" tIns="91425">
-            <a:noAutofit/>
-          </a:bodyPr>
-          <a:lstStyle/>
-          <a:p>
-            <a:pPr indent="0" lvl="0" marL="0" rtl="0" algn="just">
-              <a:spcBef>
-                <a:spcPts val="0"/>
-              </a:spcBef>
-              <a:spcAft>
-                <a:spcPts val="0"/>
-              </a:spcAft>
-              <a:buNone/>
-            </a:pPr>
-            <a:r>
-              <a:rPr lang="en" sz="1000">
-                <a:solidFill>
-                  <a:srgbClr val="000000"/>
-                </a:solidFill>
-              </a:rPr>
-              <a:t>Analytics data-sciences AI Apprentissage-machine apprentissage-profond vision fusion Systèmes-d’exploitation bases-de-données Python panda numpy scikit-learn Matlab pytorch torchvision ONNX tensorRT Julia spark parallélisme distribuée CUDA segmentation-sémantique resnet deeplabv3 NVIDIA Jetson Nano Kit Jupyter Notebook Jupyter-Notebook Google CoLab Splunk Mask R-CNN; mapserver, WMS/WFS; GDAL OGR Shapefile Geojson GeoTiff KML GDB xarray xray Windows Unix UX Solaris Linux Microsoft SQL-Server MySql PostgreSQL SQL Oracle ISAM SQLite Informix PostGIS neDB TimescaleDB Solutions-Web API-Langages IDE CI/CD HTML CSS nodeJS jQuery vueJS JSP Java J2EE CSS Weblogic Tomcat JBoss Apache Struts Ant maven Application-Server Javascript XML JSON QUnit Google-Web-Toolkit-GWT Google-Test Celery Flask GUnicorn Redis RabbitMQ Nifi Apache Kafka OpenLayers Leaflet OGC netCDF Mapbox Google-Maps Goole-Earth-Engine Carto Bootstrap Bottle viewport Visual-Studio Visual-Code Eclipse Weblogic-Application-Framework Websphere PyCharm C C++ .Net Perl Script Scripting PowerShell sed awk Shell Bash Machine-à-état State-Machine FSM ETL ArcGIS QGIS Cygwin Git GitHub GitLab Python PL/SQL Go php Golang Ansible Docker Unit-testing SSH TLS SSL certificate firewall Kubernetes Helm Drools Rundeck Portainer JIRA Confluence Agile Automation-Pipeline Continuous-Integration intégration CI/CD Containers QA assurance-qualité unittest Virtual-Machines VM Plateforme calcul-informatique pointe JIRA Confluence ZenHub Agile jalon swagger microservice microfrontend big-data openstack gcp aws azure kpi load-balancer IaaS PaaS SaaS swagger openapi scrum sprint gateway reverse-proxy proxy orienté debugger pipeline developer-tools dbg géomatique geomatic sciences recherche analyse outils R&amp;D spatiale SIG GIS télédétection carte cartographie représentation tensor vecteur satellite photogrammétrie aéronef drone tableau images HD résolution metadata métadonnée tableau-de-bord web entrainement validation test inférence jeu-de-donnée dataset board roadmap devops inventaire Calcul-Canada Calcul-Québec RAPIDS High-Performance-Computing HPC distributed data-tasks-parallelism SBATCH SLURM Slurm Workload Manager Scheduler AIMIA Air-Canada Alberta-Blue-Cross Banque-Laurentienne Banque-Nationale-du-Canada Caisses-Desjardins Canadian-Railway CIBC Drone-des-Champs Duke-Energy Ministère-de-la-Santé-et-des-Services-Sociaux MSSS Ministère-de-l'Environnement-et-de-la-Lutte-contre-les-changements-climatiques MELCC Manulife Ontario-Lottery-and-Gaming-Corporation Pêches-et-Océans-Canada Prudent-Groupe-Conseil Revenu-Québec SAAQ SSQ Sun-Life Xeos-Imagerie Avaya Aria-G+ CGI Cisco ESRI Genesys Google-Cloud IBM Intellio NICE Nortel NVIDIA Salesforce Telus Université-de-Sherbrooke UdeS Université-de-Montréal UdeM Vision-Météo</a:t>
-            </a:r>
-            <a:endParaRPr sz="1000"/>
-          </a:p>
-        </p:txBody>
-      </p:sp>
-      <p:sp>
-        <p:nvSpPr>
-          <p:cNvPr id="143" name="Google Shape;143;p25"/>
-          <p:cNvSpPr txBox="1"/>
-          <p:nvPr>
-            <p:ph idx="12" type="sldNum"/>
-          </p:nvPr>
-        </p:nvSpPr>
-        <p:spPr>
-          <a:xfrm>
-            <a:off x="8472458" y="4663217"/>
-            <a:ext cx="548700" cy="393600"/>
-          </a:xfrm>
-          <a:prstGeom prst="rect">
-            <a:avLst/>
-          </a:prstGeom>
-        </p:spPr>
-        <p:txBody>
-          <a:bodyPr anchorCtr="0" anchor="ctr" bIns="91425" lIns="91425" spcFirstLastPara="1" rIns="91425" wrap="square" tIns="91425">
-            <a:normAutofit/>
-          </a:bodyPr>
-          <a:lstStyle/>
-          <a:p>
-            <a:pPr indent="0" lvl="0" marL="0" rtl="0" algn="r">
-              <a:spcBef>
-                <a:spcPts val="0"/>
-              </a:spcBef>
-              <a:spcAft>
-                <a:spcPts val="0"/>
-              </a:spcAft>
-              <a:buNone/>
-            </a:pPr>
-            <a:fld id="{00000000-1234-1234-1234-123412341234}" type="slidenum">
-              <a:rPr lang="en"/>
-              <a:t>‹#›</a:t>
-            </a:fld>
-            <a:endParaRPr/>
-          </a:p>
-        </p:txBody>
-      </p:sp>
-    </p:spTree>
-  </p:cSld>
-  <p:clrMapOvr>
-    <a:masterClrMapping/>
-  </p:clrMapOvr>
-</p:sld>
-</file>
-
-<file path=ppt/slides/slide2.xml><?xml version="1.0" encoding="utf-8"?>
-<p:sld xmlns:a="http://schemas.openxmlformats.org/drawingml/2006/main" xmlns:r="http://schemas.openxmlformats.org/officeDocument/2006/relationships" xmlns:mc="http://schemas.openxmlformats.org/markup-compatibility/2006" xmlns:mv="urn:schemas-microsoft-com:mac:vml" xmlns:p="http://schemas.openxmlformats.org/presentationml/2006/main" xmlns:c="http://schemas.openxmlformats.org/drawingml/2006/chart" xmlns:dgm="http://schemas.openxmlformats.org/drawingml/2006/diagram" xmlns:o="urn:schemas-microsoft-com:office:office" xmlns:v="urn:schemas-microsoft-com:vml" xmlns:pvml="urn:schemas-microsoft-com:office:powerpoint" xmlns:com="http://schemas.openxmlformats.org/drawingml/2006/compatibility" xmlns:p14="http://schemas.microsoft.com/office/powerpoint/2010/main" xmlns:p15="http://schemas.microsoft.com/office/powerpoint/2012/main" xmlns:ahyp="http://schemas.microsoft.com/office/drawing/2018/hyperlinkcolor">
-  <p:cSld>
-    <p:spTree>
-      <p:nvGrpSpPr>
-        <p:cNvPr id="62" name="Shape 62"/>
-        <p:cNvGrpSpPr/>
-        <p:nvPr/>
-      </p:nvGrpSpPr>
-      <p:grpSpPr>
-        <a:xfrm>
-          <a:off x="0" y="0"/>
-          <a:ext cx="0" cy="0"/>
-          <a:chOff x="0" y="0"/>
-          <a:chExt cx="0" cy="0"/>
-        </a:xfrm>
-      </p:grpSpPr>
-      <p:sp>
-        <p:nvSpPr>
-          <p:cNvPr id="63" name="Google Shape;63;p14"/>
-          <p:cNvSpPr txBox="1"/>
-          <p:nvPr>
-            <p:ph type="title"/>
-          </p:nvPr>
-        </p:nvSpPr>
-        <p:spPr>
-          <a:xfrm>
-            <a:off x="311700" y="445025"/>
-            <a:ext cx="8520600" cy="572700"/>
-          </a:xfrm>
-          <a:prstGeom prst="rect">
-            <a:avLst/>
-          </a:prstGeom>
-        </p:spPr>
-        <p:txBody>
-          <a:bodyPr anchorCtr="0" anchor="t" bIns="91425" lIns="91425" spcFirstLastPara="1" rIns="91425" wrap="square" tIns="91425">
-            <a:normAutofit fontScale="90000"/>
-          </a:bodyPr>
-          <a:lstStyle/>
-          <a:p>
-            <a:pPr indent="0" lvl="0" marL="0" rtl="0" algn="l">
-              <a:spcBef>
-                <a:spcPts val="0"/>
-              </a:spcBef>
-              <a:spcAft>
-                <a:spcPts val="0"/>
-              </a:spcAft>
-              <a:buNone/>
-            </a:pPr>
-            <a:r>
-              <a:rPr lang="en"/>
-              <a:t>Je suis …</a:t>
-            </a:r>
-            <a:endParaRPr/>
-          </a:p>
-        </p:txBody>
-      </p:sp>
-      <p:sp>
-        <p:nvSpPr>
-          <p:cNvPr id="64" name="Google Shape;64;p14"/>
-          <p:cNvSpPr txBox="1"/>
-          <p:nvPr>
-            <p:ph idx="12" type="sldNum"/>
-          </p:nvPr>
-        </p:nvSpPr>
-        <p:spPr>
-          <a:xfrm>
-            <a:off x="8472458" y="4663217"/>
-            <a:ext cx="548700" cy="393600"/>
-          </a:xfrm>
-          <a:prstGeom prst="rect">
-            <a:avLst/>
-          </a:prstGeom>
-        </p:spPr>
-        <p:txBody>
-          <a:bodyPr anchorCtr="0" anchor="ctr" bIns="91425" lIns="91425" spcFirstLastPara="1" rIns="91425" wrap="square" tIns="91425">
-            <a:normAutofit/>
-          </a:bodyPr>
-          <a:lstStyle/>
-          <a:p>
-            <a:pPr indent="0" lvl="0" marL="0" rtl="0" algn="r">
-              <a:spcBef>
-                <a:spcPts val="0"/>
-              </a:spcBef>
-              <a:spcAft>
-                <a:spcPts val="0"/>
-              </a:spcAft>
-              <a:buNone/>
-            </a:pPr>
-            <a:fld id="{00000000-1234-1234-1234-123412341234}" type="slidenum">
-              <a:rPr lang="en"/>
-              <a:t>‹#›</a:t>
-            </a:fld>
-            <a:endParaRPr/>
-          </a:p>
-        </p:txBody>
-      </p:sp>
-      <p:sp>
-        <p:nvSpPr>
-          <p:cNvPr id="65" name="Google Shape;65;p14"/>
-          <p:cNvSpPr txBox="1"/>
-          <p:nvPr>
-            <p:ph idx="1" type="body"/>
-          </p:nvPr>
-        </p:nvSpPr>
-        <p:spPr>
-          <a:xfrm>
-            <a:off x="311700" y="1017725"/>
-            <a:ext cx="8248500" cy="1498500"/>
-          </a:xfrm>
-          <a:prstGeom prst="rect">
-            <a:avLst/>
-          </a:prstGeom>
-        </p:spPr>
-        <p:txBody>
-          <a:bodyPr anchorCtr="0" anchor="t" bIns="91425" lIns="91425" spcFirstLastPara="1" rIns="91425" wrap="square" tIns="91425">
-            <a:noAutofit/>
-          </a:bodyPr>
-          <a:lstStyle/>
-          <a:p>
-            <a:pPr indent="-324094" lvl="0" marL="457200" rtl="0" algn="just">
-              <a:spcBef>
-                <a:spcPts val="0"/>
-              </a:spcBef>
-              <a:spcAft>
-                <a:spcPts val="0"/>
-              </a:spcAft>
-              <a:buSzPts val="1504"/>
-              <a:buChar char="-"/>
-            </a:pPr>
-            <a:r>
-              <a:rPr lang="en" sz="1503"/>
-              <a:t>Né en France, famille de 4 enfants (troisième).</a:t>
-            </a:r>
-            <a:endParaRPr sz="1503"/>
-          </a:p>
-          <a:p>
-            <a:pPr indent="-324094" lvl="0" marL="457200" rtl="0" algn="just">
-              <a:spcBef>
-                <a:spcPts val="0"/>
-              </a:spcBef>
-              <a:spcAft>
-                <a:spcPts val="0"/>
-              </a:spcAft>
-              <a:buSzPts val="1504"/>
-              <a:buChar char="-"/>
-            </a:pPr>
-            <a:r>
-              <a:rPr lang="en" sz="1503"/>
-              <a:t>É</a:t>
-            </a:r>
-            <a:r>
-              <a:rPr lang="en" sz="1503"/>
-              <a:t>tudié en France, travaillé +4 ans en France.</a:t>
-            </a:r>
-            <a:endParaRPr sz="1503"/>
-          </a:p>
-          <a:p>
-            <a:pPr indent="-324094" lvl="0" marL="457200" rtl="0" algn="just">
-              <a:spcBef>
-                <a:spcPts val="0"/>
-              </a:spcBef>
-              <a:spcAft>
-                <a:spcPts val="0"/>
-              </a:spcAft>
-              <a:buSzPts val="1504"/>
-              <a:buChar char="-"/>
-            </a:pPr>
-            <a:r>
-              <a:rPr lang="en" sz="1503"/>
-              <a:t>Au Québec depuis septembre 2000 (+21 ans).</a:t>
-            </a:r>
-            <a:endParaRPr sz="1503"/>
-          </a:p>
-          <a:p>
-            <a:pPr indent="-324094" lvl="0" marL="457200" rtl="0" algn="just">
-              <a:spcBef>
-                <a:spcPts val="0"/>
-              </a:spcBef>
-              <a:spcAft>
-                <a:spcPts val="0"/>
-              </a:spcAft>
-              <a:buSzPts val="1504"/>
-              <a:buChar char="-"/>
-            </a:pPr>
-            <a:r>
-              <a:rPr lang="en" sz="1503"/>
-              <a:t>Marié, concubine japonaise, 2 enfants, garçon (12 ans) et fille (10 ans).</a:t>
-            </a:r>
-            <a:endParaRPr sz="1503"/>
-          </a:p>
-          <a:p>
-            <a:pPr indent="-324094" lvl="0" marL="457200" rtl="0" algn="just">
-              <a:spcBef>
-                <a:spcPts val="0"/>
-              </a:spcBef>
-              <a:spcAft>
-                <a:spcPts val="0"/>
-              </a:spcAft>
-              <a:buSzPts val="1504"/>
-              <a:buChar char="-"/>
-            </a:pPr>
-            <a:r>
-              <a:rPr lang="en" sz="1503"/>
-              <a:t>Une personne curieuse, </a:t>
-            </a:r>
-            <a:r>
-              <a:rPr lang="en" sz="1503"/>
-              <a:t>fière,</a:t>
-            </a:r>
-            <a:r>
-              <a:rPr lang="en" sz="1503"/>
-              <a:t> compétitive, qui aime travailler et aider.</a:t>
-            </a:r>
-            <a:endParaRPr sz="1503"/>
-          </a:p>
-        </p:txBody>
-      </p:sp>
-    </p:spTree>
-  </p:cSld>
-  <p:clrMapOvr>
-    <a:masterClrMapping/>
-  </p:clrMapOvr>
-</p:sld>
-</file>
-
-<file path=ppt/slides/slide3.xml><?xml version="1.0" encoding="utf-8"?>
-<p:sld xmlns:a="http://schemas.openxmlformats.org/drawingml/2006/main" xmlns:r="http://schemas.openxmlformats.org/officeDocument/2006/relationships" xmlns:mc="http://schemas.openxmlformats.org/markup-compatibility/2006" xmlns:mv="urn:schemas-microsoft-com:mac:vml" xmlns:p="http://schemas.openxmlformats.org/presentationml/2006/main" xmlns:c="http://schemas.openxmlformats.org/drawingml/2006/chart" xmlns:dgm="http://schemas.openxmlformats.org/drawingml/2006/diagram" xmlns:o="urn:schemas-microsoft-com:office:office" xmlns:v="urn:schemas-microsoft-com:vml" xmlns:pvml="urn:schemas-microsoft-com:office:powerpoint" xmlns:com="http://schemas.openxmlformats.org/drawingml/2006/compatibility" xmlns:p14="http://schemas.microsoft.com/office/powerpoint/2010/main" xmlns:p15="http://schemas.microsoft.com/office/powerpoint/2012/main" xmlns:ahyp="http://schemas.microsoft.com/office/drawing/2018/hyperlinkcolor">
-  <p:cSld>
-    <p:spTree>
-      <p:nvGrpSpPr>
-        <p:cNvPr id="69" name="Shape 69"/>
-        <p:cNvGrpSpPr/>
-        <p:nvPr/>
-      </p:nvGrpSpPr>
-      <p:grpSpPr>
-        <a:xfrm>
-          <a:off x="0" y="0"/>
-          <a:ext cx="0" cy="0"/>
-          <a:chOff x="0" y="0"/>
-          <a:chExt cx="0" cy="0"/>
-        </a:xfrm>
-      </p:grpSpPr>
-      <p:sp>
-        <p:nvSpPr>
-          <p:cNvPr id="70" name="Google Shape;70;p15"/>
-          <p:cNvSpPr txBox="1"/>
-          <p:nvPr>
-            <p:ph idx="12" type="sldNum"/>
-          </p:nvPr>
-        </p:nvSpPr>
-        <p:spPr>
-          <a:xfrm>
-            <a:off x="8472458" y="4663217"/>
-            <a:ext cx="548700" cy="393600"/>
-          </a:xfrm>
-          <a:prstGeom prst="rect">
-            <a:avLst/>
-          </a:prstGeom>
-        </p:spPr>
-        <p:txBody>
-          <a:bodyPr anchorCtr="0" anchor="ctr" bIns="91425" lIns="91425" spcFirstLastPara="1" rIns="91425" wrap="square" tIns="91425">
-            <a:normAutofit/>
-          </a:bodyPr>
-          <a:lstStyle/>
-          <a:p>
-            <a:pPr indent="0" lvl="0" marL="0" rtl="0" algn="r">
-              <a:spcBef>
-                <a:spcPts val="0"/>
-              </a:spcBef>
-              <a:spcAft>
-                <a:spcPts val="0"/>
-              </a:spcAft>
-              <a:buNone/>
-            </a:pPr>
-            <a:fld id="{00000000-1234-1234-1234-123412341234}" type="slidenum">
-              <a:rPr lang="en"/>
-              <a:t>‹#›</a:t>
-            </a:fld>
-            <a:endParaRPr/>
-          </a:p>
-        </p:txBody>
-      </p:sp>
-      <p:sp>
-        <p:nvSpPr>
-          <p:cNvPr id="71" name="Google Shape;71;p15"/>
-          <p:cNvSpPr txBox="1"/>
-          <p:nvPr>
-            <p:ph type="title"/>
-          </p:nvPr>
-        </p:nvSpPr>
-        <p:spPr>
-          <a:xfrm>
-            <a:off x="311700" y="450025"/>
-            <a:ext cx="8520600" cy="572700"/>
-          </a:xfrm>
-          <a:prstGeom prst="rect">
-            <a:avLst/>
-          </a:prstGeom>
-        </p:spPr>
-        <p:txBody>
-          <a:bodyPr anchorCtr="0" anchor="t" bIns="91425" lIns="91425" spcFirstLastPara="1" rIns="91425" wrap="square" tIns="91425">
-            <a:normAutofit fontScale="90000"/>
-          </a:bodyPr>
-          <a:lstStyle/>
-          <a:p>
-            <a:pPr indent="0" lvl="0" marL="0" rtl="0" algn="l">
-              <a:spcBef>
-                <a:spcPts val="0"/>
-              </a:spcBef>
-              <a:spcAft>
-                <a:spcPts val="0"/>
-              </a:spcAft>
-              <a:buNone/>
-            </a:pPr>
-            <a:r>
-              <a:rPr lang="en"/>
-              <a:t>Mes intérêts personnels</a:t>
-            </a:r>
-            <a:endParaRPr/>
-          </a:p>
-        </p:txBody>
-      </p:sp>
-      <p:sp>
-        <p:nvSpPr>
-          <p:cNvPr id="72" name="Google Shape;72;p15"/>
-          <p:cNvSpPr txBox="1"/>
-          <p:nvPr/>
-        </p:nvSpPr>
-        <p:spPr>
-          <a:xfrm>
-            <a:off x="447750" y="1022725"/>
-            <a:ext cx="8248500" cy="2279700"/>
-          </a:xfrm>
-          <a:prstGeom prst="rect">
-            <a:avLst/>
-          </a:prstGeom>
-          <a:noFill/>
-          <a:ln>
-            <a:noFill/>
-          </a:ln>
-        </p:spPr>
-        <p:txBody>
-          <a:bodyPr anchorCtr="0" anchor="t" bIns="91425" lIns="91425" spcFirstLastPara="1" rIns="91425" wrap="square" tIns="91425">
-            <a:spAutoFit/>
-          </a:bodyPr>
-          <a:lstStyle/>
-          <a:p>
-            <a:pPr indent="-324094" lvl="0" marL="457200" rtl="0" algn="just">
-              <a:lnSpc>
-                <a:spcPct val="115000"/>
-              </a:lnSpc>
-              <a:spcBef>
-                <a:spcPts val="0"/>
-              </a:spcBef>
-              <a:spcAft>
-                <a:spcPts val="0"/>
-              </a:spcAft>
-              <a:buClr>
-                <a:schemeClr val="dk2"/>
-              </a:buClr>
-              <a:buSzPts val="1504"/>
-              <a:buChar char="-"/>
-            </a:pPr>
-            <a:r>
-              <a:rPr lang="en" sz="1503">
-                <a:solidFill>
-                  <a:schemeClr val="dk2"/>
-                </a:solidFill>
-              </a:rPr>
-              <a:t>Être dehors, avec famille/amis, le sport, les activités extérieures (camping, kayak, pêche).</a:t>
-            </a:r>
-            <a:endParaRPr sz="1503">
-              <a:solidFill>
-                <a:schemeClr val="dk2"/>
-              </a:solidFill>
-            </a:endParaRPr>
-          </a:p>
-          <a:p>
-            <a:pPr indent="-324094" lvl="0" marL="457200" rtl="0" algn="just">
-              <a:lnSpc>
-                <a:spcPct val="115000"/>
-              </a:lnSpc>
-              <a:spcBef>
-                <a:spcPts val="0"/>
-              </a:spcBef>
-              <a:spcAft>
-                <a:spcPts val="0"/>
-              </a:spcAft>
-              <a:buClr>
-                <a:schemeClr val="dk2"/>
-              </a:buClr>
-              <a:buSzPts val="1504"/>
-              <a:buChar char="-"/>
-            </a:pPr>
-            <a:r>
-              <a:rPr lang="en" sz="1503">
-                <a:solidFill>
-                  <a:schemeClr val="dk2"/>
-                </a:solidFill>
-              </a:rPr>
-              <a:t>Soccer.</a:t>
-            </a:r>
-            <a:endParaRPr sz="1503">
-              <a:solidFill>
-                <a:schemeClr val="dk2"/>
-              </a:solidFill>
-            </a:endParaRPr>
-          </a:p>
-          <a:p>
-            <a:pPr indent="-324094" lvl="1" marL="914400" rtl="0" algn="just">
-              <a:lnSpc>
-                <a:spcPct val="115000"/>
-              </a:lnSpc>
-              <a:spcBef>
-                <a:spcPts val="0"/>
-              </a:spcBef>
-              <a:spcAft>
-                <a:spcPts val="0"/>
-              </a:spcAft>
-              <a:buClr>
-                <a:schemeClr val="dk2"/>
-              </a:buClr>
-              <a:buSzPts val="1504"/>
-              <a:buChar char="-"/>
-            </a:pPr>
-            <a:r>
-              <a:rPr lang="en" sz="1503">
-                <a:solidFill>
-                  <a:schemeClr val="dk2"/>
-                </a:solidFill>
-              </a:rPr>
-              <a:t>Fan de l’équipe de France et du Paris-Saint-Germain (PSG).</a:t>
-            </a:r>
-            <a:endParaRPr sz="1503">
-              <a:solidFill>
-                <a:schemeClr val="dk2"/>
-              </a:solidFill>
-            </a:endParaRPr>
-          </a:p>
-          <a:p>
-            <a:pPr indent="-324094" lvl="0" marL="457200" rtl="0" algn="just">
-              <a:lnSpc>
-                <a:spcPct val="115000"/>
-              </a:lnSpc>
-              <a:spcBef>
-                <a:spcPts val="0"/>
-              </a:spcBef>
-              <a:spcAft>
-                <a:spcPts val="0"/>
-              </a:spcAft>
-              <a:buClr>
-                <a:schemeClr val="dk2"/>
-              </a:buClr>
-              <a:buSzPts val="1504"/>
-              <a:buChar char="-"/>
-            </a:pPr>
-            <a:r>
-              <a:rPr lang="en" sz="1503">
-                <a:solidFill>
-                  <a:schemeClr val="dk2"/>
-                </a:solidFill>
-              </a:rPr>
-              <a:t>L’informatique et la programmation.</a:t>
-            </a:r>
-            <a:endParaRPr sz="1503">
-              <a:solidFill>
-                <a:schemeClr val="dk2"/>
-              </a:solidFill>
-            </a:endParaRPr>
-          </a:p>
-          <a:p>
-            <a:pPr indent="-324094" lvl="0" marL="457200" rtl="0" algn="just">
-              <a:lnSpc>
-                <a:spcPct val="115000"/>
-              </a:lnSpc>
-              <a:spcBef>
-                <a:spcPts val="0"/>
-              </a:spcBef>
-              <a:spcAft>
-                <a:spcPts val="0"/>
-              </a:spcAft>
-              <a:buClr>
-                <a:schemeClr val="dk2"/>
-              </a:buClr>
-              <a:buSzPts val="1504"/>
-              <a:buChar char="-"/>
-            </a:pPr>
-            <a:r>
-              <a:rPr lang="en" sz="1503">
-                <a:solidFill>
-                  <a:schemeClr val="dk2"/>
-                </a:solidFill>
-              </a:rPr>
-              <a:t>La technologie.</a:t>
-            </a:r>
-            <a:endParaRPr sz="1503">
-              <a:solidFill>
-                <a:schemeClr val="dk2"/>
-              </a:solidFill>
-            </a:endParaRPr>
-          </a:p>
-          <a:p>
-            <a:pPr indent="-324094" lvl="0" marL="457200" rtl="0" algn="just">
-              <a:lnSpc>
-                <a:spcPct val="115000"/>
-              </a:lnSpc>
-              <a:spcBef>
-                <a:spcPts val="0"/>
-              </a:spcBef>
-              <a:spcAft>
-                <a:spcPts val="0"/>
-              </a:spcAft>
-              <a:buClr>
-                <a:schemeClr val="dk2"/>
-              </a:buClr>
-              <a:buSzPts val="1504"/>
-              <a:buChar char="-"/>
-            </a:pPr>
-            <a:r>
-              <a:rPr lang="en" sz="1503">
-                <a:solidFill>
-                  <a:schemeClr val="dk2"/>
-                </a:solidFill>
-              </a:rPr>
-              <a:t>Les films d’animation et d’action, de super hero, d’aventure, de science fiction (Marvel, Pixar, Ghibli, etc).</a:t>
-            </a:r>
-            <a:endParaRPr sz="1503">
-              <a:solidFill>
-                <a:schemeClr val="dk2"/>
-              </a:solidFill>
-            </a:endParaRPr>
-          </a:p>
-          <a:p>
-            <a:pPr indent="-324094" lvl="0" marL="457200" rtl="0" algn="just">
-              <a:lnSpc>
-                <a:spcPct val="115000"/>
-              </a:lnSpc>
-              <a:spcBef>
-                <a:spcPts val="0"/>
-              </a:spcBef>
-              <a:spcAft>
-                <a:spcPts val="0"/>
-              </a:spcAft>
-              <a:buClr>
-                <a:schemeClr val="dk2"/>
-              </a:buClr>
-              <a:buSzPts val="1504"/>
-              <a:buChar char="-"/>
-            </a:pPr>
-            <a:r>
-              <a:rPr lang="en" sz="1503">
-                <a:solidFill>
-                  <a:schemeClr val="dk2"/>
-                </a:solidFill>
-              </a:rPr>
-              <a:t>Pas un “gamer” mais j’aime ça de temps en temps avec les enfants.</a:t>
-            </a:r>
-            <a:endParaRPr sz="1503">
-              <a:solidFill>
-                <a:schemeClr val="dk2"/>
-              </a:solidFill>
-            </a:endParaRPr>
-          </a:p>
-        </p:txBody>
-      </p:sp>
-    </p:spTree>
-  </p:cSld>
-  <p:clrMapOvr>
-    <a:masterClrMapping/>
-  </p:clrMapOvr>
-</p:sld>
-</file>
-
-<file path=ppt/slides/slide4.xml><?xml version="1.0" encoding="utf-8"?>
-<p:sld xmlns:a="http://schemas.openxmlformats.org/drawingml/2006/main" xmlns:r="http://schemas.openxmlformats.org/officeDocument/2006/relationships" xmlns:mc="http://schemas.openxmlformats.org/markup-compatibility/2006" xmlns:mv="urn:schemas-microsoft-com:mac:vml" xmlns:p="http://schemas.openxmlformats.org/presentationml/2006/main" xmlns:c="http://schemas.openxmlformats.org/drawingml/2006/chart" xmlns:dgm="http://schemas.openxmlformats.org/drawingml/2006/diagram" xmlns:o="urn:schemas-microsoft-com:office:office" xmlns:v="urn:schemas-microsoft-com:vml" xmlns:pvml="urn:schemas-microsoft-com:office:powerpoint" xmlns:com="http://schemas.openxmlformats.org/drawingml/2006/compatibility" xmlns:p14="http://schemas.microsoft.com/office/powerpoint/2010/main" xmlns:p15="http://schemas.microsoft.com/office/powerpoint/2012/main" xmlns:ahyp="http://schemas.microsoft.com/office/drawing/2018/hyperlinkcolor">
-  <p:cSld>
-    <p:spTree>
-      <p:nvGrpSpPr>
-        <p:cNvPr id="76" name="Shape 76"/>
-        <p:cNvGrpSpPr/>
-        <p:nvPr/>
-      </p:nvGrpSpPr>
-      <p:grpSpPr>
-        <a:xfrm>
-          <a:off x="0" y="0"/>
-          <a:ext cx="0" cy="0"/>
-          <a:chOff x="0" y="0"/>
-          <a:chExt cx="0" cy="0"/>
-        </a:xfrm>
-      </p:grpSpPr>
-      <p:sp>
-        <p:nvSpPr>
-          <p:cNvPr id="77" name="Google Shape;77;p16"/>
-          <p:cNvSpPr txBox="1"/>
-          <p:nvPr>
-            <p:ph type="title"/>
-          </p:nvPr>
-        </p:nvSpPr>
-        <p:spPr>
-          <a:xfrm>
-            <a:off x="311700" y="445025"/>
-            <a:ext cx="8520600" cy="572700"/>
-          </a:xfrm>
-          <a:prstGeom prst="rect">
-            <a:avLst/>
-          </a:prstGeom>
-        </p:spPr>
-        <p:txBody>
-          <a:bodyPr anchorCtr="0" anchor="t" bIns="91425" lIns="91425" spcFirstLastPara="1" rIns="91425" wrap="square" tIns="91425">
-            <a:normAutofit fontScale="90000"/>
-          </a:bodyPr>
-          <a:lstStyle/>
-          <a:p>
-            <a:pPr indent="0" lvl="0" marL="0" rtl="0" algn="l">
-              <a:spcBef>
-                <a:spcPts val="0"/>
-              </a:spcBef>
-              <a:spcAft>
-                <a:spcPts val="0"/>
-              </a:spcAft>
-              <a:buNone/>
-            </a:pPr>
-            <a:r>
-              <a:rPr lang="en"/>
-              <a:t>Particulatités</a:t>
-            </a:r>
-            <a:endParaRPr/>
-          </a:p>
-        </p:txBody>
-      </p:sp>
-      <p:sp>
-        <p:nvSpPr>
-          <p:cNvPr id="78" name="Google Shape;78;p16"/>
-          <p:cNvSpPr txBox="1"/>
-          <p:nvPr>
-            <p:ph idx="1" type="body"/>
-          </p:nvPr>
-        </p:nvSpPr>
-        <p:spPr>
-          <a:xfrm>
-            <a:off x="311700" y="1017725"/>
-            <a:ext cx="8248500" cy="1913100"/>
-          </a:xfrm>
-          <a:prstGeom prst="rect">
-            <a:avLst/>
-          </a:prstGeom>
-        </p:spPr>
-        <p:txBody>
-          <a:bodyPr anchorCtr="0" anchor="t" bIns="91425" lIns="91425" spcFirstLastPara="1" rIns="91425" wrap="square" tIns="91425">
-            <a:noAutofit/>
-          </a:bodyPr>
-          <a:lstStyle/>
-          <a:p>
-            <a:pPr indent="-324094" lvl="0" marL="457200" rtl="0" algn="just">
-              <a:spcBef>
-                <a:spcPts val="0"/>
-              </a:spcBef>
-              <a:spcAft>
-                <a:spcPts val="0"/>
-              </a:spcAft>
-              <a:buSzPts val="1504"/>
-              <a:buChar char="-"/>
-            </a:pPr>
-            <a:r>
-              <a:rPr lang="en" sz="1503"/>
-              <a:t>2003 </a:t>
-            </a:r>
-            <a:r>
-              <a:rPr lang="en" sz="1503"/>
-              <a:t>– </a:t>
-            </a:r>
-            <a:r>
-              <a:rPr lang="en" sz="1503"/>
-              <a:t>Marathon de Montréal (4h10).</a:t>
-            </a:r>
-            <a:endParaRPr sz="1503"/>
-          </a:p>
-          <a:p>
-            <a:pPr indent="-324094" lvl="0" marL="457200" rtl="0" algn="just">
-              <a:spcBef>
-                <a:spcPts val="0"/>
-              </a:spcBef>
-              <a:spcAft>
-                <a:spcPts val="0"/>
-              </a:spcAft>
-              <a:buSzPts val="1504"/>
-              <a:buChar char="-"/>
-            </a:pPr>
-            <a:r>
-              <a:rPr lang="en" sz="1503"/>
-              <a:t>Mars 2004 à Juin 2005 (1 an) – Télétravail au Japon.</a:t>
-            </a:r>
-            <a:endParaRPr sz="1503"/>
-          </a:p>
-          <a:p>
-            <a:pPr indent="-324094" lvl="0" marL="457200" rtl="0" algn="just">
-              <a:spcBef>
-                <a:spcPts val="0"/>
-              </a:spcBef>
-              <a:spcAft>
-                <a:spcPts val="0"/>
-              </a:spcAft>
-              <a:buSzPts val="1504"/>
-              <a:buChar char="-"/>
-            </a:pPr>
-            <a:r>
-              <a:rPr lang="en" sz="1503"/>
-              <a:t>Juillet - octobre 1998</a:t>
-            </a:r>
-            <a:r>
-              <a:rPr lang="en" sz="1503"/>
-              <a:t> (4 mois) – Télétravail à Montréal.</a:t>
-            </a:r>
-            <a:endParaRPr sz="1503"/>
-          </a:p>
-          <a:p>
-            <a:pPr indent="-324094" lvl="0" marL="457200" rtl="0" algn="just">
-              <a:spcBef>
-                <a:spcPts val="0"/>
-              </a:spcBef>
-              <a:spcAft>
-                <a:spcPts val="0"/>
-              </a:spcAft>
-              <a:buSzPts val="1504"/>
-              <a:buChar char="-"/>
-            </a:pPr>
-            <a:r>
-              <a:rPr lang="en" sz="1503"/>
-              <a:t>Janvier 1998 à Septembre 2000 (+2 ans) – Bénévole à la Croix-Rouge française, secourisme en équipe (région parisienne).</a:t>
-            </a:r>
-            <a:endParaRPr sz="1503"/>
-          </a:p>
-          <a:p>
-            <a:pPr indent="-324094" lvl="0" marL="457200" rtl="0" algn="just">
-              <a:spcBef>
-                <a:spcPts val="0"/>
-              </a:spcBef>
-              <a:spcAft>
-                <a:spcPts val="0"/>
-              </a:spcAft>
-              <a:buSzPts val="1504"/>
-              <a:buChar char="-"/>
-            </a:pPr>
-            <a:r>
-              <a:rPr lang="en" sz="1503"/>
-              <a:t>Février 1997 (10 mois) </a:t>
-            </a:r>
-            <a:r>
-              <a:rPr lang="en" sz="1503"/>
-              <a:t>– S</a:t>
-            </a:r>
-            <a:r>
-              <a:rPr lang="en" sz="1503"/>
-              <a:t>ervice militaire à l’état-major de la Brigade des Sapeurs-Pompier de Paris (BSPP).</a:t>
-            </a:r>
-            <a:endParaRPr sz="1503"/>
-          </a:p>
-        </p:txBody>
-      </p:sp>
-      <p:sp>
-        <p:nvSpPr>
-          <p:cNvPr id="79" name="Google Shape;79;p16"/>
-          <p:cNvSpPr txBox="1"/>
-          <p:nvPr>
-            <p:ph idx="12" type="sldNum"/>
-          </p:nvPr>
-        </p:nvSpPr>
-        <p:spPr>
-          <a:xfrm>
-            <a:off x="8472458" y="4663217"/>
-            <a:ext cx="548700" cy="393600"/>
-          </a:xfrm>
-          <a:prstGeom prst="rect">
-            <a:avLst/>
-          </a:prstGeom>
-        </p:spPr>
-        <p:txBody>
-          <a:bodyPr anchorCtr="0" anchor="ctr" bIns="91425" lIns="91425" spcFirstLastPara="1" rIns="91425" wrap="square" tIns="91425">
-            <a:normAutofit/>
-          </a:bodyPr>
-          <a:lstStyle/>
-          <a:p>
-            <a:pPr indent="0" lvl="0" marL="0" rtl="0" algn="r">
-              <a:spcBef>
-                <a:spcPts val="0"/>
-              </a:spcBef>
-              <a:spcAft>
-                <a:spcPts val="0"/>
-              </a:spcAft>
-              <a:buNone/>
-            </a:pPr>
-            <a:fld id="{00000000-1234-1234-1234-123412341234}" type="slidenum">
-              <a:rPr lang="en"/>
-              <a:t>‹#›</a:t>
-            </a:fld>
-            <a:endParaRPr/>
-          </a:p>
-        </p:txBody>
-      </p:sp>
-    </p:spTree>
-  </p:cSld>
-  <p:clrMapOvr>
-    <a:masterClrMapping/>
-  </p:clrMapOvr>
-</p:sld>
-</file>
-
-<file path=ppt/slides/slide5.xml><?xml version="1.0" encoding="utf-8"?>
-<p:sld xmlns:a="http://schemas.openxmlformats.org/drawingml/2006/main" xmlns:r="http://schemas.openxmlformats.org/officeDocument/2006/relationships" xmlns:mc="http://schemas.openxmlformats.org/markup-compatibility/2006" xmlns:mv="urn:schemas-microsoft-com:mac:vml" xmlns:p="http://schemas.openxmlformats.org/presentationml/2006/main" xmlns:c="http://schemas.openxmlformats.org/drawingml/2006/chart" xmlns:dgm="http://schemas.openxmlformats.org/drawingml/2006/diagram" xmlns:o="urn:schemas-microsoft-com:office:office" xmlns:v="urn:schemas-microsoft-com:vml" xmlns:pvml="urn:schemas-microsoft-com:office:powerpoint" xmlns:com="http://schemas.openxmlformats.org/drawingml/2006/compatibility" xmlns:p14="http://schemas.microsoft.com/office/powerpoint/2010/main" xmlns:p15="http://schemas.microsoft.com/office/powerpoint/2012/main" xmlns:ahyp="http://schemas.microsoft.com/office/drawing/2018/hyperlinkcolor">
-  <p:cSld>
-    <p:spTree>
-      <p:nvGrpSpPr>
-        <p:cNvPr id="83" name="Shape 83"/>
-        <p:cNvGrpSpPr/>
-        <p:nvPr/>
-      </p:nvGrpSpPr>
-      <p:grpSpPr>
-        <a:xfrm>
-          <a:off x="0" y="0"/>
-          <a:ext cx="0" cy="0"/>
-          <a:chOff x="0" y="0"/>
-          <a:chExt cx="0" cy="0"/>
-        </a:xfrm>
-      </p:grpSpPr>
-      <p:sp>
-        <p:nvSpPr>
-          <p:cNvPr id="84" name="Google Shape;84;p17"/>
-          <p:cNvSpPr txBox="1"/>
-          <p:nvPr>
-            <p:ph type="title"/>
-          </p:nvPr>
-        </p:nvSpPr>
-        <p:spPr>
-          <a:xfrm>
-            <a:off x="311700" y="445025"/>
-            <a:ext cx="8520600" cy="572700"/>
-          </a:xfrm>
-          <a:prstGeom prst="rect">
-            <a:avLst/>
-          </a:prstGeom>
-        </p:spPr>
-        <p:txBody>
-          <a:bodyPr anchorCtr="0" anchor="t" bIns="91425" lIns="91425" spcFirstLastPara="1" rIns="91425" wrap="square" tIns="91425">
-            <a:normAutofit fontScale="90000"/>
-          </a:bodyPr>
-          <a:lstStyle/>
-          <a:p>
-            <a:pPr indent="0" lvl="0" marL="0" rtl="0" algn="l">
-              <a:spcBef>
-                <a:spcPts val="0"/>
-              </a:spcBef>
-              <a:spcAft>
-                <a:spcPts val="0"/>
-              </a:spcAft>
-              <a:buNone/>
-            </a:pPr>
-            <a:r>
-              <a:rPr lang="en"/>
-              <a:t>Parcour</a:t>
-            </a:r>
-            <a:r>
-              <a:rPr lang="en"/>
-              <a:t>s</a:t>
-            </a:r>
-            <a:r>
-              <a:rPr lang="en"/>
-              <a:t> professionnel</a:t>
-            </a:r>
-            <a:endParaRPr/>
-          </a:p>
-        </p:txBody>
-      </p:sp>
-      <p:sp>
-        <p:nvSpPr>
-          <p:cNvPr id="85" name="Google Shape;85;p17"/>
-          <p:cNvSpPr txBox="1"/>
-          <p:nvPr>
-            <p:ph idx="12" type="sldNum"/>
-          </p:nvPr>
-        </p:nvSpPr>
-        <p:spPr>
-          <a:xfrm>
-            <a:off x="8472458" y="4663217"/>
-            <a:ext cx="548700" cy="393600"/>
-          </a:xfrm>
-          <a:prstGeom prst="rect">
-            <a:avLst/>
-          </a:prstGeom>
-        </p:spPr>
-        <p:txBody>
-          <a:bodyPr anchorCtr="0" anchor="ctr" bIns="91425" lIns="91425" spcFirstLastPara="1" rIns="91425" wrap="square" tIns="91425">
-            <a:normAutofit/>
-          </a:bodyPr>
-          <a:lstStyle/>
-          <a:p>
-            <a:pPr indent="0" lvl="0" marL="0" rtl="0" algn="r">
-              <a:spcBef>
-                <a:spcPts val="0"/>
-              </a:spcBef>
-              <a:spcAft>
-                <a:spcPts val="0"/>
-              </a:spcAft>
-              <a:buNone/>
-            </a:pPr>
-            <a:fld id="{00000000-1234-1234-1234-123412341234}" type="slidenum">
-              <a:rPr lang="en"/>
-              <a:t>‹#›</a:t>
-            </a:fld>
-            <a:endParaRPr/>
-          </a:p>
-        </p:txBody>
-      </p:sp>
-      <p:sp>
-        <p:nvSpPr>
-          <p:cNvPr id="86" name="Google Shape;86;p17"/>
-          <p:cNvSpPr txBox="1"/>
-          <p:nvPr>
-            <p:ph idx="1" type="body"/>
-          </p:nvPr>
-        </p:nvSpPr>
-        <p:spPr>
-          <a:xfrm>
-            <a:off x="311700" y="1017725"/>
-            <a:ext cx="8248500" cy="3645600"/>
-          </a:xfrm>
-          <a:prstGeom prst="rect">
-            <a:avLst/>
-          </a:prstGeom>
-        </p:spPr>
-        <p:txBody>
-          <a:bodyPr anchorCtr="0" anchor="t" bIns="91425" lIns="91425" spcFirstLastPara="1" rIns="91425" wrap="square" tIns="91425">
-            <a:noAutofit/>
-          </a:bodyPr>
-          <a:lstStyle/>
-          <a:p>
-            <a:pPr indent="-324094" lvl="0" marL="457200" rtl="0" algn="just">
-              <a:spcBef>
-                <a:spcPts val="0"/>
-              </a:spcBef>
-              <a:spcAft>
-                <a:spcPts val="0"/>
-              </a:spcAft>
-              <a:buSzPts val="1504"/>
-              <a:buChar char="-"/>
-            </a:pPr>
-            <a:r>
-              <a:rPr lang="en" sz="1503"/>
-              <a:t>1996 - 2000 </a:t>
-            </a:r>
-            <a:r>
-              <a:rPr lang="en" sz="1503"/>
-              <a:t>– </a:t>
-            </a:r>
-            <a:r>
-              <a:rPr lang="en" sz="1503"/>
-              <a:t>Analyste-programmeur en France; applications de média-planning</a:t>
-            </a:r>
-            <a:endParaRPr sz="1503"/>
-          </a:p>
-          <a:p>
-            <a:pPr indent="-324094" lvl="0" marL="457200" rtl="0" algn="just">
-              <a:spcBef>
-                <a:spcPts val="0"/>
-              </a:spcBef>
-              <a:spcAft>
-                <a:spcPts val="0"/>
-              </a:spcAft>
-              <a:buSzPts val="1504"/>
-              <a:buChar char="-"/>
-            </a:pPr>
-            <a:r>
-              <a:rPr lang="en" sz="1503"/>
-              <a:t>2000 - 2019 </a:t>
-            </a:r>
-            <a:r>
-              <a:rPr lang="en" sz="1503"/>
-              <a:t>– Elix / BCE Elix / Bell Canada; services professionnels; Intégrateur de système, programmeur Full Stack, architecte de solutions pour les centres d’appels des grosses entreprises.</a:t>
-            </a:r>
-            <a:endParaRPr sz="1503"/>
-          </a:p>
-          <a:p>
-            <a:pPr indent="-324094" lvl="0" marL="457200" rtl="0" algn="just">
-              <a:spcBef>
-                <a:spcPts val="0"/>
-              </a:spcBef>
-              <a:spcAft>
-                <a:spcPts val="0"/>
-              </a:spcAft>
-              <a:buSzPts val="1504"/>
-              <a:buChar char="-"/>
-            </a:pPr>
-            <a:r>
-              <a:rPr lang="en" sz="1503"/>
-              <a:t>2019 - 2021 – Bell Canada; conseil principal, programmeur Full Stack, team lead, architecte de solutions pour la détection d’anomalies et l’automatisation de processus opérationnels (gestion des tickets) des services voix des réseaux téléphoniques de Bell Canada.</a:t>
-            </a:r>
-            <a:endParaRPr sz="1503"/>
-          </a:p>
-          <a:p>
-            <a:pPr indent="-324094" lvl="0" marL="457200" rtl="0" algn="just">
-              <a:spcBef>
-                <a:spcPts val="0"/>
-              </a:spcBef>
-              <a:spcAft>
-                <a:spcPts val="0"/>
-              </a:spcAft>
-              <a:buSzPts val="1504"/>
-              <a:buChar char="-"/>
-            </a:pPr>
-            <a:r>
-              <a:rPr lang="en" sz="1503"/>
-              <a:t>2016 - 2022  – Réorientation professionnelle dans le domaine de l’environnement et le développement durable au moyen d‘une Maîtrise en Géomatique Appliquée et Télédétection à temps partiel à l’Université de Sherbrooke, en conciliant pendant 5 ans  travail-famille-université-maison, avec un intérêt particulier pour les domaines des « data sciences/analytics » et l’apprentissage machine et profond (AI / Deep learning).</a:t>
-            </a:r>
-            <a:endParaRPr sz="1503"/>
-          </a:p>
-        </p:txBody>
-      </p:sp>
-    </p:spTree>
-  </p:cSld>
-  <p:clrMapOvr>
-    <a:masterClrMapping/>
-  </p:clrMapOvr>
-</p:sld>
-</file>
-
-<file path=ppt/slides/slide6.xml><?xml version="1.0" encoding="utf-8"?>
-<p:sld xmlns:a="http://schemas.openxmlformats.org/drawingml/2006/main" xmlns:r="http://schemas.openxmlformats.org/officeDocument/2006/relationships" xmlns:mc="http://schemas.openxmlformats.org/markup-compatibility/2006" xmlns:mv="urn:schemas-microsoft-com:mac:vml" xmlns:p="http://schemas.openxmlformats.org/presentationml/2006/main" xmlns:c="http://schemas.openxmlformats.org/drawingml/2006/chart" xmlns:dgm="http://schemas.openxmlformats.org/drawingml/2006/diagram" xmlns:o="urn:schemas-microsoft-com:office:office" xmlns:v="urn:schemas-microsoft-com:vml" xmlns:pvml="urn:schemas-microsoft-com:office:powerpoint" xmlns:com="http://schemas.openxmlformats.org/drawingml/2006/compatibility" xmlns:p14="http://schemas.microsoft.com/office/powerpoint/2010/main" xmlns:p15="http://schemas.microsoft.com/office/powerpoint/2012/main" xmlns:ahyp="http://schemas.microsoft.com/office/drawing/2018/hyperlinkcolor">
-  <p:cSld>
-    <p:spTree>
-      <p:nvGrpSpPr>
-        <p:cNvPr id="90" name="Shape 90"/>
-        <p:cNvGrpSpPr/>
-        <p:nvPr/>
-      </p:nvGrpSpPr>
-      <p:grpSpPr>
-        <a:xfrm>
-          <a:off x="0" y="0"/>
-          <a:ext cx="0" cy="0"/>
-          <a:chOff x="0" y="0"/>
-          <a:chExt cx="0" cy="0"/>
-        </a:xfrm>
-      </p:grpSpPr>
-      <p:sp>
-        <p:nvSpPr>
-          <p:cNvPr id="91" name="Google Shape;91;p18"/>
-          <p:cNvSpPr txBox="1"/>
-          <p:nvPr>
-            <p:ph type="title"/>
-          </p:nvPr>
-        </p:nvSpPr>
-        <p:spPr>
-          <a:xfrm>
-            <a:off x="311700" y="445025"/>
-            <a:ext cx="8520600" cy="572700"/>
-          </a:xfrm>
-          <a:prstGeom prst="rect">
-            <a:avLst/>
-          </a:prstGeom>
-        </p:spPr>
-        <p:txBody>
-          <a:bodyPr anchorCtr="0" anchor="t" bIns="91425" lIns="91425" spcFirstLastPara="1" rIns="91425" wrap="square" tIns="91425">
-            <a:normAutofit fontScale="90000"/>
-          </a:bodyPr>
-          <a:lstStyle/>
-          <a:p>
-            <a:pPr indent="0" lvl="0" marL="0" rtl="0" algn="l">
-              <a:spcBef>
-                <a:spcPts val="0"/>
-              </a:spcBef>
-              <a:spcAft>
-                <a:spcPts val="0"/>
-              </a:spcAft>
-              <a:buNone/>
-            </a:pPr>
-            <a:r>
-              <a:rPr lang="en"/>
-              <a:t>Portfolio</a:t>
-            </a:r>
-            <a:r>
-              <a:rPr lang="en"/>
-              <a:t> professionnel</a:t>
-            </a:r>
-            <a:endParaRPr/>
-          </a:p>
-        </p:txBody>
-      </p:sp>
-      <p:sp>
-        <p:nvSpPr>
-          <p:cNvPr id="92" name="Google Shape;92;p18"/>
-          <p:cNvSpPr txBox="1"/>
-          <p:nvPr>
-            <p:ph idx="12" type="sldNum"/>
-          </p:nvPr>
-        </p:nvSpPr>
-        <p:spPr>
-          <a:xfrm>
-            <a:off x="8472458" y="4663217"/>
-            <a:ext cx="548700" cy="393600"/>
-          </a:xfrm>
-          <a:prstGeom prst="rect">
-            <a:avLst/>
-          </a:prstGeom>
-        </p:spPr>
-        <p:txBody>
-          <a:bodyPr anchorCtr="0" anchor="ctr" bIns="91425" lIns="91425" spcFirstLastPara="1" rIns="91425" wrap="square" tIns="91425">
-            <a:normAutofit/>
-          </a:bodyPr>
-          <a:lstStyle/>
-          <a:p>
-            <a:pPr indent="0" lvl="0" marL="0" rtl="0" algn="r">
-              <a:spcBef>
-                <a:spcPts val="0"/>
-              </a:spcBef>
-              <a:spcAft>
-                <a:spcPts val="0"/>
-              </a:spcAft>
-              <a:buNone/>
-            </a:pPr>
-            <a:fld id="{00000000-1234-1234-1234-123412341234}" type="slidenum">
-              <a:rPr lang="en"/>
-              <a:t>‹#›</a:t>
-            </a:fld>
-            <a:endParaRPr/>
-          </a:p>
-        </p:txBody>
-      </p:sp>
-      <p:sp>
-        <p:nvSpPr>
-          <p:cNvPr id="93" name="Google Shape;93;p18"/>
-          <p:cNvSpPr txBox="1"/>
-          <p:nvPr>
-            <p:ph idx="1" type="body"/>
-          </p:nvPr>
-        </p:nvSpPr>
-        <p:spPr>
-          <a:xfrm>
-            <a:off x="311700" y="1017725"/>
-            <a:ext cx="8248500" cy="3645600"/>
-          </a:xfrm>
-          <a:prstGeom prst="rect">
-            <a:avLst/>
-          </a:prstGeom>
-        </p:spPr>
-        <p:txBody>
-          <a:bodyPr anchorCtr="0" anchor="t" bIns="91425" lIns="91425" spcFirstLastPara="1" rIns="91425" wrap="square" tIns="91425">
-            <a:noAutofit/>
-          </a:bodyPr>
-          <a:lstStyle/>
-          <a:p>
-            <a:pPr indent="-324094" lvl="0" marL="457200" rtl="0" algn="just">
-              <a:spcBef>
-                <a:spcPts val="0"/>
-              </a:spcBef>
-              <a:spcAft>
-                <a:spcPts val="0"/>
-              </a:spcAft>
-              <a:buSzPts val="1504"/>
-              <a:buChar char="-"/>
-            </a:pPr>
-            <a:r>
-              <a:rPr lang="en" sz="1503"/>
-              <a:t>Segmentation sémantique en temps réel (caméra vidéo) à partir d’un nano-ordinateur (NVIDIA Jetson Nano), étude des performances et des limites (ResNet18), pour la détection automatique des délimitations de la piste multifonctionnelle du pont Jacques-Cartier </a:t>
-            </a:r>
-            <a:r>
-              <a:rPr baseline="30000" lang="en" sz="1503"/>
-              <a:t>(1)</a:t>
-            </a:r>
-            <a:r>
-              <a:rPr lang="en" sz="1503"/>
-              <a:t>. </a:t>
-            </a:r>
-            <a:endParaRPr sz="1503"/>
-          </a:p>
-          <a:p>
-            <a:pPr indent="-324094" lvl="0" marL="457200" rtl="0" algn="just">
-              <a:spcBef>
-                <a:spcPts val="0"/>
-              </a:spcBef>
-              <a:spcAft>
-                <a:spcPts val="0"/>
-              </a:spcAft>
-              <a:buSzPts val="1504"/>
-              <a:buChar char="-"/>
-            </a:pPr>
-            <a:r>
-              <a:rPr lang="en" sz="1503"/>
-              <a:t>Comptage et classification (taille) des laitues sur des images de drones prises à différentes altitudes (20m - 50m), avec détection (Mask-R CNN).</a:t>
-            </a:r>
-            <a:endParaRPr sz="1503"/>
-          </a:p>
-          <a:p>
-            <a:pPr indent="-324094" lvl="0" marL="457200" rtl="0" algn="just">
-              <a:spcBef>
-                <a:spcPts val="0"/>
-              </a:spcBef>
-              <a:spcAft>
-                <a:spcPts val="0"/>
-              </a:spcAft>
-              <a:buSzPts val="1504"/>
-              <a:buChar char="-"/>
-            </a:pPr>
-            <a:r>
-              <a:rPr lang="en" sz="1503"/>
-              <a:t>Analyse de desserte pour les casernes de pompiers de municipalités (ArcGIS Pro).</a:t>
-            </a:r>
-            <a:endParaRPr sz="1503"/>
-          </a:p>
-          <a:p>
-            <a:pPr indent="-324094" lvl="0" marL="457200" rtl="0" algn="just">
-              <a:spcBef>
-                <a:spcPts val="0"/>
-              </a:spcBef>
-              <a:spcAft>
-                <a:spcPts val="0"/>
-              </a:spcAft>
-              <a:buSzPts val="1504"/>
-              <a:buChar char="-"/>
-            </a:pPr>
-            <a:r>
-              <a:rPr lang="en" sz="1503"/>
-              <a:t>Automatisation de création de projet ArcGIS Pro (Python).</a:t>
-            </a:r>
-            <a:endParaRPr sz="1503"/>
-          </a:p>
-          <a:p>
-            <a:pPr indent="-324094" lvl="0" marL="457200" rtl="0" algn="just">
-              <a:spcBef>
-                <a:spcPts val="0"/>
-              </a:spcBef>
-              <a:spcAft>
-                <a:spcPts val="0"/>
-              </a:spcAft>
-              <a:buSzPts val="1504"/>
-              <a:buChar char="-"/>
-            </a:pPr>
-            <a:r>
-              <a:rPr lang="en" sz="1503"/>
-              <a:t>Production de cartes, mises en page et d’outils avec ArcGIS Pro (Python).</a:t>
-            </a:r>
-            <a:endParaRPr sz="1503"/>
-          </a:p>
-          <a:p>
-            <a:pPr indent="-324094" lvl="0" marL="457200" rtl="0" algn="just">
-              <a:spcBef>
-                <a:spcPts val="0"/>
-              </a:spcBef>
-              <a:spcAft>
-                <a:spcPts val="0"/>
-              </a:spcAft>
-              <a:buSzPts val="1504"/>
-              <a:buChar char="-"/>
-            </a:pPr>
-            <a:r>
-              <a:rPr lang="en" sz="1503"/>
-              <a:t>Adaptation de la plateforme ouverte et collaborative « AIDE </a:t>
-            </a:r>
-            <a:r>
-              <a:rPr baseline="30000" lang="en" sz="1503"/>
-              <a:t>(2)</a:t>
-            </a:r>
-            <a:r>
-              <a:rPr lang="en" sz="1503"/>
-              <a:t> » permettant l'apprentissage rétroactif « humain-système» pour l’annotation « multilabel », la classification et la détection automatique d'espèces végétales sur des images de microdrones.</a:t>
-            </a:r>
-            <a:endParaRPr sz="1503"/>
-          </a:p>
-        </p:txBody>
-      </p:sp>
-      <p:sp>
-        <p:nvSpPr>
-          <p:cNvPr id="94" name="Google Shape;94;p18"/>
-          <p:cNvSpPr txBox="1"/>
-          <p:nvPr/>
-        </p:nvSpPr>
-        <p:spPr>
-          <a:xfrm>
-            <a:off x="287850" y="4440450"/>
-            <a:ext cx="8296200" cy="431100"/>
-          </a:xfrm>
-          <a:prstGeom prst="rect">
-            <a:avLst/>
-          </a:prstGeom>
-          <a:noFill/>
-          <a:ln>
-            <a:noFill/>
-          </a:ln>
-        </p:spPr>
-        <p:txBody>
-          <a:bodyPr anchorCtr="0" anchor="t" bIns="91425" lIns="91425" spcFirstLastPara="1" rIns="91425" wrap="square" tIns="91425">
-            <a:spAutoFit/>
-          </a:bodyPr>
-          <a:lstStyle/>
-          <a:p>
-            <a:pPr indent="-279400" lvl="0" marL="457200" rtl="0" algn="l">
-              <a:spcBef>
-                <a:spcPts val="0"/>
-              </a:spcBef>
-              <a:spcAft>
-                <a:spcPts val="0"/>
-              </a:spcAft>
-              <a:buSzPts val="800"/>
-              <a:buAutoNum type="arabicParenBoth"/>
-            </a:pPr>
-            <a:r>
-              <a:rPr lang="en" sz="800" u="sng">
-                <a:solidFill>
-                  <a:schemeClr val="hlink"/>
-                </a:solidFill>
-                <a:hlinkClick r:id="rId3"/>
-              </a:rPr>
-              <a:t>https://vince7lf.github.io/about.html</a:t>
-            </a:r>
-            <a:r>
-              <a:rPr lang="en" sz="800"/>
-              <a:t> </a:t>
-            </a:r>
-            <a:endParaRPr sz="800"/>
-          </a:p>
-          <a:p>
-            <a:pPr indent="-279400" lvl="0" marL="457200" rtl="0" algn="l">
-              <a:spcBef>
-                <a:spcPts val="0"/>
-              </a:spcBef>
-              <a:spcAft>
-                <a:spcPts val="0"/>
-              </a:spcAft>
-              <a:buSzPts val="800"/>
-              <a:buAutoNum type="arabicParenBoth"/>
-            </a:pPr>
-            <a:r>
-              <a:rPr lang="en" sz="800" u="sng">
-                <a:solidFill>
-                  <a:schemeClr val="hlink"/>
-                </a:solidFill>
-                <a:hlinkClick r:id="rId4"/>
-              </a:rPr>
-              <a:t>https://github.com/microsoft/aerial_wildlife_detection</a:t>
-            </a:r>
-            <a:r>
-              <a:rPr lang="en" sz="800"/>
-              <a:t> </a:t>
-            </a:r>
-            <a:endParaRPr sz="800"/>
-          </a:p>
-        </p:txBody>
-      </p:sp>
-    </p:spTree>
-  </p:cSld>
-  <p:clrMapOvr>
-    <a:masterClrMapping/>
-  </p:clrMapOvr>
-</p:sld>
-</file>
-
-<file path=ppt/slides/slide7.xml><?xml version="1.0" encoding="utf-8"?>
-<p:sld xmlns:a="http://schemas.openxmlformats.org/drawingml/2006/main" xmlns:r="http://schemas.openxmlformats.org/officeDocument/2006/relationships" xmlns:mc="http://schemas.openxmlformats.org/markup-compatibility/2006" xmlns:mv="urn:schemas-microsoft-com:mac:vml" xmlns:p="http://schemas.openxmlformats.org/presentationml/2006/main" xmlns:c="http://schemas.openxmlformats.org/drawingml/2006/chart" xmlns:dgm="http://schemas.openxmlformats.org/drawingml/2006/diagram" xmlns:o="urn:schemas-microsoft-com:office:office" xmlns:v="urn:schemas-microsoft-com:vml" xmlns:pvml="urn:schemas-microsoft-com:office:powerpoint" xmlns:com="http://schemas.openxmlformats.org/drawingml/2006/compatibility" xmlns:p14="http://schemas.microsoft.com/office/powerpoint/2010/main" xmlns:p15="http://schemas.microsoft.com/office/powerpoint/2012/main" xmlns:ahyp="http://schemas.microsoft.com/office/drawing/2018/hyperlinkcolor">
-  <p:cSld>
-    <p:spTree>
-      <p:nvGrpSpPr>
-        <p:cNvPr id="98" name="Shape 98"/>
-        <p:cNvGrpSpPr/>
-        <p:nvPr/>
-      </p:nvGrpSpPr>
-      <p:grpSpPr>
-        <a:xfrm>
-          <a:off x="0" y="0"/>
-          <a:ext cx="0" cy="0"/>
-          <a:chOff x="0" y="0"/>
-          <a:chExt cx="0" cy="0"/>
-        </a:xfrm>
-      </p:grpSpPr>
-      <p:sp>
-        <p:nvSpPr>
-          <p:cNvPr id="99" name="Google Shape;99;p19"/>
-          <p:cNvSpPr txBox="1"/>
-          <p:nvPr>
-            <p:ph type="title"/>
-          </p:nvPr>
-        </p:nvSpPr>
-        <p:spPr>
-          <a:xfrm>
-            <a:off x="311700" y="445025"/>
-            <a:ext cx="8520600" cy="572700"/>
-          </a:xfrm>
-          <a:prstGeom prst="rect">
-            <a:avLst/>
-          </a:prstGeom>
-        </p:spPr>
-        <p:txBody>
-          <a:bodyPr anchorCtr="0" anchor="t" bIns="91425" lIns="91425" spcFirstLastPara="1" rIns="91425" wrap="square" tIns="91425">
-            <a:normAutofit fontScale="90000"/>
-          </a:bodyPr>
-          <a:lstStyle/>
-          <a:p>
-            <a:pPr indent="0" lvl="0" marL="0" rtl="0" algn="l">
-              <a:spcBef>
-                <a:spcPts val="0"/>
-              </a:spcBef>
-              <a:spcAft>
-                <a:spcPts val="0"/>
-              </a:spcAft>
-              <a:buNone/>
-            </a:pPr>
-            <a:r>
-              <a:rPr lang="en"/>
-              <a:t>Portfolio professionnel</a:t>
-            </a:r>
-            <a:endParaRPr/>
-          </a:p>
-        </p:txBody>
-      </p:sp>
-      <p:sp>
-        <p:nvSpPr>
-          <p:cNvPr id="100" name="Google Shape;100;p19"/>
-          <p:cNvSpPr txBox="1"/>
-          <p:nvPr>
-            <p:ph idx="12" type="sldNum"/>
-          </p:nvPr>
-        </p:nvSpPr>
-        <p:spPr>
-          <a:xfrm>
-            <a:off x="8472458" y="4663217"/>
-            <a:ext cx="548700" cy="393600"/>
-          </a:xfrm>
-          <a:prstGeom prst="rect">
-            <a:avLst/>
-          </a:prstGeom>
-        </p:spPr>
-        <p:txBody>
-          <a:bodyPr anchorCtr="0" anchor="ctr" bIns="91425" lIns="91425" spcFirstLastPara="1" rIns="91425" wrap="square" tIns="91425">
-            <a:normAutofit/>
-          </a:bodyPr>
-          <a:lstStyle/>
-          <a:p>
-            <a:pPr indent="0" lvl="0" marL="0" rtl="0" algn="r">
-              <a:spcBef>
-                <a:spcPts val="0"/>
-              </a:spcBef>
-              <a:spcAft>
-                <a:spcPts val="0"/>
-              </a:spcAft>
-              <a:buNone/>
-            </a:pPr>
-            <a:fld id="{00000000-1234-1234-1234-123412341234}" type="slidenum">
-              <a:rPr lang="en"/>
-              <a:t>‹#›</a:t>
-            </a:fld>
-            <a:endParaRPr/>
-          </a:p>
-        </p:txBody>
-      </p:sp>
-      <p:sp>
-        <p:nvSpPr>
-          <p:cNvPr id="101" name="Google Shape;101;p19"/>
-          <p:cNvSpPr txBox="1"/>
-          <p:nvPr>
-            <p:ph idx="1" type="body"/>
-          </p:nvPr>
-        </p:nvSpPr>
-        <p:spPr>
-          <a:xfrm>
-            <a:off x="311700" y="1017725"/>
-            <a:ext cx="8248500" cy="3645600"/>
-          </a:xfrm>
-          <a:prstGeom prst="rect">
-            <a:avLst/>
-          </a:prstGeom>
-        </p:spPr>
-        <p:txBody>
-          <a:bodyPr anchorCtr="0" anchor="t" bIns="91425" lIns="91425" spcFirstLastPara="1" rIns="91425" wrap="square" tIns="91425">
-            <a:noAutofit/>
-          </a:bodyPr>
-          <a:lstStyle/>
-          <a:p>
-            <a:pPr indent="-324094" lvl="0" marL="457200" rtl="0" algn="just">
-              <a:spcBef>
-                <a:spcPts val="0"/>
-              </a:spcBef>
-              <a:spcAft>
-                <a:spcPts val="0"/>
-              </a:spcAft>
-              <a:buSzPts val="1504"/>
-              <a:buChar char="-"/>
-            </a:pPr>
-            <a:r>
-              <a:rPr lang="en" sz="1503"/>
-              <a:t>Projet de développement d'un système d'aide à la détection et à la localisation des erreurs sur les photographies aériennes grâce à l’apprentissage profond (ResNet18).</a:t>
-            </a:r>
-            <a:endParaRPr sz="1503"/>
-          </a:p>
-          <a:p>
-            <a:pPr indent="-324094" lvl="0" marL="457200" rtl="0" algn="just">
-              <a:spcBef>
-                <a:spcPts val="0"/>
-              </a:spcBef>
-              <a:spcAft>
-                <a:spcPts val="0"/>
-              </a:spcAft>
-              <a:buSzPts val="1504"/>
-              <a:buChar char="-"/>
-            </a:pPr>
-            <a:r>
-              <a:rPr lang="en" sz="1503"/>
-              <a:t>Développement en Python d’un « framework » personnalisé permettant de démarrer l’inférence et l’apprentissage via une extension dans QGIS, accéder au progrès et aux résultats via une interface web, en plus d’être notifié par courriel, plus convivialement qu’avec une commande manuelle.</a:t>
-            </a:r>
-            <a:endParaRPr sz="1503"/>
-          </a:p>
-          <a:p>
-            <a:pPr indent="-324094" lvl="0" marL="457200" rtl="0" algn="just">
-              <a:spcBef>
-                <a:spcPts val="0"/>
-              </a:spcBef>
-              <a:spcAft>
-                <a:spcPts val="0"/>
-              </a:spcAft>
-              <a:buSzPts val="1504"/>
-              <a:buChar char="-"/>
-            </a:pPr>
-            <a:r>
-              <a:rPr lang="en" sz="1503"/>
-              <a:t>Initiative de détection pro-active d’anomalies et de détérioration du service téléphonie voix IP (VoIP) à partir des logs des systèmes de téléphonie IP (SBC) du réseau de Bell Canada grâce à un modèle d’apprentissage machine (IBM Drain3 log parsing, PCA).</a:t>
-            </a:r>
-            <a:endParaRPr sz="1503"/>
-          </a:p>
-        </p:txBody>
-      </p:sp>
-    </p:spTree>
-  </p:cSld>
-  <p:clrMapOvr>
-    <a:masterClrMapping/>
-  </p:clrMapOvr>
-</p:sld>
-</file>
-
-<file path=ppt/slides/slide8.xml><?xml version="1.0" encoding="utf-8"?>
-<p:sld xmlns:a="http://schemas.openxmlformats.org/drawingml/2006/main" xmlns:r="http://schemas.openxmlformats.org/officeDocument/2006/relationships" xmlns:mc="http://schemas.openxmlformats.org/markup-compatibility/2006" xmlns:mv="urn:schemas-microsoft-com:mac:vml" xmlns:p="http://schemas.openxmlformats.org/presentationml/2006/main" xmlns:c="http://schemas.openxmlformats.org/drawingml/2006/chart" xmlns:dgm="http://schemas.openxmlformats.org/drawingml/2006/diagram" xmlns:o="urn:schemas-microsoft-com:office:office" xmlns:v="urn:schemas-microsoft-com:vml" xmlns:pvml="urn:schemas-microsoft-com:office:powerpoint" xmlns:com="http://schemas.openxmlformats.org/drawingml/2006/compatibility" xmlns:p14="http://schemas.microsoft.com/office/powerpoint/2010/main" xmlns:p15="http://schemas.microsoft.com/office/powerpoint/2012/main" xmlns:ahyp="http://schemas.microsoft.com/office/drawing/2018/hyperlinkcolor">
-  <p:cSld>
-    <p:spTree>
-      <p:nvGrpSpPr>
-        <p:cNvPr id="105" name="Shape 105"/>
-        <p:cNvGrpSpPr/>
-        <p:nvPr/>
-      </p:nvGrpSpPr>
-      <p:grpSpPr>
-        <a:xfrm>
-          <a:off x="0" y="0"/>
-          <a:ext cx="0" cy="0"/>
-          <a:chOff x="0" y="0"/>
-          <a:chExt cx="0" cy="0"/>
-        </a:xfrm>
-      </p:grpSpPr>
-      <p:sp>
-        <p:nvSpPr>
-          <p:cNvPr id="106" name="Google Shape;106;p20"/>
+          <p:cNvPr id="145" name="Google Shape;145;p21"/>
           <p:cNvSpPr txBox="1"/>
           <p:nvPr>
             <p:ph idx="1" type="body"/>
@@ -9955,7 +11268,7 @@
       </p:sp>
       <p:sp>
         <p:nvSpPr>
-          <p:cNvPr id="107" name="Google Shape;107;p20"/>
+          <p:cNvPr id="146" name="Google Shape;146;p21"/>
           <p:cNvSpPr txBox="1"/>
           <p:nvPr>
             <p:ph type="title"/>
@@ -9987,7 +11300,11 @@
             </a:pPr>
             <a:r>
               <a:rPr lang="en"/>
-              <a:t>Portfolio universitaire</a:t>
+              <a:t>Mon p</a:t>
+            </a:r>
+            <a:r>
+              <a:rPr lang="en"/>
+              <a:t>ortfolio universitaire</a:t>
             </a:r>
             <a:endParaRPr/>
           </a:p>
@@ -9995,7 +11312,7 @@
       </p:sp>
       <p:sp>
         <p:nvSpPr>
-          <p:cNvPr id="108" name="Google Shape;108;p20"/>
+          <p:cNvPr id="147" name="Google Shape;147;p21"/>
           <p:cNvSpPr txBox="1"/>
           <p:nvPr>
             <p:ph idx="12" type="sldNum"/>
@@ -10030,160 +11347,6 @@
               <a:t>‹#›</a:t>
             </a:fld>
             <a:endParaRPr/>
-          </a:p>
-        </p:txBody>
-      </p:sp>
-    </p:spTree>
-  </p:cSld>
-  <p:clrMapOvr>
-    <a:masterClrMapping/>
-  </p:clrMapOvr>
-</p:sld>
-</file>
-
-<file path=ppt/slides/slide9.xml><?xml version="1.0" encoding="utf-8"?>
-<p:sld xmlns:a="http://schemas.openxmlformats.org/drawingml/2006/main" xmlns:r="http://schemas.openxmlformats.org/officeDocument/2006/relationships" xmlns:mc="http://schemas.openxmlformats.org/markup-compatibility/2006" xmlns:mv="urn:schemas-microsoft-com:mac:vml" xmlns:p="http://schemas.openxmlformats.org/presentationml/2006/main" xmlns:c="http://schemas.openxmlformats.org/drawingml/2006/chart" xmlns:dgm="http://schemas.openxmlformats.org/drawingml/2006/diagram" xmlns:o="urn:schemas-microsoft-com:office:office" xmlns:v="urn:schemas-microsoft-com:vml" xmlns:pvml="urn:schemas-microsoft-com:office:powerpoint" xmlns:com="http://schemas.openxmlformats.org/drawingml/2006/compatibility" xmlns:p14="http://schemas.microsoft.com/office/powerpoint/2010/main" xmlns:p15="http://schemas.microsoft.com/office/powerpoint/2012/main" xmlns:ahyp="http://schemas.microsoft.com/office/drawing/2018/hyperlinkcolor">
-  <p:cSld>
-    <p:spTree>
-      <p:nvGrpSpPr>
-        <p:cNvPr id="112" name="Shape 112"/>
-        <p:cNvGrpSpPr/>
-        <p:nvPr/>
-      </p:nvGrpSpPr>
-      <p:grpSpPr>
-        <a:xfrm>
-          <a:off x="0" y="0"/>
-          <a:ext cx="0" cy="0"/>
-          <a:chOff x="0" y="0"/>
-          <a:chExt cx="0" cy="0"/>
-        </a:xfrm>
-      </p:grpSpPr>
-      <p:sp>
-        <p:nvSpPr>
-          <p:cNvPr id="113" name="Google Shape;113;p21"/>
-          <p:cNvSpPr txBox="1"/>
-          <p:nvPr>
-            <p:ph type="title"/>
-          </p:nvPr>
-        </p:nvSpPr>
-        <p:spPr>
-          <a:xfrm>
-            <a:off x="311700" y="445025"/>
-            <a:ext cx="8520600" cy="572700"/>
-          </a:xfrm>
-          <a:prstGeom prst="rect">
-            <a:avLst/>
-          </a:prstGeom>
-        </p:spPr>
-        <p:txBody>
-          <a:bodyPr anchorCtr="0" anchor="t" bIns="91425" lIns="91425" spcFirstLastPara="1" rIns="91425" wrap="square" tIns="91425">
-            <a:normAutofit fontScale="90000"/>
-          </a:bodyPr>
-          <a:lstStyle/>
-          <a:p>
-            <a:pPr indent="0" lvl="0" marL="0" rtl="0" algn="l">
-              <a:spcBef>
-                <a:spcPts val="0"/>
-              </a:spcBef>
-              <a:spcAft>
-                <a:spcPts val="0"/>
-              </a:spcAft>
-              <a:buNone/>
-            </a:pPr>
-            <a:r>
-              <a:rPr lang="en"/>
-              <a:t>Discussion, questions</a:t>
-            </a:r>
-            <a:endParaRPr/>
-          </a:p>
-        </p:txBody>
-      </p:sp>
-      <p:sp>
-        <p:nvSpPr>
-          <p:cNvPr id="114" name="Google Shape;114;p21"/>
-          <p:cNvSpPr txBox="1"/>
-          <p:nvPr>
-            <p:ph idx="12" type="sldNum"/>
-          </p:nvPr>
-        </p:nvSpPr>
-        <p:spPr>
-          <a:xfrm>
-            <a:off x="8472458" y="4663217"/>
-            <a:ext cx="548700" cy="393600"/>
-          </a:xfrm>
-          <a:prstGeom prst="rect">
-            <a:avLst/>
-          </a:prstGeom>
-        </p:spPr>
-        <p:txBody>
-          <a:bodyPr anchorCtr="0" anchor="ctr" bIns="91425" lIns="91425" spcFirstLastPara="1" rIns="91425" wrap="square" tIns="91425">
-            <a:normAutofit/>
-          </a:bodyPr>
-          <a:lstStyle/>
-          <a:p>
-            <a:pPr indent="0" lvl="0" marL="0" rtl="0" algn="r">
-              <a:spcBef>
-                <a:spcPts val="0"/>
-              </a:spcBef>
-              <a:spcAft>
-                <a:spcPts val="0"/>
-              </a:spcAft>
-              <a:buNone/>
-            </a:pPr>
-            <a:fld id="{00000000-1234-1234-1234-123412341234}" type="slidenum">
-              <a:rPr lang="en"/>
-              <a:t>‹#›</a:t>
-            </a:fld>
-            <a:endParaRPr/>
-          </a:p>
-        </p:txBody>
-      </p:sp>
-      <p:sp>
-        <p:nvSpPr>
-          <p:cNvPr id="115" name="Google Shape;115;p21"/>
-          <p:cNvSpPr txBox="1"/>
-          <p:nvPr/>
-        </p:nvSpPr>
-        <p:spPr>
-          <a:xfrm>
-            <a:off x="311800" y="2316425"/>
-            <a:ext cx="8520600" cy="616200"/>
-          </a:xfrm>
-          <a:prstGeom prst="rect">
-            <a:avLst/>
-          </a:prstGeom>
-          <a:noFill/>
-          <a:ln>
-            <a:noFill/>
-          </a:ln>
-        </p:spPr>
-        <p:txBody>
-          <a:bodyPr anchorCtr="0" anchor="t" bIns="91425" lIns="91425" spcFirstLastPara="1" rIns="91425" wrap="square" tIns="91425">
-            <a:spAutoFit/>
-          </a:bodyPr>
-          <a:lstStyle/>
-          <a:p>
-            <a:pPr indent="0" lvl="0" marL="0" rtl="0" algn="ctr">
-              <a:lnSpc>
-                <a:spcPct val="115000"/>
-              </a:lnSpc>
-              <a:spcBef>
-                <a:spcPts val="0"/>
-              </a:spcBef>
-              <a:spcAft>
-                <a:spcPts val="1200"/>
-              </a:spcAft>
-              <a:buNone/>
-            </a:pPr>
-            <a:r>
-              <a:rPr b="1" lang="en" sz="2803">
-                <a:solidFill>
-                  <a:schemeClr val="dk2"/>
-                </a:solidFill>
-              </a:rPr>
-              <a:t>Merci</a:t>
-            </a:r>
-            <a:endParaRPr b="1" sz="2700"/>
           </a:p>
         </p:txBody>
       </p:sp>
